--- a/Maven Roasters Project1.pptx
+++ b/Maven Roasters Project1.pptx
@@ -5,7 +5,7 @@
     <p:sldMasterId id="2147483648" r:id="rId1"/>
   </p:sldMasterIdLst>
   <p:notesMasterIdLst>
-    <p:notesMasterId r:id="rId16"/>
+    <p:notesMasterId r:id="rId17"/>
   </p:notesMasterIdLst>
   <p:sldIdLst>
     <p:sldId id="256" r:id="rId2"/>
@@ -21,7 +21,8 @@
     <p:sldId id="269" r:id="rId12"/>
     <p:sldId id="270" r:id="rId13"/>
     <p:sldId id="272" r:id="rId14"/>
-    <p:sldId id="271" r:id="rId15"/>
+    <p:sldId id="273" r:id="rId15"/>
+    <p:sldId id="271" r:id="rId16"/>
   </p:sldIdLst>
   <p:sldSz cx="12192000" cy="6858000"/>
   <p:notesSz cx="6858000" cy="9144000"/>
@@ -120,6 +121,11 @@
       </a:defRPr>
     </a:lvl9pPr>
   </p:defaultTextStyle>
+  <p:extLst>
+    <p:ext uri="{EFAFB233-063F-42B5-8137-9DF3F51BA10A}">
+      <p15:sldGuideLst xmlns:p15="http://schemas.microsoft.com/office/powerpoint/2012/main"/>
+    </p:ext>
+  </p:extLst>
 </p:presentation>
 </file>
 
@@ -128,12 +134,12 @@
   <pc:docChgLst>
     <pc:chgData name="Cindy Detraz" userId="ef60abe6efcaf059" providerId="LiveId" clId="{ACA86C18-1B6A-4B97-A55E-9AEEAB4AEA2B}"/>
     <pc:docChg chg="undo custSel addSld delSld modSld sldOrd">
-      <pc:chgData name="Cindy Detraz" userId="ef60abe6efcaf059" providerId="LiveId" clId="{ACA86C18-1B6A-4B97-A55E-9AEEAB4AEA2B}" dt="2024-01-11T03:28:21.987" v="1351" actId="2696"/>
+      <pc:chgData name="Cindy Detraz" userId="ef60abe6efcaf059" providerId="LiveId" clId="{ACA86C18-1B6A-4B97-A55E-9AEEAB4AEA2B}" dt="2024-01-11T21:29:28.335" v="2245" actId="14100"/>
       <pc:docMkLst>
         <pc:docMk/>
       </pc:docMkLst>
       <pc:sldChg chg="addSp delSp modSp mod">
-        <pc:chgData name="Cindy Detraz" userId="ef60abe6efcaf059" providerId="LiveId" clId="{ACA86C18-1B6A-4B97-A55E-9AEEAB4AEA2B}" dt="2024-01-11T00:17:08.259" v="180" actId="1076"/>
+        <pc:chgData name="Cindy Detraz" userId="ef60abe6efcaf059" providerId="LiveId" clId="{ACA86C18-1B6A-4B97-A55E-9AEEAB4AEA2B}" dt="2024-01-11T21:25:36.481" v="2208" actId="1440"/>
         <pc:sldMkLst>
           <pc:docMk/>
           <pc:sldMk cId="3501264177" sldId="257"/>
@@ -179,7 +185,7 @@
           </ac:picMkLst>
         </pc:picChg>
         <pc:picChg chg="add mod">
-          <ac:chgData name="Cindy Detraz" userId="ef60abe6efcaf059" providerId="LiveId" clId="{ACA86C18-1B6A-4B97-A55E-9AEEAB4AEA2B}" dt="2024-01-11T00:17:06.648" v="179" actId="14100"/>
+          <ac:chgData name="Cindy Detraz" userId="ef60abe6efcaf059" providerId="LiveId" clId="{ACA86C18-1B6A-4B97-A55E-9AEEAB4AEA2B}" dt="2024-01-11T21:25:36.481" v="2208" actId="1440"/>
           <ac:picMkLst>
             <pc:docMk/>
             <pc:sldMk cId="3501264177" sldId="257"/>
@@ -402,7 +408,7 @@
         </pc:picChg>
       </pc:sldChg>
       <pc:sldChg chg="addSp delSp modSp new mod">
-        <pc:chgData name="Cindy Detraz" userId="ef60abe6efcaf059" providerId="LiveId" clId="{ACA86C18-1B6A-4B97-A55E-9AEEAB4AEA2B}" dt="2024-01-11T01:43:23.139" v="567" actId="14100"/>
+        <pc:chgData name="Cindy Detraz" userId="ef60abe6efcaf059" providerId="LiveId" clId="{ACA86C18-1B6A-4B97-A55E-9AEEAB4AEA2B}" dt="2024-01-11T21:25:58.059" v="2211" actId="1076"/>
         <pc:sldMkLst>
           <pc:docMk/>
           <pc:sldMk cId="3005533824" sldId="260"/>
@@ -423,6 +429,14 @@
             <ac:spMk id="3" creationId="{D19E163F-5422-F6A4-7466-E36C2C0A7AFD}"/>
           </ac:spMkLst>
         </pc:spChg>
+        <pc:spChg chg="add del mod">
+          <ac:chgData name="Cindy Detraz" userId="ef60abe6efcaf059" providerId="LiveId" clId="{ACA86C18-1B6A-4B97-A55E-9AEEAB4AEA2B}" dt="2024-01-11T04:28:38.204" v="1781" actId="21"/>
+          <ac:spMkLst>
+            <pc:docMk/>
+            <pc:sldMk cId="3005533824" sldId="260"/>
+            <ac:spMk id="4" creationId="{4D030406-72DB-0D98-EE1E-5F5400DF0154}"/>
+          </ac:spMkLst>
+        </pc:spChg>
         <pc:spChg chg="add del">
           <ac:chgData name="Cindy Detraz" userId="ef60abe6efcaf059" providerId="LiveId" clId="{ACA86C18-1B6A-4B97-A55E-9AEEAB4AEA2B}" dt="2024-01-11T00:28:49.028" v="224" actId="21"/>
           <ac:spMkLst>
@@ -439,24 +453,64 @@
             <ac:spMk id="7" creationId="{55CA46F8-7089-1976-B33B-A64F03795299}"/>
           </ac:spMkLst>
         </pc:spChg>
-        <pc:spChg chg="add mod">
-          <ac:chgData name="Cindy Detraz" userId="ef60abe6efcaf059" providerId="LiveId" clId="{ACA86C18-1B6A-4B97-A55E-9AEEAB4AEA2B}" dt="2024-01-11T01:42:14.704" v="564" actId="1076"/>
+        <pc:spChg chg="add del mod">
+          <ac:chgData name="Cindy Detraz" userId="ef60abe6efcaf059" providerId="LiveId" clId="{ACA86C18-1B6A-4B97-A55E-9AEEAB4AEA2B}" dt="2024-01-11T04:30:10.360" v="1792" actId="478"/>
+          <ac:spMkLst>
+            <pc:docMk/>
+            <pc:sldMk cId="3005533824" sldId="260"/>
+            <ac:spMk id="7" creationId="{FDFDA33C-8203-8E62-939D-38466425BD84}"/>
+          </ac:spMkLst>
+        </pc:spChg>
+        <pc:spChg chg="add del mod">
+          <ac:chgData name="Cindy Detraz" userId="ef60abe6efcaf059" providerId="LiveId" clId="{ACA86C18-1B6A-4B97-A55E-9AEEAB4AEA2B}" dt="2024-01-11T04:01:59.261" v="1692" actId="478"/>
           <ac:spMkLst>
             <pc:docMk/>
             <pc:sldMk cId="3005533824" sldId="260"/>
             <ac:spMk id="8" creationId="{D3BB9BB2-D3E4-2D0F-3F42-84BD5674E565}"/>
           </ac:spMkLst>
         </pc:spChg>
-        <pc:spChg chg="add mod">
-          <ac:chgData name="Cindy Detraz" userId="ef60abe6efcaf059" providerId="LiveId" clId="{ACA86C18-1B6A-4B97-A55E-9AEEAB4AEA2B}" dt="2024-01-11T01:42:17.954" v="565" actId="1076"/>
+        <pc:spChg chg="add del mod">
+          <ac:chgData name="Cindy Detraz" userId="ef60abe6efcaf059" providerId="LiveId" clId="{ACA86C18-1B6A-4B97-A55E-9AEEAB4AEA2B}" dt="2024-01-11T04:02:01.770" v="1693" actId="478"/>
           <ac:spMkLst>
             <pc:docMk/>
             <pc:sldMk cId="3005533824" sldId="260"/>
             <ac:spMk id="9" creationId="{1DE9EC8E-B34C-986E-1034-4D728B596D07}"/>
           </ac:spMkLst>
         </pc:spChg>
+        <pc:spChg chg="add del mod">
+          <ac:chgData name="Cindy Detraz" userId="ef60abe6efcaf059" providerId="LiveId" clId="{ACA86C18-1B6A-4B97-A55E-9AEEAB4AEA2B}" dt="2024-01-11T05:08:54.557" v="2207" actId="14100"/>
+          <ac:spMkLst>
+            <pc:docMk/>
+            <pc:sldMk cId="3005533824" sldId="260"/>
+            <ac:spMk id="10" creationId="{A3B3C7CA-4DEC-50BD-47E1-4C02110C4A8E}"/>
+          </ac:spMkLst>
+        </pc:spChg>
+        <pc:spChg chg="add del mod">
+          <ac:chgData name="Cindy Detraz" userId="ef60abe6efcaf059" providerId="LiveId" clId="{ACA86C18-1B6A-4B97-A55E-9AEEAB4AEA2B}" dt="2024-01-11T05:03:43.310" v="2198" actId="21"/>
+          <ac:spMkLst>
+            <pc:docMk/>
+            <pc:sldMk cId="3005533824" sldId="260"/>
+            <ac:spMk id="11" creationId="{CAD425B9-0BAC-D033-BD48-99590B571EF1}"/>
+          </ac:spMkLst>
+        </pc:spChg>
+        <pc:spChg chg="add mod">
+          <ac:chgData name="Cindy Detraz" userId="ef60abe6efcaf059" providerId="LiveId" clId="{ACA86C18-1B6A-4B97-A55E-9AEEAB4AEA2B}" dt="2024-01-11T05:08:42.183" v="2204" actId="14100"/>
+          <ac:spMkLst>
+            <pc:docMk/>
+            <pc:sldMk cId="3005533824" sldId="260"/>
+            <ac:spMk id="12" creationId="{2C9C2CFD-2C77-4391-A049-AE4C66284B47}"/>
+          </ac:spMkLst>
+        </pc:spChg>
         <pc:picChg chg="add mod">
-          <ac:chgData name="Cindy Detraz" userId="ef60abe6efcaf059" providerId="LiveId" clId="{ACA86C18-1B6A-4B97-A55E-9AEEAB4AEA2B}" dt="2024-01-11T01:43:23.139" v="567" actId="14100"/>
+          <ac:chgData name="Cindy Detraz" userId="ef60abe6efcaf059" providerId="LiveId" clId="{ACA86C18-1B6A-4B97-A55E-9AEEAB4AEA2B}" dt="2024-01-11T04:28:37.468" v="1780"/>
+          <ac:picMkLst>
+            <pc:docMk/>
+            <pc:sldMk cId="3005533824" sldId="260"/>
+            <ac:picMk id="5" creationId="{A429AA1B-B4B5-D644-11A5-9FB89786EA40}"/>
+          </ac:picMkLst>
+        </pc:picChg>
+        <pc:picChg chg="add del mod">
+          <ac:chgData name="Cindy Detraz" userId="ef60abe6efcaf059" providerId="LiveId" clId="{ACA86C18-1B6A-4B97-A55E-9AEEAB4AEA2B}" dt="2024-01-11T21:25:58.059" v="2211" actId="1076"/>
           <ac:picMkLst>
             <pc:docMk/>
             <pc:sldMk cId="3005533824" sldId="260"/>
@@ -465,7 +519,7 @@
         </pc:picChg>
       </pc:sldChg>
       <pc:sldChg chg="addSp delSp modSp new mod ord">
-        <pc:chgData name="Cindy Detraz" userId="ef60abe6efcaf059" providerId="LiveId" clId="{ACA86C18-1B6A-4B97-A55E-9AEEAB4AEA2B}" dt="2024-01-11T03:28:08.904" v="1349" actId="1076"/>
+        <pc:chgData name="Cindy Detraz" userId="ef60abe6efcaf059" providerId="LiveId" clId="{ACA86C18-1B6A-4B97-A55E-9AEEAB4AEA2B}" dt="2024-01-11T21:25:48.592" v="2209" actId="1440"/>
         <pc:sldMkLst>
           <pc:docMk/>
           <pc:sldMk cId="2716277043" sldId="261"/>
@@ -478,6 +532,14 @@
             <ac:spMk id="2" creationId="{722EB325-B987-5B79-D004-17B5C3CC5DEF}"/>
           </ac:spMkLst>
         </pc:spChg>
+        <pc:spChg chg="add del mod">
+          <ac:chgData name="Cindy Detraz" userId="ef60abe6efcaf059" providerId="LiveId" clId="{ACA86C18-1B6A-4B97-A55E-9AEEAB4AEA2B}" dt="2024-01-11T04:22:07.489" v="1777"/>
+          <ac:spMkLst>
+            <pc:docMk/>
+            <pc:sldMk cId="2716277043" sldId="261"/>
+            <ac:spMk id="3" creationId="{8613F8D2-B6F0-7654-4D03-7B5CFC9E39B0}"/>
+          </ac:spMkLst>
+        </pc:spChg>
         <pc:spChg chg="del">
           <ac:chgData name="Cindy Detraz" userId="ef60abe6efcaf059" providerId="LiveId" clId="{ACA86C18-1B6A-4B97-A55E-9AEEAB4AEA2B}" dt="2024-01-11T00:37:27.498" v="263" actId="931"/>
           <ac:spMkLst>
@@ -486,8 +548,24 @@
             <ac:spMk id="3" creationId="{EC96D9D6-7FDD-A752-CE28-EEF96D59D7C7}"/>
           </ac:spMkLst>
         </pc:spChg>
+        <pc:spChg chg="add del mod">
+          <ac:chgData name="Cindy Detraz" userId="ef60abe6efcaf059" providerId="LiveId" clId="{ACA86C18-1B6A-4B97-A55E-9AEEAB4AEA2B}" dt="2024-01-11T05:03:31.905" v="2196" actId="21"/>
+          <ac:spMkLst>
+            <pc:docMk/>
+            <pc:sldMk cId="2716277043" sldId="261"/>
+            <ac:spMk id="10" creationId="{A3B3C7CA-4DEC-50BD-47E1-4C02110C4A8E}"/>
+          </ac:spMkLst>
+        </pc:spChg>
+        <pc:spChg chg="add mod">
+          <ac:chgData name="Cindy Detraz" userId="ef60abe6efcaf059" providerId="LiveId" clId="{ACA86C18-1B6A-4B97-A55E-9AEEAB4AEA2B}" dt="2024-01-11T05:03:47.531" v="2200" actId="1076"/>
+          <ac:spMkLst>
+            <pc:docMk/>
+            <pc:sldMk cId="2716277043" sldId="261"/>
+            <ac:spMk id="11" creationId="{CAD425B9-0BAC-D033-BD48-99590B571EF1}"/>
+          </ac:spMkLst>
+        </pc:spChg>
         <pc:picChg chg="add mod">
-          <ac:chgData name="Cindy Detraz" userId="ef60abe6efcaf059" providerId="LiveId" clId="{ACA86C18-1B6A-4B97-A55E-9AEEAB4AEA2B}" dt="2024-01-11T00:38:12.006" v="273" actId="1076"/>
+          <ac:chgData name="Cindy Detraz" userId="ef60abe6efcaf059" providerId="LiveId" clId="{ACA86C18-1B6A-4B97-A55E-9AEEAB4AEA2B}" dt="2024-01-11T21:25:48.592" v="2209" actId="1440"/>
           <ac:picMkLst>
             <pc:docMk/>
             <pc:sldMk cId="2716277043" sldId="261"/>
@@ -606,7 +684,7 @@
         </pc:picChg>
       </pc:sldChg>
       <pc:sldChg chg="addSp modSp new mod ord">
-        <pc:chgData name="Cindy Detraz" userId="ef60abe6efcaf059" providerId="LiveId" clId="{ACA86C18-1B6A-4B97-A55E-9AEEAB4AEA2B}" dt="2024-01-11T03:07:38.156" v="983" actId="12"/>
+        <pc:chgData name="Cindy Detraz" userId="ef60abe6efcaf059" providerId="LiveId" clId="{ACA86C18-1B6A-4B97-A55E-9AEEAB4AEA2B}" dt="2024-01-11T21:26:24.322" v="2213" actId="1440"/>
         <pc:sldMkLst>
           <pc:docMk/>
           <pc:sldMk cId="4200639994" sldId="264"/>
@@ -628,7 +706,7 @@
           </ac:spMkLst>
         </pc:spChg>
         <pc:picChg chg="add mod">
-          <ac:chgData name="Cindy Detraz" userId="ef60abe6efcaf059" providerId="LiveId" clId="{ACA86C18-1B6A-4B97-A55E-9AEEAB4AEA2B}" dt="2024-01-11T03:06:25.138" v="968" actId="14100"/>
+          <ac:chgData name="Cindy Detraz" userId="ef60abe6efcaf059" providerId="LiveId" clId="{ACA86C18-1B6A-4B97-A55E-9AEEAB4AEA2B}" dt="2024-01-11T21:26:24.322" v="2213" actId="1440"/>
           <ac:picMkLst>
             <pc:docMk/>
             <pc:sldMk cId="4200639994" sldId="264"/>
@@ -637,7 +715,7 @@
         </pc:picChg>
       </pc:sldChg>
       <pc:sldChg chg="addSp modSp new mod">
-        <pc:chgData name="Cindy Detraz" userId="ef60abe6efcaf059" providerId="LiveId" clId="{ACA86C18-1B6A-4B97-A55E-9AEEAB4AEA2B}" dt="2024-01-11T03:07:32.542" v="982" actId="12"/>
+        <pc:chgData name="Cindy Detraz" userId="ef60abe6efcaf059" providerId="LiveId" clId="{ACA86C18-1B6A-4B97-A55E-9AEEAB4AEA2B}" dt="2024-01-11T21:26:36.517" v="2214" actId="1440"/>
         <pc:sldMkLst>
           <pc:docMk/>
           <pc:sldMk cId="3796917910" sldId="265"/>
@@ -659,7 +737,7 @@
           </ac:spMkLst>
         </pc:spChg>
         <pc:picChg chg="add mod">
-          <ac:chgData name="Cindy Detraz" userId="ef60abe6efcaf059" providerId="LiveId" clId="{ACA86C18-1B6A-4B97-A55E-9AEEAB4AEA2B}" dt="2024-01-11T02:41:12.221" v="787" actId="14100"/>
+          <ac:chgData name="Cindy Detraz" userId="ef60abe6efcaf059" providerId="LiveId" clId="{ACA86C18-1B6A-4B97-A55E-9AEEAB4AEA2B}" dt="2024-01-11T21:26:36.517" v="2214" actId="1440"/>
           <ac:picMkLst>
             <pc:docMk/>
             <pc:sldMk cId="3796917910" sldId="265"/>
@@ -668,7 +746,7 @@
         </pc:picChg>
       </pc:sldChg>
       <pc:sldChg chg="addSp modSp new mod">
-        <pc:chgData name="Cindy Detraz" userId="ef60abe6efcaf059" providerId="LiveId" clId="{ACA86C18-1B6A-4B97-A55E-9AEEAB4AEA2B}" dt="2024-01-11T02:51:16.581" v="922" actId="14100"/>
+        <pc:chgData name="Cindy Detraz" userId="ef60abe6efcaf059" providerId="LiveId" clId="{ACA86C18-1B6A-4B97-A55E-9AEEAB4AEA2B}" dt="2024-01-11T21:26:53.876" v="2216" actId="1440"/>
         <pc:sldMkLst>
           <pc:docMk/>
           <pc:sldMk cId="3866562716" sldId="266"/>
@@ -690,7 +768,7 @@
           </ac:spMkLst>
         </pc:spChg>
         <pc:picChg chg="add mod">
-          <ac:chgData name="Cindy Detraz" userId="ef60abe6efcaf059" providerId="LiveId" clId="{ACA86C18-1B6A-4B97-A55E-9AEEAB4AEA2B}" dt="2024-01-11T02:51:16.581" v="922" actId="14100"/>
+          <ac:chgData name="Cindy Detraz" userId="ef60abe6efcaf059" providerId="LiveId" clId="{ACA86C18-1B6A-4B97-A55E-9AEEAB4AEA2B}" dt="2024-01-11T21:26:53.876" v="2216" actId="1440"/>
           <ac:picMkLst>
             <pc:docMk/>
             <pc:sldMk cId="3866562716" sldId="266"/>
@@ -699,7 +777,7 @@
         </pc:picChg>
       </pc:sldChg>
       <pc:sldChg chg="addSp modSp new mod">
-        <pc:chgData name="Cindy Detraz" userId="ef60abe6efcaf059" providerId="LiveId" clId="{ACA86C18-1B6A-4B97-A55E-9AEEAB4AEA2B}" dt="2024-01-11T03:09:14.406" v="1007" actId="1076"/>
+        <pc:chgData name="Cindy Detraz" userId="ef60abe6efcaf059" providerId="LiveId" clId="{ACA86C18-1B6A-4B97-A55E-9AEEAB4AEA2B}" dt="2024-01-11T21:27:03.309" v="2217" actId="1440"/>
         <pc:sldMkLst>
           <pc:docMk/>
           <pc:sldMk cId="860628976" sldId="267"/>
@@ -729,7 +807,7 @@
           </ac:graphicFrameMkLst>
         </pc:graphicFrameChg>
         <pc:picChg chg="add mod">
-          <ac:chgData name="Cindy Detraz" userId="ef60abe6efcaf059" providerId="LiveId" clId="{ACA86C18-1B6A-4B97-A55E-9AEEAB4AEA2B}" dt="2024-01-11T03:09:14.406" v="1007" actId="1076"/>
+          <ac:chgData name="Cindy Detraz" userId="ef60abe6efcaf059" providerId="LiveId" clId="{ACA86C18-1B6A-4B97-A55E-9AEEAB4AEA2B}" dt="2024-01-11T21:27:03.309" v="2217" actId="1440"/>
           <ac:picMkLst>
             <pc:docMk/>
             <pc:sldMk cId="860628976" sldId="267"/>
@@ -738,7 +816,7 @@
         </pc:picChg>
       </pc:sldChg>
       <pc:sldChg chg="addSp modSp new mod ord">
-        <pc:chgData name="Cindy Detraz" userId="ef60abe6efcaf059" providerId="LiveId" clId="{ACA86C18-1B6A-4B97-A55E-9AEEAB4AEA2B}" dt="2024-01-11T02:48:12.437" v="861"/>
+        <pc:chgData name="Cindy Detraz" userId="ef60abe6efcaf059" providerId="LiveId" clId="{ACA86C18-1B6A-4B97-A55E-9AEEAB4AEA2B}" dt="2024-01-11T21:26:42.209" v="2215" actId="1440"/>
         <pc:sldMkLst>
           <pc:docMk/>
           <pc:sldMk cId="1230423509" sldId="268"/>
@@ -768,7 +846,7 @@
           </ac:spMkLst>
         </pc:spChg>
         <pc:picChg chg="add mod">
-          <ac:chgData name="Cindy Detraz" userId="ef60abe6efcaf059" providerId="LiveId" clId="{ACA86C18-1B6A-4B97-A55E-9AEEAB4AEA2B}" dt="2024-01-11T02:46:22.356" v="840" actId="14100"/>
+          <ac:chgData name="Cindy Detraz" userId="ef60abe6efcaf059" providerId="LiveId" clId="{ACA86C18-1B6A-4B97-A55E-9AEEAB4AEA2B}" dt="2024-01-11T21:26:42.209" v="2215" actId="1440"/>
           <ac:picMkLst>
             <pc:docMk/>
             <pc:sldMk cId="1230423509" sldId="268"/>
@@ -777,7 +855,7 @@
         </pc:picChg>
       </pc:sldChg>
       <pc:sldChg chg="addSp modSp new mod">
-        <pc:chgData name="Cindy Detraz" userId="ef60abe6efcaf059" providerId="LiveId" clId="{ACA86C18-1B6A-4B97-A55E-9AEEAB4AEA2B}" dt="2024-01-11T03:16:17.373" v="1087" actId="1076"/>
+        <pc:chgData name="Cindy Detraz" userId="ef60abe6efcaf059" providerId="LiveId" clId="{ACA86C18-1B6A-4B97-A55E-9AEEAB4AEA2B}" dt="2024-01-11T21:27:19.701" v="2220" actId="1440"/>
         <pc:sldMkLst>
           <pc:docMk/>
           <pc:sldMk cId="2851820437" sldId="269"/>
@@ -807,7 +885,7 @@
           </ac:spMkLst>
         </pc:spChg>
         <pc:picChg chg="add mod">
-          <ac:chgData name="Cindy Detraz" userId="ef60abe6efcaf059" providerId="LiveId" clId="{ACA86C18-1B6A-4B97-A55E-9AEEAB4AEA2B}" dt="2024-01-11T03:14:28.814" v="1068" actId="1076"/>
+          <ac:chgData name="Cindy Detraz" userId="ef60abe6efcaf059" providerId="LiveId" clId="{ACA86C18-1B6A-4B97-A55E-9AEEAB4AEA2B}" dt="2024-01-11T21:27:11.215" v="2218" actId="1440"/>
           <ac:picMkLst>
             <pc:docMk/>
             <pc:sldMk cId="2851820437" sldId="269"/>
@@ -815,7 +893,7 @@
           </ac:picMkLst>
         </pc:picChg>
         <pc:picChg chg="add mod">
-          <ac:chgData name="Cindy Detraz" userId="ef60abe6efcaf059" providerId="LiveId" clId="{ACA86C18-1B6A-4B97-A55E-9AEEAB4AEA2B}" dt="2024-01-11T03:14:31.185" v="1070" actId="1076"/>
+          <ac:chgData name="Cindy Detraz" userId="ef60abe6efcaf059" providerId="LiveId" clId="{ACA86C18-1B6A-4B97-A55E-9AEEAB4AEA2B}" dt="2024-01-11T21:27:15.103" v="2219" actId="1440"/>
           <ac:picMkLst>
             <pc:docMk/>
             <pc:sldMk cId="2851820437" sldId="269"/>
@@ -823,7 +901,7 @@
           </ac:picMkLst>
         </pc:picChg>
         <pc:picChg chg="add mod">
-          <ac:chgData name="Cindy Detraz" userId="ef60abe6efcaf059" providerId="LiveId" clId="{ACA86C18-1B6A-4B97-A55E-9AEEAB4AEA2B}" dt="2024-01-11T03:14:50.008" v="1073" actId="14100"/>
+          <ac:chgData name="Cindy Detraz" userId="ef60abe6efcaf059" providerId="LiveId" clId="{ACA86C18-1B6A-4B97-A55E-9AEEAB4AEA2B}" dt="2024-01-11T21:27:19.701" v="2220" actId="1440"/>
           <ac:picMkLst>
             <pc:docMk/>
             <pc:sldMk cId="2851820437" sldId="269"/>
@@ -832,7 +910,7 @@
         </pc:picChg>
       </pc:sldChg>
       <pc:sldChg chg="addSp modSp new mod">
-        <pc:chgData name="Cindy Detraz" userId="ef60abe6efcaf059" providerId="LiveId" clId="{ACA86C18-1B6A-4B97-A55E-9AEEAB4AEA2B}" dt="2024-01-11T03:27:05.968" v="1335" actId="27636"/>
+        <pc:chgData name="Cindy Detraz" userId="ef60abe6efcaf059" providerId="LiveId" clId="{ACA86C18-1B6A-4B97-A55E-9AEEAB4AEA2B}" dt="2024-01-11T21:27:32.665" v="2222" actId="1076"/>
         <pc:sldMkLst>
           <pc:docMk/>
           <pc:sldMk cId="2568028002" sldId="270"/>
@@ -854,7 +932,7 @@
           </ac:spMkLst>
         </pc:spChg>
         <pc:picChg chg="add mod">
-          <ac:chgData name="Cindy Detraz" userId="ef60abe6efcaf059" providerId="LiveId" clId="{ACA86C18-1B6A-4B97-A55E-9AEEAB4AEA2B}" dt="2024-01-11T03:23:38.438" v="1259" actId="1076"/>
+          <ac:chgData name="Cindy Detraz" userId="ef60abe6efcaf059" providerId="LiveId" clId="{ACA86C18-1B6A-4B97-A55E-9AEEAB4AEA2B}" dt="2024-01-11T21:27:32.665" v="2222" actId="1076"/>
           <ac:picMkLst>
             <pc:docMk/>
             <pc:sldMk cId="2568028002" sldId="270"/>
@@ -870,7 +948,7 @@
         </pc:sldMkLst>
       </pc:sldChg>
       <pc:sldChg chg="modSp new mod">
-        <pc:chgData name="Cindy Detraz" userId="ef60abe6efcaf059" providerId="LiveId" clId="{ACA86C18-1B6A-4B97-A55E-9AEEAB4AEA2B}" dt="2024-01-11T03:21:39.515" v="1237" actId="255"/>
+        <pc:chgData name="Cindy Detraz" userId="ef60abe6efcaf059" providerId="LiveId" clId="{ACA86C18-1B6A-4B97-A55E-9AEEAB4AEA2B}" dt="2024-01-11T21:28:45.078" v="2238" actId="14100"/>
         <pc:sldMkLst>
           <pc:docMk/>
           <pc:sldMk cId="3459354766" sldId="271"/>
@@ -884,7 +962,7 @@
           </ac:spMkLst>
         </pc:spChg>
         <pc:spChg chg="mod">
-          <ac:chgData name="Cindy Detraz" userId="ef60abe6efcaf059" providerId="LiveId" clId="{ACA86C18-1B6A-4B97-A55E-9AEEAB4AEA2B}" dt="2024-01-11T03:21:39.515" v="1237" actId="255"/>
+          <ac:chgData name="Cindy Detraz" userId="ef60abe6efcaf059" providerId="LiveId" clId="{ACA86C18-1B6A-4B97-A55E-9AEEAB4AEA2B}" dt="2024-01-11T21:28:45.078" v="2238" actId="14100"/>
           <ac:spMkLst>
             <pc:docMk/>
             <pc:sldMk cId="3459354766" sldId="271"/>
@@ -893,7 +971,7 @@
         </pc:spChg>
       </pc:sldChg>
       <pc:sldChg chg="addSp delSp modSp new mod">
-        <pc:chgData name="Cindy Detraz" userId="ef60abe6efcaf059" providerId="LiveId" clId="{ACA86C18-1B6A-4B97-A55E-9AEEAB4AEA2B}" dt="2024-01-11T03:26:41.332" v="1329" actId="14100"/>
+        <pc:chgData name="Cindy Detraz" userId="ef60abe6efcaf059" providerId="LiveId" clId="{ACA86C18-1B6A-4B97-A55E-9AEEAB4AEA2B}" dt="2024-01-11T21:27:57.645" v="2229" actId="1076"/>
         <pc:sldMkLst>
           <pc:docMk/>
           <pc:sldMk cId="995978657" sldId="272"/>
@@ -939,7 +1017,7 @@
           </ac:picMkLst>
         </pc:picChg>
         <pc:picChg chg="add mod">
-          <ac:chgData name="Cindy Detraz" userId="ef60abe6efcaf059" providerId="LiveId" clId="{ACA86C18-1B6A-4B97-A55E-9AEEAB4AEA2B}" dt="2024-01-11T03:26:26.745" v="1323" actId="14100"/>
+          <ac:chgData name="Cindy Detraz" userId="ef60abe6efcaf059" providerId="LiveId" clId="{ACA86C18-1B6A-4B97-A55E-9AEEAB4AEA2B}" dt="2024-01-11T21:27:57.645" v="2229" actId="1076"/>
           <ac:picMkLst>
             <pc:docMk/>
             <pc:sldMk cId="995978657" sldId="272"/>
@@ -947,7 +1025,7 @@
           </ac:picMkLst>
         </pc:picChg>
         <pc:picChg chg="add mod">
-          <ac:chgData name="Cindy Detraz" userId="ef60abe6efcaf059" providerId="LiveId" clId="{ACA86C18-1B6A-4B97-A55E-9AEEAB4AEA2B}" dt="2024-01-11T03:26:41.332" v="1329" actId="14100"/>
+          <ac:chgData name="Cindy Detraz" userId="ef60abe6efcaf059" providerId="LiveId" clId="{ACA86C18-1B6A-4B97-A55E-9AEEAB4AEA2B}" dt="2024-01-11T21:27:54.243" v="2228" actId="1076"/>
           <ac:picMkLst>
             <pc:docMk/>
             <pc:sldMk cId="995978657" sldId="272"/>
@@ -955,7 +1033,7 @@
           </ac:picMkLst>
         </pc:picChg>
         <pc:picChg chg="add mod">
-          <ac:chgData name="Cindy Detraz" userId="ef60abe6efcaf059" providerId="LiveId" clId="{ACA86C18-1B6A-4B97-A55E-9AEEAB4AEA2B}" dt="2024-01-11T03:26:35.876" v="1326" actId="14100"/>
+          <ac:chgData name="Cindy Detraz" userId="ef60abe6efcaf059" providerId="LiveId" clId="{ACA86C18-1B6A-4B97-A55E-9AEEAB4AEA2B}" dt="2024-01-11T21:27:49.758" v="2227" actId="1076"/>
           <ac:picMkLst>
             <pc:docMk/>
             <pc:sldMk cId="995978657" sldId="272"/>
@@ -969,6 +1047,44 @@
           <pc:docMk/>
           <pc:sldMk cId="3082771043" sldId="272"/>
         </pc:sldMkLst>
+      </pc:sldChg>
+      <pc:sldChg chg="modSp new mod">
+        <pc:chgData name="Cindy Detraz" userId="ef60abe6efcaf059" providerId="LiveId" clId="{ACA86C18-1B6A-4B97-A55E-9AEEAB4AEA2B}" dt="2024-01-11T21:29:28.335" v="2245" actId="14100"/>
+        <pc:sldMkLst>
+          <pc:docMk/>
+          <pc:sldMk cId="1373770936" sldId="273"/>
+        </pc:sldMkLst>
+        <pc:spChg chg="mod">
+          <ac:chgData name="Cindy Detraz" userId="ef60abe6efcaf059" providerId="LiveId" clId="{ACA86C18-1B6A-4B97-A55E-9AEEAB4AEA2B}" dt="2024-01-11T03:43:43.801" v="1388" actId="122"/>
+          <ac:spMkLst>
+            <pc:docMk/>
+            <pc:sldMk cId="1373770936" sldId="273"/>
+            <ac:spMk id="2" creationId="{4DCAB9B6-92E7-D617-E6A6-2D0DF09A1A65}"/>
+          </ac:spMkLst>
+        </pc:spChg>
+        <pc:spChg chg="mod">
+          <ac:chgData name="Cindy Detraz" userId="ef60abe6efcaf059" providerId="LiveId" clId="{ACA86C18-1B6A-4B97-A55E-9AEEAB4AEA2B}" dt="2024-01-11T21:29:28.335" v="2245" actId="14100"/>
+          <ac:spMkLst>
+            <pc:docMk/>
+            <pc:sldMk cId="1373770936" sldId="273"/>
+            <ac:spMk id="3" creationId="{18C23971-F074-B31D-40C5-D3FA70A7F127}"/>
+          </ac:spMkLst>
+        </pc:spChg>
+      </pc:sldChg>
+      <pc:sldChg chg="addSp delSp modSp new del mod">
+        <pc:chgData name="Cindy Detraz" userId="ef60abe6efcaf059" providerId="LiveId" clId="{ACA86C18-1B6A-4B97-A55E-9AEEAB4AEA2B}" dt="2024-01-11T21:26:16.329" v="2212" actId="2696"/>
+        <pc:sldMkLst>
+          <pc:docMk/>
+          <pc:sldMk cId="3415798560" sldId="274"/>
+        </pc:sldMkLst>
+        <pc:spChg chg="add del mod">
+          <ac:chgData name="Cindy Detraz" userId="ef60abe6efcaf059" providerId="LiveId" clId="{ACA86C18-1B6A-4B97-A55E-9AEEAB4AEA2B}" dt="2024-01-11T05:08:31.686" v="2202" actId="21"/>
+          <ac:spMkLst>
+            <pc:docMk/>
+            <pc:sldMk cId="3415798560" sldId="274"/>
+            <ac:spMk id="10" creationId="{A3B3C7CA-4DEC-50BD-47E1-4C02110C4A8E}"/>
+          </ac:spMkLst>
+        </pc:spChg>
       </pc:sldChg>
     </pc:docChg>
   </pc:docChgLst>
@@ -1057,7 +1173,7 @@
           <a:p>
             <a:fld id="{9CE659F8-C24D-4DB4-84D3-2488851CCBE2}" type="datetimeFigureOut">
               <a:rPr lang="en-US" smtClean="0"/>
-              <a:t>1/10/2024</a:t>
+              <a:t>1/11/2024</a:t>
             </a:fld>
             <a:endParaRPr lang="en-US"/>
           </a:p>
@@ -1463,7 +1579,7 @@
           <a:p>
             <a:fld id="{68F91EAF-687A-45D5-8711-3448B0BED7E5}" type="datetime1">
               <a:rPr lang="en-US" smtClean="0"/>
-              <a:t>1/10/2024</a:t>
+              <a:t>1/11/2024</a:t>
             </a:fld>
             <a:endParaRPr lang="en-US" dirty="0"/>
           </a:p>
@@ -1669,7 +1785,7 @@
           <a:p>
             <a:fld id="{D5A9177E-6C89-41B6-B658-D4352B9A18AD}" type="datetime1">
               <a:rPr lang="en-US" smtClean="0"/>
-              <a:t>1/10/2024</a:t>
+              <a:t>1/11/2024</a:t>
             </a:fld>
             <a:endParaRPr lang="en-US" dirty="0"/>
           </a:p>
@@ -1879,7 +1995,7 @@
           <a:p>
             <a:fld id="{B98A5249-0A7D-4632-9832-3AFF6B8D7771}" type="datetime1">
               <a:rPr lang="en-US" smtClean="0"/>
-              <a:t>1/10/2024</a:t>
+              <a:t>1/11/2024</a:t>
             </a:fld>
             <a:endParaRPr lang="en-US" dirty="0"/>
           </a:p>
@@ -2074,7 +2190,7 @@
           <a:p>
             <a:fld id="{9141D67E-49D4-4E4D-A498-19DF7380C582}" type="datetime1">
               <a:rPr lang="en-US" smtClean="0"/>
-              <a:t>1/10/2024</a:t>
+              <a:t>1/11/2024</a:t>
             </a:fld>
             <a:endParaRPr lang="en-US" dirty="0"/>
           </a:p>
@@ -2501,7 +2617,7 @@
           <a:p>
             <a:fld id="{343B48D6-0A7C-46C7-8A20-44E3EA8ADF0A}" type="datetime1">
               <a:rPr lang="en-US" smtClean="0"/>
-              <a:t>1/10/2024</a:t>
+              <a:t>1/11/2024</a:t>
             </a:fld>
             <a:endParaRPr lang="en-US" dirty="0"/>
           </a:p>
@@ -2764,7 +2880,7 @@
           <a:p>
             <a:fld id="{E73FA401-3744-47D2-9CAC-6F4DD757B284}" type="datetime1">
               <a:rPr lang="en-US" smtClean="0"/>
-              <a:t>1/10/2024</a:t>
+              <a:t>1/11/2024</a:t>
             </a:fld>
             <a:endParaRPr lang="en-US" dirty="0"/>
           </a:p>
@@ -3175,7 +3291,7 @@
           <a:p>
             <a:fld id="{3AF59932-A618-438A-A1E5-157E850D96A5}" type="datetime1">
               <a:rPr lang="en-US" smtClean="0"/>
-              <a:t>1/10/2024</a:t>
+              <a:t>1/11/2024</a:t>
             </a:fld>
             <a:endParaRPr lang="en-US" dirty="0"/>
           </a:p>
@@ -3319,7 +3435,7 @@
           <a:p>
             <a:fld id="{B85F8F3C-731C-4234-ADCA-228D344A9ACE}" type="datetime1">
               <a:rPr lang="en-US" smtClean="0"/>
-              <a:t>1/10/2024</a:t>
+              <a:t>1/11/2024</a:t>
             </a:fld>
             <a:endParaRPr lang="en-US" dirty="0"/>
           </a:p>
@@ -3440,7 +3556,7 @@
           <a:p>
             <a:fld id="{E8A6B453-836A-4F5E-B9D6-0F129CC9E588}" type="datetime1">
               <a:rPr lang="en-US" smtClean="0"/>
-              <a:t>1/10/2024</a:t>
+              <a:t>1/11/2024</a:t>
             </a:fld>
             <a:endParaRPr lang="en-US" dirty="0"/>
           </a:p>
@@ -3686,7 +3802,7 @@
           <a:p>
             <a:fld id="{846BBB49-057F-4675-B264-8CB5DF7C960C}" type="datetime1">
               <a:rPr lang="en-US" smtClean="0"/>
-              <a:t>1/10/2024</a:t>
+              <a:t>1/11/2024</a:t>
             </a:fld>
             <a:endParaRPr lang="en-US" dirty="0"/>
           </a:p>
@@ -4126,7 +4242,7 @@
           <a:p>
             <a:fld id="{DBB331C4-8F60-4D85-8F7A-4094859D0AD6}" type="datetime1">
               <a:rPr lang="en-US" smtClean="0"/>
-              <a:t>1/10/2024</a:t>
+              <a:t>1/11/2024</a:t>
             </a:fld>
             <a:endParaRPr lang="en-US" dirty="0"/>
           </a:p>
@@ -4448,7 +4564,7 @@
           <a:p>
             <a:fld id="{5B2E043D-3C30-427B-AF3A-2D993E8A1AA2}" type="datetime1">
               <a:rPr lang="en-US" smtClean="0"/>
-              <a:t>1/10/2024</a:t>
+              <a:t>1/11/2024</a:t>
             </a:fld>
             <a:endParaRPr lang="en-US" dirty="0"/>
           </a:p>
@@ -5230,7 +5346,36 @@
           <a:prstGeom prst="rect">
             <a:avLst/>
           </a:prstGeom>
-          <a:noFill/>
+          <a:solidFill>
+            <a:srgbClr val="FFFFFF">
+              <a:shade val="85000"/>
+            </a:srgbClr>
+          </a:solidFill>
+          <a:ln w="88900" cap="sq">
+            <a:solidFill>
+              <a:srgbClr val="FFFFFF"/>
+            </a:solidFill>
+            <a:miter lim="800000"/>
+          </a:ln>
+          <a:effectLst>
+            <a:outerShdw blurRad="55000" dist="18000" dir="5400000" algn="tl" rotWithShape="0">
+              <a:srgbClr val="000000">
+                <a:alpha val="40000"/>
+              </a:srgbClr>
+            </a:outerShdw>
+          </a:effectLst>
+          <a:scene3d>
+            <a:camera prst="orthographicFront"/>
+            <a:lightRig rig="twoPt" dir="t">
+              <a:rot lat="0" lon="0" rev="7200000"/>
+            </a:lightRig>
+          </a:scene3d>
+          <a:sp3d>
+            <a:bevelT w="25400" h="19050"/>
+            <a:contourClr>
+              <a:srgbClr val="FFFFFF"/>
+            </a:contourClr>
+          </a:sp3d>
           <a:extLst>
             <a:ext uri="{909E8E84-426E-40DD-AFC4-6F175D3DCCD1}">
               <a14:hiddenFill xmlns:a14="http://schemas.microsoft.com/office/drawing/2010/main">
@@ -5563,7 +5708,36 @@
           <a:prstGeom prst="rect">
             <a:avLst/>
           </a:prstGeom>
-          <a:noFill/>
+          <a:solidFill>
+            <a:srgbClr val="FFFFFF">
+              <a:shade val="85000"/>
+            </a:srgbClr>
+          </a:solidFill>
+          <a:ln w="88900" cap="sq">
+            <a:solidFill>
+              <a:srgbClr val="FFFFFF"/>
+            </a:solidFill>
+            <a:miter lim="800000"/>
+          </a:ln>
+          <a:effectLst>
+            <a:outerShdw blurRad="55000" dist="18000" dir="5400000" algn="tl" rotWithShape="0">
+              <a:srgbClr val="000000">
+                <a:alpha val="40000"/>
+              </a:srgbClr>
+            </a:outerShdw>
+          </a:effectLst>
+          <a:scene3d>
+            <a:camera prst="orthographicFront"/>
+            <a:lightRig rig="twoPt" dir="t">
+              <a:rot lat="0" lon="0" rev="7200000"/>
+            </a:lightRig>
+          </a:scene3d>
+          <a:sp3d>
+            <a:bevelT w="25400" h="19050"/>
+            <a:contourClr>
+              <a:srgbClr val="FFFFFF"/>
+            </a:contourClr>
+          </a:sp3d>
           <a:extLst>
             <a:ext uri="{909E8E84-426E-40DD-AFC4-6F175D3DCCD1}">
               <a14:hiddenFill xmlns:a14="http://schemas.microsoft.com/office/drawing/2010/main">
@@ -5610,7 +5784,36 @@
           <a:prstGeom prst="rect">
             <a:avLst/>
           </a:prstGeom>
-          <a:noFill/>
+          <a:solidFill>
+            <a:srgbClr val="FFFFFF">
+              <a:shade val="85000"/>
+            </a:srgbClr>
+          </a:solidFill>
+          <a:ln w="88900" cap="sq">
+            <a:solidFill>
+              <a:srgbClr val="FFFFFF"/>
+            </a:solidFill>
+            <a:miter lim="800000"/>
+          </a:ln>
+          <a:effectLst>
+            <a:outerShdw blurRad="55000" dist="18000" dir="5400000" algn="tl" rotWithShape="0">
+              <a:srgbClr val="000000">
+                <a:alpha val="40000"/>
+              </a:srgbClr>
+            </a:outerShdw>
+          </a:effectLst>
+          <a:scene3d>
+            <a:camera prst="orthographicFront"/>
+            <a:lightRig rig="twoPt" dir="t">
+              <a:rot lat="0" lon="0" rev="7200000"/>
+            </a:lightRig>
+          </a:scene3d>
+          <a:sp3d>
+            <a:bevelT w="25400" h="19050"/>
+            <a:contourClr>
+              <a:srgbClr val="FFFFFF"/>
+            </a:contourClr>
+          </a:sp3d>
           <a:extLst>
             <a:ext uri="{909E8E84-426E-40DD-AFC4-6F175D3DCCD1}">
               <a14:hiddenFill xmlns:a14="http://schemas.microsoft.com/office/drawing/2010/main">
@@ -5657,7 +5860,36 @@
           <a:prstGeom prst="rect">
             <a:avLst/>
           </a:prstGeom>
-          <a:noFill/>
+          <a:solidFill>
+            <a:srgbClr val="FFFFFF">
+              <a:shade val="85000"/>
+            </a:srgbClr>
+          </a:solidFill>
+          <a:ln w="88900" cap="sq">
+            <a:solidFill>
+              <a:srgbClr val="FFFFFF"/>
+            </a:solidFill>
+            <a:miter lim="800000"/>
+          </a:ln>
+          <a:effectLst>
+            <a:outerShdw blurRad="55000" dist="18000" dir="5400000" algn="tl" rotWithShape="0">
+              <a:srgbClr val="000000">
+                <a:alpha val="40000"/>
+              </a:srgbClr>
+            </a:outerShdw>
+          </a:effectLst>
+          <a:scene3d>
+            <a:camera prst="orthographicFront"/>
+            <a:lightRig rig="twoPt" dir="t">
+              <a:rot lat="0" lon="0" rev="7200000"/>
+            </a:lightRig>
+          </a:scene3d>
+          <a:sp3d>
+            <a:bevelT w="25400" h="19050"/>
+            <a:contourClr>
+              <a:srgbClr val="FFFFFF"/>
+            </a:contourClr>
+          </a:sp3d>
           <a:extLst>
             <a:ext uri="{909E8E84-426E-40DD-AFC4-6F175D3DCCD1}">
               <a14:hiddenFill xmlns:a14="http://schemas.microsoft.com/office/drawing/2010/main">
@@ -6016,13 +6248,42 @@
         </p:blipFill>
         <p:spPr bwMode="auto">
           <a:xfrm>
-            <a:off x="0" y="2275244"/>
+            <a:off x="96819" y="1941757"/>
             <a:ext cx="7764148" cy="4152451"/>
           </a:xfrm>
           <a:prstGeom prst="rect">
             <a:avLst/>
           </a:prstGeom>
-          <a:noFill/>
+          <a:solidFill>
+            <a:srgbClr val="FFFFFF">
+              <a:shade val="85000"/>
+            </a:srgbClr>
+          </a:solidFill>
+          <a:ln w="88900" cap="sq">
+            <a:solidFill>
+              <a:srgbClr val="FFFFFF"/>
+            </a:solidFill>
+            <a:miter lim="800000"/>
+          </a:ln>
+          <a:effectLst>
+            <a:outerShdw blurRad="55000" dist="18000" dir="5400000" algn="tl" rotWithShape="0">
+              <a:srgbClr val="000000">
+                <a:alpha val="40000"/>
+              </a:srgbClr>
+            </a:outerShdw>
+          </a:effectLst>
+          <a:scene3d>
+            <a:camera prst="orthographicFront"/>
+            <a:lightRig rig="twoPt" dir="t">
+              <a:rot lat="0" lon="0" rev="7200000"/>
+            </a:lightRig>
+          </a:scene3d>
+          <a:sp3d>
+            <a:bevelT w="25400" h="19050"/>
+            <a:contourClr>
+              <a:srgbClr val="FFFFFF"/>
+            </a:contourClr>
+          </a:sp3d>
           <a:extLst>
             <a:ext uri="{909E8E84-426E-40DD-AFC4-6F175D3DCCD1}">
               <a14:hiddenFill xmlns:a14="http://schemas.microsoft.com/office/drawing/2010/main">
@@ -6136,13 +6397,42 @@
         </p:blipFill>
         <p:spPr bwMode="auto">
           <a:xfrm>
-            <a:off x="47962" y="1936506"/>
+            <a:off x="47962" y="1959424"/>
             <a:ext cx="3941553" cy="2624736"/>
           </a:xfrm>
           <a:prstGeom prst="rect">
             <a:avLst/>
           </a:prstGeom>
-          <a:noFill/>
+          <a:solidFill>
+            <a:srgbClr val="FFFFFF">
+              <a:shade val="85000"/>
+            </a:srgbClr>
+          </a:solidFill>
+          <a:ln w="88900" cap="sq">
+            <a:solidFill>
+              <a:srgbClr val="FFFFFF"/>
+            </a:solidFill>
+            <a:miter lim="800000"/>
+          </a:ln>
+          <a:effectLst>
+            <a:outerShdw blurRad="55000" dist="18000" dir="5400000" algn="tl" rotWithShape="0">
+              <a:srgbClr val="000000">
+                <a:alpha val="40000"/>
+              </a:srgbClr>
+            </a:outerShdw>
+          </a:effectLst>
+          <a:scene3d>
+            <a:camera prst="orthographicFront"/>
+            <a:lightRig rig="twoPt" dir="t">
+              <a:rot lat="0" lon="0" rev="7200000"/>
+            </a:lightRig>
+          </a:scene3d>
+          <a:sp3d>
+            <a:bevelT w="25400" h="19050"/>
+            <a:contourClr>
+              <a:srgbClr val="FFFFFF"/>
+            </a:contourClr>
+          </a:sp3d>
           <a:extLst>
             <a:ext uri="{909E8E84-426E-40DD-AFC4-6F175D3DCCD1}">
               <a14:hiddenFill xmlns:a14="http://schemas.microsoft.com/office/drawing/2010/main">
@@ -6183,13 +6473,42 @@
         </p:blipFill>
         <p:spPr bwMode="auto">
           <a:xfrm>
-            <a:off x="4130936" y="3073176"/>
+            <a:off x="4132949" y="3429000"/>
             <a:ext cx="4071551" cy="2663855"/>
           </a:xfrm>
           <a:prstGeom prst="rect">
             <a:avLst/>
           </a:prstGeom>
-          <a:noFill/>
+          <a:solidFill>
+            <a:srgbClr val="FFFFFF">
+              <a:shade val="85000"/>
+            </a:srgbClr>
+          </a:solidFill>
+          <a:ln w="88900" cap="sq">
+            <a:solidFill>
+              <a:srgbClr val="FFFFFF"/>
+            </a:solidFill>
+            <a:miter lim="800000"/>
+          </a:ln>
+          <a:effectLst>
+            <a:outerShdw blurRad="55000" dist="18000" dir="5400000" algn="tl" rotWithShape="0">
+              <a:srgbClr val="000000">
+                <a:alpha val="40000"/>
+              </a:srgbClr>
+            </a:outerShdw>
+          </a:effectLst>
+          <a:scene3d>
+            <a:camera prst="orthographicFront"/>
+            <a:lightRig rig="twoPt" dir="t">
+              <a:rot lat="0" lon="0" rev="7200000"/>
+            </a:lightRig>
+          </a:scene3d>
+          <a:sp3d>
+            <a:bevelT w="25400" h="19050"/>
+            <a:contourClr>
+              <a:srgbClr val="FFFFFF"/>
+            </a:contourClr>
+          </a:sp3d>
           <a:extLst>
             <a:ext uri="{909E8E84-426E-40DD-AFC4-6F175D3DCCD1}">
               <a14:hiddenFill xmlns:a14="http://schemas.microsoft.com/office/drawing/2010/main">
@@ -6230,13 +6549,42 @@
         </p:blipFill>
         <p:spPr bwMode="auto">
           <a:xfrm>
-            <a:off x="8347934" y="1873178"/>
+            <a:off x="8347934" y="1959424"/>
             <a:ext cx="3796104" cy="2578899"/>
           </a:xfrm>
           <a:prstGeom prst="rect">
             <a:avLst/>
           </a:prstGeom>
-          <a:noFill/>
+          <a:solidFill>
+            <a:srgbClr val="FFFFFF">
+              <a:shade val="85000"/>
+            </a:srgbClr>
+          </a:solidFill>
+          <a:ln w="88900" cap="sq">
+            <a:solidFill>
+              <a:srgbClr val="FFFFFF"/>
+            </a:solidFill>
+            <a:miter lim="800000"/>
+          </a:ln>
+          <a:effectLst>
+            <a:outerShdw blurRad="55000" dist="18000" dir="5400000" algn="tl" rotWithShape="0">
+              <a:srgbClr val="000000">
+                <a:alpha val="40000"/>
+              </a:srgbClr>
+            </a:outerShdw>
+          </a:effectLst>
+          <a:scene3d>
+            <a:camera prst="orthographicFront"/>
+            <a:lightRig rig="twoPt" dir="t">
+              <a:rot lat="0" lon="0" rev="7200000"/>
+            </a:lightRig>
+          </a:scene3d>
+          <a:sp3d>
+            <a:bevelT w="25400" h="19050"/>
+            <a:contourClr>
+              <a:srgbClr val="FFFFFF"/>
+            </a:contourClr>
+          </a:sp3d>
           <a:extLst>
             <a:ext uri="{909E8E84-426E-40DD-AFC4-6F175D3DCCD1}">
               <a14:hiddenFill xmlns:a14="http://schemas.microsoft.com/office/drawing/2010/main">
@@ -6283,6 +6631,286 @@
           <p:cNvPr id="2" name="Title 1">
             <a:extLst>
               <a:ext uri="{FF2B5EF4-FFF2-40B4-BE49-F238E27FC236}">
+                <a16:creationId xmlns:a16="http://schemas.microsoft.com/office/drawing/2014/main" id="{4DCAB9B6-92E7-D617-E6A6-2D0DF09A1A65}"/>
+              </a:ext>
+            </a:extLst>
+          </p:cNvPr>
+          <p:cNvSpPr>
+            <a:spLocks noGrp="1"/>
+          </p:cNvSpPr>
+          <p:nvPr>
+            <p:ph type="title"/>
+          </p:nvPr>
+        </p:nvSpPr>
+        <p:spPr>
+          <a:xfrm>
+            <a:off x="2893808" y="882127"/>
+            <a:ext cx="6347012" cy="591671"/>
+          </a:xfrm>
+        </p:spPr>
+        <p:txBody>
+          <a:bodyPr>
+            <a:noAutofit/>
+          </a:bodyPr>
+          <a:lstStyle/>
+          <a:p>
+            <a:pPr algn="ctr"/>
+            <a:r>
+              <a:rPr lang="en-US" sz="4000" b="1" dirty="0">
+                <a:latin typeface="Slack-Lato"/>
+              </a:rPr>
+              <a:t>Results and conclusions</a:t>
+            </a:r>
+          </a:p>
+        </p:txBody>
+      </p:sp>
+      <p:sp>
+        <p:nvSpPr>
+          <p:cNvPr id="3" name="Content Placeholder 2">
+            <a:extLst>
+              <a:ext uri="{FF2B5EF4-FFF2-40B4-BE49-F238E27FC236}">
+                <a16:creationId xmlns:a16="http://schemas.microsoft.com/office/drawing/2014/main" id="{18C23971-F074-B31D-40C5-D3FA70A7F127}"/>
+              </a:ext>
+            </a:extLst>
+          </p:cNvPr>
+          <p:cNvSpPr>
+            <a:spLocks noGrp="1"/>
+          </p:cNvSpPr>
+          <p:nvPr>
+            <p:ph idx="1"/>
+          </p:nvPr>
+        </p:nvSpPr>
+        <p:spPr>
+          <a:xfrm>
+            <a:off x="1430767" y="1775013"/>
+            <a:ext cx="6347012" cy="4292302"/>
+          </a:xfrm>
+        </p:spPr>
+        <p:txBody>
+          <a:bodyPr>
+            <a:noAutofit/>
+          </a:bodyPr>
+          <a:lstStyle/>
+          <a:p>
+            <a:r>
+              <a:rPr lang="en-US" b="1" dirty="0">
+                <a:effectLst/>
+                <a:latin typeface="Slack-Lato"/>
+                <a:ea typeface="Calibri" panose="020F0502020204030204" pitchFamily="34" charset="0"/>
+                <a:cs typeface="Times New Roman" panose="02020603050405020304" pitchFamily="18" charset="0"/>
+              </a:rPr>
+              <a:t>Findings:</a:t>
+            </a:r>
+          </a:p>
+          <a:p>
+            <a:pPr lvl="1">
+              <a:buFont typeface="Courier New" panose="02070309020205020404" pitchFamily="49" charset="0"/>
+              <a:buChar char="o"/>
+            </a:pPr>
+            <a:r>
+              <a:rPr lang="en-US" sz="2000" dirty="0">
+                <a:latin typeface="Slack-Lato"/>
+                <a:ea typeface="Calibri" panose="020F0502020204030204" pitchFamily="34" charset="0"/>
+                <a:cs typeface="Times New Roman" panose="02020603050405020304" pitchFamily="18" charset="0"/>
+              </a:rPr>
+              <a:t>K</a:t>
+            </a:r>
+            <a:r>
+              <a:rPr lang="en-US" sz="2000" dirty="0">
+                <a:effectLst/>
+                <a:latin typeface="Slack-Lato"/>
+                <a:ea typeface="Calibri" panose="020F0502020204030204" pitchFamily="34" charset="0"/>
+                <a:cs typeface="Times New Roman" panose="02020603050405020304" pitchFamily="18" charset="0"/>
+              </a:rPr>
+              <a:t>ey products driving sales</a:t>
+            </a:r>
+          </a:p>
+          <a:p>
+            <a:pPr lvl="1">
+              <a:buFont typeface="Courier New" panose="02070309020205020404" pitchFamily="49" charset="0"/>
+              <a:buChar char="o"/>
+            </a:pPr>
+            <a:r>
+              <a:rPr lang="en-US" sz="2000" dirty="0">
+                <a:latin typeface="Slack-Lato"/>
+                <a:ea typeface="Calibri" panose="020F0502020204030204" pitchFamily="34" charset="0"/>
+                <a:cs typeface="Times New Roman" panose="02020603050405020304" pitchFamily="18" charset="0"/>
+              </a:rPr>
+              <a:t>C</a:t>
+            </a:r>
+            <a:r>
+              <a:rPr lang="en-US" sz="2000" dirty="0">
+                <a:effectLst/>
+                <a:latin typeface="Slack-Lato"/>
+                <a:ea typeface="Calibri" panose="020F0502020204030204" pitchFamily="34" charset="0"/>
+                <a:cs typeface="Times New Roman" panose="02020603050405020304" pitchFamily="18" charset="0"/>
+              </a:rPr>
+              <a:t>ustomer footfall across locations and seasons</a:t>
+            </a:r>
+          </a:p>
+          <a:p>
+            <a:pPr lvl="1">
+              <a:buFont typeface="Courier New" panose="02070309020205020404" pitchFamily="49" charset="0"/>
+              <a:buChar char="o"/>
+            </a:pPr>
+            <a:r>
+              <a:rPr lang="en-US" sz="2000" dirty="0">
+                <a:effectLst/>
+                <a:latin typeface="Slack-Lato"/>
+                <a:ea typeface="Calibri" panose="020F0502020204030204" pitchFamily="34" charset="0"/>
+                <a:cs typeface="Times New Roman" panose="02020603050405020304" pitchFamily="18" charset="0"/>
+              </a:rPr>
+              <a:t>Profitable hours for each store</a:t>
+            </a:r>
+          </a:p>
+          <a:p>
+            <a:pPr lvl="1">
+              <a:buFont typeface="Courier New" panose="02070309020205020404" pitchFamily="49" charset="0"/>
+              <a:buChar char="o"/>
+            </a:pPr>
+            <a:r>
+              <a:rPr lang="en-US" sz="2000" dirty="0">
+                <a:effectLst/>
+                <a:latin typeface="Slack-Lato"/>
+                <a:ea typeface="Calibri" panose="020F0502020204030204" pitchFamily="34" charset="0"/>
+                <a:cs typeface="Times New Roman" panose="02020603050405020304" pitchFamily="18" charset="0"/>
+              </a:rPr>
+              <a:t>Tailored pricing</a:t>
+            </a:r>
+          </a:p>
+          <a:p>
+            <a:pPr lvl="1">
+              <a:buFont typeface="Courier New" panose="02070309020205020404" pitchFamily="49" charset="0"/>
+              <a:buChar char="o"/>
+            </a:pPr>
+            <a:r>
+              <a:rPr lang="en-US" sz="2000" dirty="0">
+                <a:effectLst/>
+                <a:latin typeface="Slack-Lato"/>
+                <a:ea typeface="Calibri" panose="020F0502020204030204" pitchFamily="34" charset="0"/>
+                <a:cs typeface="Times New Roman" panose="02020603050405020304" pitchFamily="18" charset="0"/>
+              </a:rPr>
+              <a:t>Staffin</a:t>
+            </a:r>
+            <a:r>
+              <a:rPr lang="en-US" sz="2000" dirty="0">
+                <a:latin typeface="Slack-Lato"/>
+                <a:ea typeface="Calibri" panose="020F0502020204030204" pitchFamily="34" charset="0"/>
+                <a:cs typeface="Times New Roman" panose="02020603050405020304" pitchFamily="18" charset="0"/>
+              </a:rPr>
+              <a:t>g strategies</a:t>
+            </a:r>
+            <a:endParaRPr lang="en-US" sz="2000" dirty="0">
+              <a:effectLst/>
+              <a:latin typeface="Slack-Lato"/>
+              <a:ea typeface="Calibri" panose="020F0502020204030204" pitchFamily="34" charset="0"/>
+              <a:cs typeface="Times New Roman" panose="02020603050405020304" pitchFamily="18" charset="0"/>
+            </a:endParaRPr>
+          </a:p>
+          <a:p>
+            <a:r>
+              <a:rPr lang="en-US" b="1" dirty="0">
+                <a:effectLst/>
+                <a:latin typeface="Slack-Lato"/>
+                <a:ea typeface="Calibri" panose="020F0502020204030204" pitchFamily="34" charset="0"/>
+                <a:cs typeface="Times New Roman" panose="02020603050405020304" pitchFamily="18" charset="0"/>
+              </a:rPr>
+              <a:t>Conclusions:</a:t>
+            </a:r>
+          </a:p>
+          <a:p>
+            <a:pPr lvl="1">
+              <a:buFont typeface="Courier New" panose="02070309020205020404" pitchFamily="49" charset="0"/>
+              <a:buChar char="o"/>
+            </a:pPr>
+            <a:r>
+              <a:rPr lang="en-US" sz="2000" dirty="0">
+                <a:effectLst/>
+                <a:latin typeface="Slack-Lato"/>
+                <a:ea typeface="Calibri" panose="020F0502020204030204" pitchFamily="34" charset="0"/>
+                <a:cs typeface="Times New Roman" panose="02020603050405020304" pitchFamily="18" charset="0"/>
+              </a:rPr>
+              <a:t>Reevaluate metrics </a:t>
+            </a:r>
+          </a:p>
+          <a:p>
+            <a:pPr lvl="2">
+              <a:buFont typeface="Wingdings" panose="05000000000000000000" pitchFamily="2" charset="2"/>
+              <a:buChar char="§"/>
+            </a:pPr>
+            <a:r>
+              <a:rPr lang="en-US" sz="2000" dirty="0">
+                <a:latin typeface="Slack-Lato"/>
+                <a:ea typeface="Calibri" panose="020F0502020204030204" pitchFamily="34" charset="0"/>
+                <a:cs typeface="Times New Roman" panose="02020603050405020304" pitchFamily="18" charset="0"/>
+              </a:rPr>
+              <a:t>A</a:t>
+            </a:r>
+            <a:r>
+              <a:rPr lang="en-US" sz="2000" dirty="0">
+                <a:effectLst/>
+                <a:latin typeface="Slack-Lato"/>
+                <a:ea typeface="Calibri" panose="020F0502020204030204" pitchFamily="34" charset="0"/>
+                <a:cs typeface="Times New Roman" panose="02020603050405020304" pitchFamily="18" charset="0"/>
+              </a:rPr>
+              <a:t>llocation of resources</a:t>
+            </a:r>
+          </a:p>
+          <a:p>
+            <a:pPr lvl="2">
+              <a:buFont typeface="Wingdings" panose="05000000000000000000" pitchFamily="2" charset="2"/>
+              <a:buChar char="§"/>
+            </a:pPr>
+            <a:r>
+              <a:rPr lang="en-US" sz="2000" dirty="0">
+                <a:effectLst/>
+                <a:latin typeface="Slack-Lato"/>
+                <a:ea typeface="Calibri" panose="020F0502020204030204" pitchFamily="34" charset="0"/>
+                <a:cs typeface="Times New Roman" panose="02020603050405020304" pitchFamily="18" charset="0"/>
+              </a:rPr>
+              <a:t>Identify if location-specific attributes</a:t>
+            </a:r>
+            <a:endParaRPr lang="en-US" sz="2000" dirty="0">
+              <a:latin typeface="Slack-Lato"/>
+            </a:endParaRPr>
+          </a:p>
+        </p:txBody>
+      </p:sp>
+    </p:spTree>
+    <p:extLst>
+      <p:ext uri="{BB962C8B-B14F-4D97-AF65-F5344CB8AC3E}">
+        <p14:creationId xmlns:p14="http://schemas.microsoft.com/office/powerpoint/2010/main" val="1373770936"/>
+      </p:ext>
+    </p:extLst>
+  </p:cSld>
+  <p:clrMapOvr>
+    <a:masterClrMapping/>
+  </p:clrMapOvr>
+</p:sld>
+</file>
+
+<file path=ppt/slides/slide15.xml><?xml version="1.0" encoding="utf-8"?>
+<p:sld xmlns:a="http://schemas.openxmlformats.org/drawingml/2006/main" xmlns:r="http://schemas.openxmlformats.org/officeDocument/2006/relationships" xmlns:p="http://schemas.openxmlformats.org/presentationml/2006/main">
+  <p:cSld>
+    <p:spTree>
+      <p:nvGrpSpPr>
+        <p:cNvPr id="1" name=""/>
+        <p:cNvGrpSpPr/>
+        <p:nvPr/>
+      </p:nvGrpSpPr>
+      <p:grpSpPr>
+        <a:xfrm>
+          <a:off x="0" y="0"/>
+          <a:ext cx="0" cy="0"/>
+          <a:chOff x="0" y="0"/>
+          <a:chExt cx="0" cy="0"/>
+        </a:xfrm>
+      </p:grpSpPr>
+      <p:sp>
+        <p:nvSpPr>
+          <p:cNvPr id="2" name="Title 1">
+            <a:extLst>
+              <a:ext uri="{FF2B5EF4-FFF2-40B4-BE49-F238E27FC236}">
                 <a16:creationId xmlns:a16="http://schemas.microsoft.com/office/drawing/2014/main" id="{0FA64A33-C39F-2D85-1286-E295DE0A7BF5}"/>
               </a:ext>
             </a:extLst>
@@ -6340,8 +6968,8 @@
         </p:nvSpPr>
         <p:spPr>
           <a:xfrm>
-            <a:off x="742279" y="2015732"/>
-            <a:ext cx="10312576" cy="3836428"/>
+            <a:off x="1484555" y="2015732"/>
+            <a:ext cx="7057017" cy="4126884"/>
           </a:xfrm>
         </p:spPr>
         <p:txBody>
@@ -6897,6 +7525,39 @@
             <a:off x="3969572" y="1904104"/>
             <a:ext cx="5905948" cy="4953896"/>
           </a:xfrm>
+          <a:prstGeom prst="rect">
+            <a:avLst/>
+          </a:prstGeom>
+          <a:solidFill>
+            <a:srgbClr val="FFFFFF">
+              <a:shade val="85000"/>
+            </a:srgbClr>
+          </a:solidFill>
+          <a:ln w="88900" cap="sq">
+            <a:solidFill>
+              <a:srgbClr val="FFFFFF"/>
+            </a:solidFill>
+            <a:miter lim="800000"/>
+          </a:ln>
+          <a:effectLst>
+            <a:outerShdw blurRad="55000" dist="18000" dir="5400000" algn="tl" rotWithShape="0">
+              <a:srgbClr val="000000">
+                <a:alpha val="40000"/>
+              </a:srgbClr>
+            </a:outerShdw>
+          </a:effectLst>
+          <a:scene3d>
+            <a:camera prst="orthographicFront"/>
+            <a:lightRig rig="twoPt" dir="t">
+              <a:rot lat="0" lon="0" rev="7200000"/>
+            </a:lightRig>
+          </a:scene3d>
+          <a:sp3d>
+            <a:bevelT w="25400" h="19050"/>
+            <a:contourClr>
+              <a:srgbClr val="FFFFFF"/>
+            </a:contourClr>
+          </a:sp3d>
         </p:spPr>
       </p:pic>
     </p:spTree>
@@ -6991,11 +7652,181 @@
         </p:blipFill>
         <p:spPr>
           <a:xfrm>
-            <a:off x="5852161" y="1963271"/>
+            <a:off x="5443370" y="1963271"/>
             <a:ext cx="5891183" cy="4819425"/>
           </a:xfrm>
+          <a:prstGeom prst="rect">
+            <a:avLst/>
+          </a:prstGeom>
+          <a:solidFill>
+            <a:srgbClr val="FFFFFF">
+              <a:shade val="85000"/>
+            </a:srgbClr>
+          </a:solidFill>
+          <a:ln w="88900" cap="sq">
+            <a:solidFill>
+              <a:srgbClr val="FFFFFF"/>
+            </a:solidFill>
+            <a:miter lim="800000"/>
+          </a:ln>
+          <a:effectLst>
+            <a:outerShdw blurRad="55000" dist="18000" dir="5400000" algn="tl" rotWithShape="0">
+              <a:srgbClr val="000000">
+                <a:alpha val="40000"/>
+              </a:srgbClr>
+            </a:outerShdw>
+          </a:effectLst>
+          <a:scene3d>
+            <a:camera prst="orthographicFront"/>
+            <a:lightRig rig="twoPt" dir="t">
+              <a:rot lat="0" lon="0" rev="7200000"/>
+            </a:lightRig>
+          </a:scene3d>
+          <a:sp3d>
+            <a:bevelT w="25400" h="19050"/>
+            <a:contourClr>
+              <a:srgbClr val="FFFFFF"/>
+            </a:contourClr>
+          </a:sp3d>
         </p:spPr>
       </p:pic>
+      <p:sp>
+        <p:nvSpPr>
+          <p:cNvPr id="11" name="TextBox 10">
+            <a:extLst>
+              <a:ext uri="{FF2B5EF4-FFF2-40B4-BE49-F238E27FC236}">
+                <a16:creationId xmlns:a16="http://schemas.microsoft.com/office/drawing/2014/main" id="{CAD425B9-0BAC-D033-BD48-99590B571EF1}"/>
+              </a:ext>
+            </a:extLst>
+          </p:cNvPr>
+          <p:cNvSpPr txBox="1"/>
+          <p:nvPr/>
+        </p:nvSpPr>
+        <p:spPr>
+          <a:xfrm>
+            <a:off x="381000" y="2248292"/>
+            <a:ext cx="3044414" cy="2361416"/>
+          </a:xfrm>
+          <a:prstGeom prst="rect">
+            <a:avLst/>
+          </a:prstGeom>
+          <a:noFill/>
+        </p:spPr>
+        <p:txBody>
+          <a:bodyPr wrap="square" rtlCol="0">
+            <a:spAutoFit/>
+          </a:bodyPr>
+          <a:lstStyle/>
+          <a:p>
+            <a:pPr marL="0" marR="0">
+              <a:lnSpc>
+                <a:spcPct val="107000"/>
+              </a:lnSpc>
+              <a:spcBef>
+                <a:spcPts val="0"/>
+              </a:spcBef>
+              <a:spcAft>
+                <a:spcPts val="800"/>
+              </a:spcAft>
+            </a:pPr>
+            <a:r>
+              <a:rPr lang="en-US" sz="2000" kern="100" dirty="0">
+                <a:effectLst/>
+                <a:latin typeface="Slack-Lato"/>
+                <a:ea typeface="Calibri" panose="020F0502020204030204" pitchFamily="34" charset="0"/>
+                <a:cs typeface="Calibri" panose="020F0502020204030204" pitchFamily="34" charset="0"/>
+              </a:rPr>
+              <a:t>Less popular:</a:t>
+            </a:r>
+          </a:p>
+          <a:p>
+            <a:pPr marL="285750" marR="0" indent="-285750">
+              <a:lnSpc>
+                <a:spcPct val="107000"/>
+              </a:lnSpc>
+              <a:spcBef>
+                <a:spcPts val="0"/>
+              </a:spcBef>
+              <a:spcAft>
+                <a:spcPts val="800"/>
+              </a:spcAft>
+              <a:buFont typeface="Arial" panose="020B0604020202020204" pitchFamily="34" charset="0"/>
+              <a:buChar char="•"/>
+            </a:pPr>
+            <a:r>
+              <a:rPr lang="en-US" sz="2000" kern="100" dirty="0">
+                <a:effectLst/>
+                <a:latin typeface="Slack-Lato"/>
+                <a:ea typeface="Calibri" panose="020F0502020204030204" pitchFamily="34" charset="0"/>
+                <a:cs typeface="Calibri" panose="020F0502020204030204" pitchFamily="34" charset="0"/>
+              </a:rPr>
+              <a:t>Contributed to the overall sales </a:t>
+            </a:r>
+          </a:p>
+          <a:p>
+            <a:pPr marL="285750" marR="0" indent="-285750">
+              <a:lnSpc>
+                <a:spcPct val="107000"/>
+              </a:lnSpc>
+              <a:spcBef>
+                <a:spcPts val="0"/>
+              </a:spcBef>
+              <a:spcAft>
+                <a:spcPts val="800"/>
+              </a:spcAft>
+              <a:buFont typeface="Arial" panose="020B0604020202020204" pitchFamily="34" charset="0"/>
+              <a:buChar char="•"/>
+            </a:pPr>
+            <a:r>
+              <a:rPr lang="en-US" sz="2000" kern="100" dirty="0">
+                <a:latin typeface="Slack-Lato"/>
+                <a:ea typeface="Calibri" panose="020F0502020204030204" pitchFamily="34" charset="0"/>
+                <a:cs typeface="Calibri" panose="020F0502020204030204" pitchFamily="34" charset="0"/>
+              </a:rPr>
+              <a:t>D</a:t>
+            </a:r>
+            <a:r>
+              <a:rPr lang="en-US" sz="2000" kern="100" dirty="0">
+                <a:effectLst/>
+                <a:latin typeface="Slack-Lato"/>
+                <a:ea typeface="Calibri" panose="020F0502020204030204" pitchFamily="34" charset="0"/>
+                <a:cs typeface="Calibri" panose="020F0502020204030204" pitchFamily="34" charset="0"/>
+              </a:rPr>
+              <a:t>iversification mitigate risks </a:t>
+            </a:r>
+          </a:p>
+          <a:p>
+            <a:pPr marL="285750" marR="0" indent="-285750">
+              <a:lnSpc>
+                <a:spcPct val="107000"/>
+              </a:lnSpc>
+              <a:spcBef>
+                <a:spcPts val="0"/>
+              </a:spcBef>
+              <a:spcAft>
+                <a:spcPts val="800"/>
+              </a:spcAft>
+              <a:buFont typeface="Arial" panose="020B0604020202020204" pitchFamily="34" charset="0"/>
+              <a:buChar char="•"/>
+            </a:pPr>
+            <a:r>
+              <a:rPr lang="en-US" sz="2000" kern="100" dirty="0">
+                <a:effectLst/>
+                <a:latin typeface="Slack-Lato"/>
+                <a:ea typeface="Calibri" panose="020F0502020204030204" pitchFamily="34" charset="0"/>
+                <a:cs typeface="Calibri" panose="020F0502020204030204" pitchFamily="34" charset="0"/>
+              </a:rPr>
+              <a:t>Same, higher unit price</a:t>
+            </a:r>
+            <a:endParaRPr lang="en-US" sz="2000" kern="100" dirty="0">
+              <a:effectLst/>
+              <a:latin typeface="Slack-Lato"/>
+              <a:ea typeface="Calibri" panose="020F0502020204030204" pitchFamily="34" charset="0"/>
+              <a:cs typeface="Times New Roman" panose="02020603050405020304" pitchFamily="18" charset="0"/>
+            </a:endParaRPr>
+          </a:p>
+        </p:txBody>
+      </p:sp>
     </p:spTree>
     <p:extLst>
       <p:ext uri="{BB962C8B-B14F-4D97-AF65-F5344CB8AC3E}">
@@ -7088,17 +7919,50 @@
         </p:blipFill>
         <p:spPr>
           <a:xfrm>
-            <a:off x="4502931" y="1914861"/>
-            <a:ext cx="6162420" cy="4862457"/>
-          </a:xfrm>
+            <a:off x="3589867" y="2073683"/>
+            <a:ext cx="6020695" cy="4612465"/>
+          </a:xfrm>
+          <a:prstGeom prst="rect">
+            <a:avLst/>
+          </a:prstGeom>
+          <a:solidFill>
+            <a:srgbClr val="FFFFFF">
+              <a:shade val="85000"/>
+            </a:srgbClr>
+          </a:solidFill>
+          <a:ln w="88900" cap="sq">
+            <a:solidFill>
+              <a:srgbClr val="FFFFFF"/>
+            </a:solidFill>
+            <a:miter lim="800000"/>
+          </a:ln>
+          <a:effectLst>
+            <a:outerShdw blurRad="55000" dist="18000" dir="5400000" algn="tl" rotWithShape="0">
+              <a:srgbClr val="000000">
+                <a:alpha val="40000"/>
+              </a:srgbClr>
+            </a:outerShdw>
+          </a:effectLst>
+          <a:scene3d>
+            <a:camera prst="orthographicFront"/>
+            <a:lightRig rig="twoPt" dir="t">
+              <a:rot lat="0" lon="0" rev="7200000"/>
+            </a:lightRig>
+          </a:scene3d>
+          <a:sp3d>
+            <a:bevelT w="25400" h="19050"/>
+            <a:contourClr>
+              <a:srgbClr val="FFFFFF"/>
+            </a:contourClr>
+          </a:sp3d>
         </p:spPr>
       </p:pic>
       <p:sp>
         <p:nvSpPr>
-          <p:cNvPr id="8" name="TextBox 7">
+          <p:cNvPr id="12" name="TextBox 11">
             <a:extLst>
               <a:ext uri="{FF2B5EF4-FFF2-40B4-BE49-F238E27FC236}">
-                <a16:creationId xmlns:a16="http://schemas.microsoft.com/office/drawing/2014/main" id="{D3BB9BB2-D3E4-2D0F-3F42-84BD5674E565}"/>
+                <a16:creationId xmlns:a16="http://schemas.microsoft.com/office/drawing/2014/main" id="{2C9C2CFD-2C77-4391-A049-AE4C66284B47}"/>
               </a:ext>
             </a:extLst>
           </p:cNvPr>
@@ -7107,8 +7971,8 @@
         </p:nvSpPr>
         <p:spPr>
           <a:xfrm>
-            <a:off x="172122" y="2046217"/>
-            <a:ext cx="3948057" cy="1200329"/>
+            <a:off x="9719733" y="3050680"/>
+            <a:ext cx="2493783" cy="1631216"/>
           </a:xfrm>
           <a:prstGeom prst="rect">
             <a:avLst/>
@@ -7122,48 +7986,44 @@
           <a:lstStyle/>
           <a:p>
             <a:r>
-              <a:rPr lang="en-US" dirty="0"/>
-              <a:t>Barista Espresso </a:t>
-            </a:r>
-          </a:p>
-          <a:p>
-            <a:r>
-              <a:rPr lang="en-US" dirty="0"/>
-              <a:t>	Astoria: </a:t>
-            </a:r>
-            <a:r>
-              <a:rPr lang="en-US" b="1" dirty="0"/>
-              <a:t>27935.0</a:t>
-            </a:r>
-          </a:p>
-          <a:p>
-            <a:r>
-              <a:rPr lang="en-US" dirty="0"/>
-              <a:t>	Lower Manhattan:  </a:t>
-            </a:r>
-            <a:r>
-              <a:rPr lang="en-US" b="1" dirty="0"/>
-              <a:t>310510.0</a:t>
-            </a:r>
-          </a:p>
-          <a:p>
-            <a:r>
-              <a:rPr lang="en-US" dirty="0"/>
-              <a:t>	Hell’s Kitchen: </a:t>
-            </a:r>
-            <a:r>
-              <a:rPr lang="en-US" b="1" dirty="0"/>
-              <a:t>32420.20</a:t>
-            </a:r>
-          </a:p>
-        </p:txBody>
-      </p:sp>
-      <p:sp>
-        <p:nvSpPr>
-          <p:cNvPr id="9" name="TextBox 8">
+              <a:rPr lang="en-US" sz="2000" dirty="0">
+                <a:latin typeface="Slack-Lato"/>
+              </a:rPr>
+              <a:t>Recommendation:</a:t>
+            </a:r>
+          </a:p>
+          <a:p>
+            <a:pPr marL="285750" indent="-285750">
+              <a:buFont typeface="Arial" panose="020B0604020202020204" pitchFamily="34" charset="0"/>
+              <a:buChar char="•"/>
+            </a:pPr>
+            <a:r>
+              <a:rPr lang="en-US" sz="2000" dirty="0">
+                <a:latin typeface="Slack-Lato"/>
+              </a:rPr>
+              <a:t>Conduct a survey </a:t>
+            </a:r>
+          </a:p>
+          <a:p>
+            <a:pPr marL="285750" indent="-285750">
+              <a:buFont typeface="Arial" panose="020B0604020202020204" pitchFamily="34" charset="0"/>
+              <a:buChar char="•"/>
+            </a:pPr>
+            <a:r>
+              <a:rPr lang="en-US" sz="2000" dirty="0">
+                <a:latin typeface="Slack-Lato"/>
+              </a:rPr>
+              <a:t>Investigate price points and profit margins</a:t>
+            </a:r>
+          </a:p>
+        </p:txBody>
+      </p:sp>
+      <p:sp>
+        <p:nvSpPr>
+          <p:cNvPr id="10" name="TextBox 9">
             <a:extLst>
               <a:ext uri="{FF2B5EF4-FFF2-40B4-BE49-F238E27FC236}">
-                <a16:creationId xmlns:a16="http://schemas.microsoft.com/office/drawing/2014/main" id="{1DE9EC8E-B34C-986E-1034-4D728B596D07}"/>
+                <a16:creationId xmlns:a16="http://schemas.microsoft.com/office/drawing/2014/main" id="{A3B3C7CA-4DEC-50BD-47E1-4C02110C4A8E}"/>
               </a:ext>
             </a:extLst>
           </p:cNvPr>
@@ -7172,8 +8032,8 @@
         </p:nvSpPr>
         <p:spPr>
           <a:xfrm>
-            <a:off x="172122" y="3429000"/>
-            <a:ext cx="3560782" cy="1200329"/>
+            <a:off x="0" y="2862134"/>
+            <a:ext cx="3589867" cy="2585323"/>
           </a:xfrm>
           <a:prstGeom prst="rect">
             <a:avLst/>
@@ -7187,39 +8047,118 @@
           <a:lstStyle/>
           <a:p>
             <a:r>
-              <a:rPr lang="en-US" dirty="0"/>
-              <a:t>Gourmet Coffee</a:t>
-            </a:r>
-          </a:p>
-          <a:p>
-            <a:r>
-              <a:rPr lang="en-US" dirty="0"/>
-              <a:t>	Astoria: </a:t>
-            </a:r>
-            <a:r>
-              <a:rPr lang="en-US" b="1" dirty="0"/>
-              <a:t>23823.3</a:t>
-            </a:r>
-          </a:p>
-          <a:p>
-            <a:r>
-              <a:rPr lang="en-US" dirty="0"/>
-              <a:t>	Lower Manhattan:  </a:t>
-            </a:r>
-            <a:r>
-              <a:rPr lang="en-US" b="1" dirty="0"/>
-              <a:t>23201.2</a:t>
-            </a:r>
-          </a:p>
-          <a:p>
-            <a:r>
-              <a:rPr lang="en-US" dirty="0"/>
-              <a:t>	Hell’s Kitchen: </a:t>
-            </a:r>
-            <a:r>
-              <a:rPr lang="en-US" b="1" dirty="0"/>
-              <a:t>23010.10</a:t>
-            </a:r>
+              <a:rPr lang="en-US" kern="100" dirty="0">
+                <a:latin typeface="Slack-Lato"/>
+                <a:ea typeface="Calibri" panose="020F0502020204030204" pitchFamily="34" charset="0"/>
+                <a:cs typeface="Calibri" panose="020F0502020204030204" pitchFamily="34" charset="0"/>
+              </a:rPr>
+              <a:t>Opportunities for top sellers: </a:t>
+            </a:r>
+          </a:p>
+          <a:p>
+            <a:pPr marL="285750" indent="-285750">
+              <a:buFont typeface="Arial" panose="020B0604020202020204" pitchFamily="34" charset="0"/>
+              <a:buChar char="•"/>
+            </a:pPr>
+            <a:r>
+              <a:rPr lang="en-US" sz="1800" kern="100" dirty="0">
+                <a:effectLst/>
+                <a:latin typeface="Slack-Lato"/>
+                <a:ea typeface="Calibri" panose="020F0502020204030204" pitchFamily="34" charset="0"/>
+                <a:cs typeface="Calibri" panose="020F0502020204030204" pitchFamily="34" charset="0"/>
+              </a:rPr>
+              <a:t>Promote products with higher transaction quantities </a:t>
+            </a:r>
+          </a:p>
+          <a:p>
+            <a:pPr marL="285750" indent="-285750">
+              <a:buFont typeface="Arial" panose="020B0604020202020204" pitchFamily="34" charset="0"/>
+              <a:buChar char="•"/>
+            </a:pPr>
+            <a:r>
+              <a:rPr lang="en-US" kern="100" dirty="0">
+                <a:latin typeface="Slack-Lato"/>
+                <a:ea typeface="Calibri" panose="020F0502020204030204" pitchFamily="34" charset="0"/>
+                <a:cs typeface="Calibri" panose="020F0502020204030204" pitchFamily="34" charset="0"/>
+              </a:rPr>
+              <a:t>M</a:t>
+            </a:r>
+            <a:r>
+              <a:rPr lang="en-US" sz="1800" kern="100" dirty="0">
+                <a:effectLst/>
+                <a:latin typeface="Slack-Lato"/>
+                <a:ea typeface="Calibri" panose="020F0502020204030204" pitchFamily="34" charset="0"/>
+                <a:cs typeface="Calibri" panose="020F0502020204030204" pitchFamily="34" charset="0"/>
+              </a:rPr>
+              <a:t>anaging inventory </a:t>
+            </a:r>
+          </a:p>
+          <a:p>
+            <a:pPr marL="285750" indent="-285750">
+              <a:buFont typeface="Arial" panose="020B0604020202020204" pitchFamily="34" charset="0"/>
+              <a:buChar char="•"/>
+            </a:pPr>
+            <a:endParaRPr lang="en-US" sz="1800" kern="100" dirty="0">
+              <a:effectLst/>
+              <a:latin typeface="Slack-Lato"/>
+              <a:ea typeface="Calibri" panose="020F0502020204030204" pitchFamily="34" charset="0"/>
+              <a:cs typeface="Calibri" panose="020F0502020204030204" pitchFamily="34" charset="0"/>
+            </a:endParaRPr>
+          </a:p>
+          <a:p>
+            <a:r>
+              <a:rPr lang="en-US" kern="100" dirty="0">
+                <a:latin typeface="Slack-Lato"/>
+                <a:ea typeface="Calibri" panose="020F0502020204030204" pitchFamily="34" charset="0"/>
+                <a:cs typeface="Calibri" panose="020F0502020204030204" pitchFamily="34" charset="0"/>
+              </a:rPr>
+              <a:t>Opportunities for bottom sellers: </a:t>
+            </a:r>
+          </a:p>
+          <a:p>
+            <a:pPr marL="285750" indent="-285750">
+              <a:buFont typeface="Arial" panose="020B0604020202020204" pitchFamily="34" charset="0"/>
+              <a:buChar char="•"/>
+            </a:pPr>
+            <a:r>
+              <a:rPr lang="en-US" sz="1800" kern="100" dirty="0">
+                <a:effectLst/>
+                <a:latin typeface="Slack-Lato"/>
+                <a:ea typeface="Calibri" panose="020F0502020204030204" pitchFamily="34" charset="0"/>
+                <a:cs typeface="Calibri" panose="020F0502020204030204" pitchFamily="34" charset="0"/>
+              </a:rPr>
+              <a:t>Why are these the lowest sellers </a:t>
+            </a:r>
+          </a:p>
+          <a:p>
+            <a:pPr marL="285750" indent="-285750">
+              <a:buFont typeface="Arial" panose="020B0604020202020204" pitchFamily="34" charset="0"/>
+              <a:buChar char="•"/>
+            </a:pPr>
+            <a:r>
+              <a:rPr lang="en-US" sz="1800" kern="100" dirty="0">
+                <a:effectLst/>
+                <a:latin typeface="Slack-Lato"/>
+                <a:ea typeface="Calibri" panose="020F0502020204030204" pitchFamily="34" charset="0"/>
+                <a:cs typeface="Calibri" panose="020F0502020204030204" pitchFamily="34" charset="0"/>
+              </a:rPr>
+              <a:t>Need better promotions</a:t>
+            </a:r>
+          </a:p>
+          <a:p>
+            <a:pPr marL="285750" indent="-285750">
+              <a:buFont typeface="Arial" panose="020B0604020202020204" pitchFamily="34" charset="0"/>
+              <a:buChar char="•"/>
+            </a:pPr>
+            <a:r>
+              <a:rPr lang="en-US" kern="100" dirty="0">
+                <a:latin typeface="Slack-Lato"/>
+                <a:ea typeface="Calibri" panose="020F0502020204030204" pitchFamily="34" charset="0"/>
+                <a:cs typeface="Calibri" panose="020F0502020204030204" pitchFamily="34" charset="0"/>
+              </a:rPr>
+              <a:t>Managing inventory</a:t>
+            </a:r>
+            <a:endParaRPr lang="en-US" dirty="0"/>
           </a:p>
         </p:txBody>
       </p:sp>
@@ -7461,7 +8400,36 @@
           <a:prstGeom prst="rect">
             <a:avLst/>
           </a:prstGeom>
-          <a:noFill/>
+          <a:solidFill>
+            <a:srgbClr val="FFFFFF">
+              <a:shade val="85000"/>
+            </a:srgbClr>
+          </a:solidFill>
+          <a:ln w="88900" cap="sq">
+            <a:solidFill>
+              <a:srgbClr val="FFFFFF"/>
+            </a:solidFill>
+            <a:miter lim="800000"/>
+          </a:ln>
+          <a:effectLst>
+            <a:outerShdw blurRad="55000" dist="18000" dir="5400000" algn="tl" rotWithShape="0">
+              <a:srgbClr val="000000">
+                <a:alpha val="40000"/>
+              </a:srgbClr>
+            </a:outerShdw>
+          </a:effectLst>
+          <a:scene3d>
+            <a:camera prst="orthographicFront"/>
+            <a:lightRig rig="twoPt" dir="t">
+              <a:rot lat="0" lon="0" rev="7200000"/>
+            </a:lightRig>
+          </a:scene3d>
+          <a:sp3d>
+            <a:bevelT w="25400" h="19050"/>
+            <a:contourClr>
+              <a:srgbClr val="FFFFFF"/>
+            </a:contourClr>
+          </a:sp3d>
           <a:extLst>
             <a:ext uri="{909E8E84-426E-40DD-AFC4-6F175D3DCCD1}">
               <a14:hiddenFill xmlns:a14="http://schemas.microsoft.com/office/drawing/2010/main">
@@ -7764,7 +8732,36 @@
           <a:prstGeom prst="rect">
             <a:avLst/>
           </a:prstGeom>
-          <a:noFill/>
+          <a:solidFill>
+            <a:srgbClr val="FFFFFF">
+              <a:shade val="85000"/>
+            </a:srgbClr>
+          </a:solidFill>
+          <a:ln w="88900" cap="sq">
+            <a:solidFill>
+              <a:srgbClr val="FFFFFF"/>
+            </a:solidFill>
+            <a:miter lim="800000"/>
+          </a:ln>
+          <a:effectLst>
+            <a:outerShdw blurRad="55000" dist="18000" dir="5400000" algn="tl" rotWithShape="0">
+              <a:srgbClr val="000000">
+                <a:alpha val="40000"/>
+              </a:srgbClr>
+            </a:outerShdw>
+          </a:effectLst>
+          <a:scene3d>
+            <a:camera prst="orthographicFront"/>
+            <a:lightRig rig="twoPt" dir="t">
+              <a:rot lat="0" lon="0" rev="7200000"/>
+            </a:lightRig>
+          </a:scene3d>
+          <a:sp3d>
+            <a:bevelT w="25400" h="19050"/>
+            <a:contourClr>
+              <a:srgbClr val="FFFFFF"/>
+            </a:contourClr>
+          </a:sp3d>
           <a:extLst>
             <a:ext uri="{909E8E84-426E-40DD-AFC4-6F175D3DCCD1}">
               <a14:hiddenFill xmlns:a14="http://schemas.microsoft.com/office/drawing/2010/main">
@@ -7937,7 +8934,36 @@
           <a:prstGeom prst="rect">
             <a:avLst/>
           </a:prstGeom>
-          <a:noFill/>
+          <a:solidFill>
+            <a:srgbClr val="FFFFFF">
+              <a:shade val="85000"/>
+            </a:srgbClr>
+          </a:solidFill>
+          <a:ln w="88900" cap="sq">
+            <a:solidFill>
+              <a:srgbClr val="FFFFFF"/>
+            </a:solidFill>
+            <a:miter lim="800000"/>
+          </a:ln>
+          <a:effectLst>
+            <a:outerShdw blurRad="55000" dist="18000" dir="5400000" algn="tl" rotWithShape="0">
+              <a:srgbClr val="000000">
+                <a:alpha val="40000"/>
+              </a:srgbClr>
+            </a:outerShdw>
+          </a:effectLst>
+          <a:scene3d>
+            <a:camera prst="orthographicFront"/>
+            <a:lightRig rig="twoPt" dir="t">
+              <a:rot lat="0" lon="0" rev="7200000"/>
+            </a:lightRig>
+          </a:scene3d>
+          <a:sp3d>
+            <a:bevelT w="25400" h="19050"/>
+            <a:contourClr>
+              <a:srgbClr val="FFFFFF"/>
+            </a:contourClr>
+          </a:sp3d>
           <a:extLst>
             <a:ext uri="{909E8E84-426E-40DD-AFC4-6F175D3DCCD1}">
               <a14:hiddenFill xmlns:a14="http://schemas.microsoft.com/office/drawing/2010/main">
@@ -8178,7 +9204,36 @@
           <a:prstGeom prst="rect">
             <a:avLst/>
           </a:prstGeom>
-          <a:noFill/>
+          <a:solidFill>
+            <a:srgbClr val="FFFFFF">
+              <a:shade val="85000"/>
+            </a:srgbClr>
+          </a:solidFill>
+          <a:ln w="88900" cap="sq">
+            <a:solidFill>
+              <a:srgbClr val="FFFFFF"/>
+            </a:solidFill>
+            <a:miter lim="800000"/>
+          </a:ln>
+          <a:effectLst>
+            <a:outerShdw blurRad="55000" dist="18000" dir="5400000" algn="tl" rotWithShape="0">
+              <a:srgbClr val="000000">
+                <a:alpha val="40000"/>
+              </a:srgbClr>
+            </a:outerShdw>
+          </a:effectLst>
+          <a:scene3d>
+            <a:camera prst="orthographicFront"/>
+            <a:lightRig rig="twoPt" dir="t">
+              <a:rot lat="0" lon="0" rev="7200000"/>
+            </a:lightRig>
+          </a:scene3d>
+          <a:sp3d>
+            <a:bevelT w="25400" h="19050"/>
+            <a:contourClr>
+              <a:srgbClr val="FFFFFF"/>
+            </a:contourClr>
+          </a:sp3d>
           <a:extLst>
             <a:ext uri="{909E8E84-426E-40DD-AFC4-6F175D3DCCD1}">
               <a14:hiddenFill xmlns:a14="http://schemas.microsoft.com/office/drawing/2010/main">

--- a/Maven Roasters Project1.pptx
+++ b/Maven Roasters Project1.pptx
@@ -127,968 +127,6 @@
     </p:ext>
   </p:extLst>
 </p:presentation>
-</file>
-
-<file path=ppt/changesInfos/changesInfo1.xml><?xml version="1.0" encoding="utf-8"?>
-<pc:chgInfo xmlns:a="http://schemas.openxmlformats.org/drawingml/2006/main" xmlns:r="http://schemas.openxmlformats.org/officeDocument/2006/relationships" xmlns:ac="http://schemas.microsoft.com/office/drawing/2013/main/command" xmlns:pc="http://schemas.microsoft.com/office/powerpoint/2013/main/command">
-  <pc:docChgLst>
-    <pc:chgData name="Cindy Detraz" userId="ef60abe6efcaf059" providerId="LiveId" clId="{ACA86C18-1B6A-4B97-A55E-9AEEAB4AEA2B}"/>
-    <pc:docChg chg="undo custSel addSld delSld modSld sldOrd">
-      <pc:chgData name="Cindy Detraz" userId="ef60abe6efcaf059" providerId="LiveId" clId="{ACA86C18-1B6A-4B97-A55E-9AEEAB4AEA2B}" dt="2024-01-11T21:29:28.335" v="2245" actId="14100"/>
-      <pc:docMkLst>
-        <pc:docMk/>
-      </pc:docMkLst>
-      <pc:sldChg chg="addSp delSp modSp mod">
-        <pc:chgData name="Cindy Detraz" userId="ef60abe6efcaf059" providerId="LiveId" clId="{ACA86C18-1B6A-4B97-A55E-9AEEAB4AEA2B}" dt="2024-01-11T21:25:36.481" v="2208" actId="1440"/>
-        <pc:sldMkLst>
-          <pc:docMk/>
-          <pc:sldMk cId="3501264177" sldId="257"/>
-        </pc:sldMkLst>
-        <pc:spChg chg="mod">
-          <ac:chgData name="Cindy Detraz" userId="ef60abe6efcaf059" providerId="LiveId" clId="{ACA86C18-1B6A-4B97-A55E-9AEEAB4AEA2B}" dt="2024-01-11T00:01:29.377" v="60" actId="1076"/>
-          <ac:spMkLst>
-            <pc:docMk/>
-            <pc:sldMk cId="3501264177" sldId="257"/>
-            <ac:spMk id="2" creationId="{6A7C4A84-4653-E7D7-B5F5-135EC1D2B749}"/>
-          </ac:spMkLst>
-        </pc:spChg>
-        <pc:spChg chg="del mod">
-          <ac:chgData name="Cindy Detraz" userId="ef60abe6efcaf059" providerId="LiveId" clId="{ACA86C18-1B6A-4B97-A55E-9AEEAB4AEA2B}" dt="2024-01-10T23:51:11.379" v="3"/>
-          <ac:spMkLst>
-            <pc:docMk/>
-            <pc:sldMk cId="3501264177" sldId="257"/>
-            <ac:spMk id="7" creationId="{6B876080-9059-A8BB-42A6-F9F1CCDDA735}"/>
-          </ac:spMkLst>
-        </pc:spChg>
-        <pc:spChg chg="add del mod">
-          <ac:chgData name="Cindy Detraz" userId="ef60abe6efcaf059" providerId="LiveId" clId="{ACA86C18-1B6A-4B97-A55E-9AEEAB4AEA2B}" dt="2024-01-11T00:16:41.320" v="170" actId="931"/>
-          <ac:spMkLst>
-            <pc:docMk/>
-            <pc:sldMk cId="3501264177" sldId="257"/>
-            <ac:spMk id="20" creationId="{5AD02234-0C0C-68E4-A0A8-3E2804AA334B}"/>
-          </ac:spMkLst>
-        </pc:spChg>
-        <pc:picChg chg="add del mod">
-          <ac:chgData name="Cindy Detraz" userId="ef60abe6efcaf059" providerId="LiveId" clId="{ACA86C18-1B6A-4B97-A55E-9AEEAB4AEA2B}" dt="2024-01-11T00:16:14.313" v="169" actId="478"/>
-          <ac:picMkLst>
-            <pc:docMk/>
-            <pc:sldMk cId="3501264177" sldId="257"/>
-            <ac:picMk id="16" creationId="{AE14B0C0-3E90-3692-D283-2EBA3A3F7257}"/>
-          </ac:picMkLst>
-        </pc:picChg>
-        <pc:picChg chg="add mod">
-          <ac:chgData name="Cindy Detraz" userId="ef60abe6efcaf059" providerId="LiveId" clId="{ACA86C18-1B6A-4B97-A55E-9AEEAB4AEA2B}" dt="2024-01-11T00:17:08.259" v="180" actId="1076"/>
-          <ac:picMkLst>
-            <pc:docMk/>
-            <pc:sldMk cId="3501264177" sldId="257"/>
-            <ac:picMk id="18" creationId="{61554549-7F55-53D0-B0FF-7FE1867DB52F}"/>
-          </ac:picMkLst>
-        </pc:picChg>
-        <pc:picChg chg="add mod">
-          <ac:chgData name="Cindy Detraz" userId="ef60abe6efcaf059" providerId="LiveId" clId="{ACA86C18-1B6A-4B97-A55E-9AEEAB4AEA2B}" dt="2024-01-11T21:25:36.481" v="2208" actId="1440"/>
-          <ac:picMkLst>
-            <pc:docMk/>
-            <pc:sldMk cId="3501264177" sldId="257"/>
-            <ac:picMk id="22" creationId="{989DDD6A-458C-DA41-AECC-95E99947F72E}"/>
-          </ac:picMkLst>
-        </pc:picChg>
-      </pc:sldChg>
-      <pc:sldChg chg="addSp delSp modSp del mod">
-        <pc:chgData name="Cindy Detraz" userId="ef60abe6efcaf059" providerId="LiveId" clId="{ACA86C18-1B6A-4B97-A55E-9AEEAB4AEA2B}" dt="2024-01-11T00:22:28.707" v="217" actId="47"/>
-        <pc:sldMkLst>
-          <pc:docMk/>
-          <pc:sldMk cId="2263822062" sldId="258"/>
-        </pc:sldMkLst>
-        <pc:spChg chg="del">
-          <ac:chgData name="Cindy Detraz" userId="ef60abe6efcaf059" providerId="LiveId" clId="{ACA86C18-1B6A-4B97-A55E-9AEEAB4AEA2B}" dt="2024-01-11T00:14:54.527" v="155"/>
-          <ac:spMkLst>
-            <pc:docMk/>
-            <pc:sldMk cId="2263822062" sldId="258"/>
-            <ac:spMk id="3" creationId="{567AE548-D1E5-085E-E49E-448D2A31DD0A}"/>
-          </ac:spMkLst>
-        </pc:spChg>
-        <pc:spChg chg="add del mod">
-          <ac:chgData name="Cindy Detraz" userId="ef60abe6efcaf059" providerId="LiveId" clId="{ACA86C18-1B6A-4B97-A55E-9AEEAB4AEA2B}" dt="2024-01-11T00:16:02.439" v="164" actId="931"/>
-          <ac:spMkLst>
-            <pc:docMk/>
-            <pc:sldMk cId="2263822062" sldId="258"/>
-            <ac:spMk id="6" creationId="{8DF75DC7-BDA7-3B3D-2233-B12EF6C89031}"/>
-          </ac:spMkLst>
-        </pc:spChg>
-        <pc:picChg chg="add del mod">
-          <ac:chgData name="Cindy Detraz" userId="ef60abe6efcaf059" providerId="LiveId" clId="{ACA86C18-1B6A-4B97-A55E-9AEEAB4AEA2B}" dt="2024-01-11T00:15:27.081" v="163" actId="21"/>
-          <ac:picMkLst>
-            <pc:docMk/>
-            <pc:sldMk cId="2263822062" sldId="258"/>
-            <ac:picMk id="4" creationId="{5D413E48-0F8F-4430-7CC2-5696F84BCDE6}"/>
-          </ac:picMkLst>
-        </pc:picChg>
-        <pc:picChg chg="add mod">
-          <ac:chgData name="Cindy Detraz" userId="ef60abe6efcaf059" providerId="LiveId" clId="{ACA86C18-1B6A-4B97-A55E-9AEEAB4AEA2B}" dt="2024-01-11T00:20:10.187" v="213" actId="14100"/>
-          <ac:picMkLst>
-            <pc:docMk/>
-            <pc:sldMk cId="2263822062" sldId="258"/>
-            <ac:picMk id="8" creationId="{478A394D-2F9D-9DB4-2A1D-DFDE54043F87}"/>
-          </ac:picMkLst>
-        </pc:picChg>
-        <pc:picChg chg="add del mod">
-          <ac:chgData name="Cindy Detraz" userId="ef60abe6efcaf059" providerId="LiveId" clId="{ACA86C18-1B6A-4B97-A55E-9AEEAB4AEA2B}" dt="2024-01-11T00:14:52.789" v="154" actId="21"/>
-          <ac:picMkLst>
-            <pc:docMk/>
-            <pc:sldMk cId="2263822062" sldId="258"/>
-            <ac:picMk id="16" creationId="{5D413E48-0F8F-4430-7CC2-5696F84BCDE6}"/>
-          </ac:picMkLst>
-        </pc:picChg>
-      </pc:sldChg>
-      <pc:sldChg chg="addSp delSp modSp new add del mod delAnim modAnim">
-        <pc:chgData name="Cindy Detraz" userId="ef60abe6efcaf059" providerId="LiveId" clId="{ACA86C18-1B6A-4B97-A55E-9AEEAB4AEA2B}" dt="2024-01-11T03:28:17.856" v="1350" actId="2696"/>
-        <pc:sldMkLst>
-          <pc:docMk/>
-          <pc:sldMk cId="2370336894" sldId="259"/>
-        </pc:sldMkLst>
-        <pc:spChg chg="mod">
-          <ac:chgData name="Cindy Detraz" userId="ef60abe6efcaf059" providerId="LiveId" clId="{ACA86C18-1B6A-4B97-A55E-9AEEAB4AEA2B}" dt="2024-01-11T00:02:21.739" v="81" actId="14100"/>
-          <ac:spMkLst>
-            <pc:docMk/>
-            <pc:sldMk cId="2370336894" sldId="259"/>
-            <ac:spMk id="2" creationId="{7800C51F-E4BD-6CB9-AB7C-4FA015FB5E41}"/>
-          </ac:spMkLst>
-        </pc:spChg>
-        <pc:spChg chg="del mod">
-          <ac:chgData name="Cindy Detraz" userId="ef60abe6efcaf059" providerId="LiveId" clId="{ACA86C18-1B6A-4B97-A55E-9AEEAB4AEA2B}" dt="2024-01-11T00:03:09.513" v="84"/>
-          <ac:spMkLst>
-            <pc:docMk/>
-            <pc:sldMk cId="2370336894" sldId="259"/>
-            <ac:spMk id="3" creationId="{5DC6AEFD-C437-E2A4-420A-49E397DB9FC0}"/>
-          </ac:spMkLst>
-        </pc:spChg>
-        <pc:spChg chg="add del mod">
-          <ac:chgData name="Cindy Detraz" userId="ef60abe6efcaf059" providerId="LiveId" clId="{ACA86C18-1B6A-4B97-A55E-9AEEAB4AEA2B}" dt="2024-01-11T03:27:42.827" v="1338" actId="478"/>
-          <ac:spMkLst>
-            <pc:docMk/>
-            <pc:sldMk cId="2370336894" sldId="259"/>
-            <ac:spMk id="5" creationId="{F8A3BAB2-6957-120C-7834-5240E84A582F}"/>
-          </ac:spMkLst>
-        </pc:spChg>
-        <pc:spChg chg="add del mod">
-          <ac:chgData name="Cindy Detraz" userId="ef60abe6efcaf059" providerId="LiveId" clId="{ACA86C18-1B6A-4B97-A55E-9AEEAB4AEA2B}" dt="2024-01-11T00:08:45.054" v="113" actId="478"/>
-          <ac:spMkLst>
-            <pc:docMk/>
-            <pc:sldMk cId="2370336894" sldId="259"/>
-            <ac:spMk id="6" creationId="{5B5E2A37-C73F-C049-E926-2ECDC42D875E}"/>
-          </ac:spMkLst>
-        </pc:spChg>
-        <pc:spChg chg="add del mod">
-          <ac:chgData name="Cindy Detraz" userId="ef60abe6efcaf059" providerId="LiveId" clId="{ACA86C18-1B6A-4B97-A55E-9AEEAB4AEA2B}" dt="2024-01-11T00:08:46.174" v="114" actId="478"/>
-          <ac:spMkLst>
-            <pc:docMk/>
-            <pc:sldMk cId="2370336894" sldId="259"/>
-            <ac:spMk id="7" creationId="{B92D253F-1E08-6026-AE86-4DAD23E1F83F}"/>
-          </ac:spMkLst>
-        </pc:spChg>
-        <pc:spChg chg="add del mod">
-          <ac:chgData name="Cindy Detraz" userId="ef60abe6efcaf059" providerId="LiveId" clId="{ACA86C18-1B6A-4B97-A55E-9AEEAB4AEA2B}" dt="2024-01-11T00:08:47.159" v="115" actId="478"/>
-          <ac:spMkLst>
-            <pc:docMk/>
-            <pc:sldMk cId="2370336894" sldId="259"/>
-            <ac:spMk id="8" creationId="{6FFF6F09-A05B-712F-C33C-00100C03312B}"/>
-          </ac:spMkLst>
-        </pc:spChg>
-        <pc:spChg chg="add del mod">
-          <ac:chgData name="Cindy Detraz" userId="ef60abe6efcaf059" providerId="LiveId" clId="{ACA86C18-1B6A-4B97-A55E-9AEEAB4AEA2B}" dt="2024-01-11T00:08:47.823" v="116" actId="478"/>
-          <ac:spMkLst>
-            <pc:docMk/>
-            <pc:sldMk cId="2370336894" sldId="259"/>
-            <ac:spMk id="9" creationId="{3D8DD56E-F36F-1A52-EF6B-6543A31F1349}"/>
-          </ac:spMkLst>
-        </pc:spChg>
-        <pc:spChg chg="add del mod">
-          <ac:chgData name="Cindy Detraz" userId="ef60abe6efcaf059" providerId="LiveId" clId="{ACA86C18-1B6A-4B97-A55E-9AEEAB4AEA2B}" dt="2024-01-11T00:08:48.487" v="117" actId="478"/>
-          <ac:spMkLst>
-            <pc:docMk/>
-            <pc:sldMk cId="2370336894" sldId="259"/>
-            <ac:spMk id="10" creationId="{74DF075F-3740-FA5F-BD7C-4534B1D91B34}"/>
-          </ac:spMkLst>
-        </pc:spChg>
-        <pc:spChg chg="add del mod">
-          <ac:chgData name="Cindy Detraz" userId="ef60abe6efcaf059" providerId="LiveId" clId="{ACA86C18-1B6A-4B97-A55E-9AEEAB4AEA2B}" dt="2024-01-11T03:27:43.931" v="1339" actId="478"/>
-          <ac:spMkLst>
-            <pc:docMk/>
-            <pc:sldMk cId="2370336894" sldId="259"/>
-            <ac:spMk id="11" creationId="{8CF70574-809D-D68E-C16D-207C763CBA47}"/>
-          </ac:spMkLst>
-        </pc:spChg>
-        <pc:spChg chg="add del mod">
-          <ac:chgData name="Cindy Detraz" userId="ef60abe6efcaf059" providerId="LiveId" clId="{ACA86C18-1B6A-4B97-A55E-9AEEAB4AEA2B}" dt="2024-01-11T03:27:44.916" v="1340" actId="478"/>
-          <ac:spMkLst>
-            <pc:docMk/>
-            <pc:sldMk cId="2370336894" sldId="259"/>
-            <ac:spMk id="12" creationId="{7646CA6C-15D3-FC73-AD86-A84172635EA1}"/>
-          </ac:spMkLst>
-        </pc:spChg>
-        <pc:spChg chg="add del mod">
-          <ac:chgData name="Cindy Detraz" userId="ef60abe6efcaf059" providerId="LiveId" clId="{ACA86C18-1B6A-4B97-A55E-9AEEAB4AEA2B}" dt="2024-01-11T03:27:45.875" v="1341" actId="478"/>
-          <ac:spMkLst>
-            <pc:docMk/>
-            <pc:sldMk cId="2370336894" sldId="259"/>
-            <ac:spMk id="13" creationId="{DC6A2B31-2B05-6631-BAF3-DDBC6525A545}"/>
-          </ac:spMkLst>
-        </pc:spChg>
-        <pc:spChg chg="add del mod">
-          <ac:chgData name="Cindy Detraz" userId="ef60abe6efcaf059" providerId="LiveId" clId="{ACA86C18-1B6A-4B97-A55E-9AEEAB4AEA2B}" dt="2024-01-11T03:27:46.732" v="1342" actId="478"/>
-          <ac:spMkLst>
-            <pc:docMk/>
-            <pc:sldMk cId="2370336894" sldId="259"/>
-            <ac:spMk id="14" creationId="{9FB908B9-0C2B-AB77-C467-10ED78ECFBF6}"/>
-          </ac:spMkLst>
-        </pc:spChg>
-        <pc:spChg chg="add del mod">
-          <ac:chgData name="Cindy Detraz" userId="ef60abe6efcaf059" providerId="LiveId" clId="{ACA86C18-1B6A-4B97-A55E-9AEEAB4AEA2B}" dt="2024-01-11T03:27:47.755" v="1344" actId="478"/>
-          <ac:spMkLst>
-            <pc:docMk/>
-            <pc:sldMk cId="2370336894" sldId="259"/>
-            <ac:spMk id="15" creationId="{D0FB8968-F3CB-445A-80F5-42E97CA8AA60}"/>
-          </ac:spMkLst>
-        </pc:spChg>
-        <pc:spChg chg="add del mod">
-          <ac:chgData name="Cindy Detraz" userId="ef60abe6efcaf059" providerId="LiveId" clId="{ACA86C18-1B6A-4B97-A55E-9AEEAB4AEA2B}" dt="2024-01-11T00:18:24.567" v="189" actId="931"/>
-          <ac:spMkLst>
-            <pc:docMk/>
-            <pc:sldMk cId="2370336894" sldId="259"/>
-            <ac:spMk id="20" creationId="{FF72CD18-33E3-69EC-29A4-7EA2A05A8ABA}"/>
-          </ac:spMkLst>
-        </pc:spChg>
-        <pc:spChg chg="add del mod">
-          <ac:chgData name="Cindy Detraz" userId="ef60abe6efcaf059" providerId="LiveId" clId="{ACA86C18-1B6A-4B97-A55E-9AEEAB4AEA2B}" dt="2024-01-11T03:27:40.220" v="1337" actId="21"/>
-          <ac:spMkLst>
-            <pc:docMk/>
-            <pc:sldMk cId="2370336894" sldId="259"/>
-            <ac:spMk id="26" creationId="{DAD27055-D4D4-9AEE-2F44-0AEDDBD7754B}"/>
-          </ac:spMkLst>
-        </pc:spChg>
-        <pc:picChg chg="add del mod">
-          <ac:chgData name="Cindy Detraz" userId="ef60abe6efcaf059" providerId="LiveId" clId="{ACA86C18-1B6A-4B97-A55E-9AEEAB4AEA2B}" dt="2024-01-11T00:18:13.059" v="187" actId="478"/>
-          <ac:picMkLst>
-            <pc:docMk/>
-            <pc:sldMk cId="2370336894" sldId="259"/>
-            <ac:picMk id="4" creationId="{12C4C4AE-CE2D-E7B7-4537-6CDE94F2596C}"/>
-          </ac:picMkLst>
-        </pc:picChg>
-        <pc:picChg chg="add del mod">
-          <ac:chgData name="Cindy Detraz" userId="ef60abe6efcaf059" providerId="LiveId" clId="{ACA86C18-1B6A-4B97-A55E-9AEEAB4AEA2B}" dt="2024-01-11T00:14:44.989" v="151" actId="21"/>
-          <ac:picMkLst>
-            <pc:docMk/>
-            <pc:sldMk cId="2370336894" sldId="259"/>
-            <ac:picMk id="16" creationId="{5D413E48-0F8F-4430-7CC2-5696F84BCDE6}"/>
-          </ac:picMkLst>
-        </pc:picChg>
-        <pc:picChg chg="add del mod">
-          <ac:chgData name="Cindy Detraz" userId="ef60abe6efcaf059" providerId="LiveId" clId="{ACA86C18-1B6A-4B97-A55E-9AEEAB4AEA2B}" dt="2024-01-11T00:18:26.133" v="191" actId="478"/>
-          <ac:picMkLst>
-            <pc:docMk/>
-            <pc:sldMk cId="2370336894" sldId="259"/>
-            <ac:picMk id="18" creationId="{10C5DFF1-8C9E-C924-13D3-AB1485903B26}"/>
-          </ac:picMkLst>
-        </pc:picChg>
-        <pc:picChg chg="add del mod">
-          <ac:chgData name="Cindy Detraz" userId="ef60abe6efcaf059" providerId="LiveId" clId="{ACA86C18-1B6A-4B97-A55E-9AEEAB4AEA2B}" dt="2024-01-11T03:27:34.379" v="1336" actId="478"/>
-          <ac:picMkLst>
-            <pc:docMk/>
-            <pc:sldMk cId="2370336894" sldId="259"/>
-            <ac:picMk id="22" creationId="{044126A4-8126-16B0-EED7-4AC9CAC755DA}"/>
-          </ac:picMkLst>
-        </pc:picChg>
-        <pc:picChg chg="add del mod">
-          <ac:chgData name="Cindy Detraz" userId="ef60abe6efcaf059" providerId="LiveId" clId="{ACA86C18-1B6A-4B97-A55E-9AEEAB4AEA2B}" dt="2024-01-11T00:37:07.543" v="262" actId="478"/>
-          <ac:picMkLst>
-            <pc:docMk/>
-            <pc:sldMk cId="2370336894" sldId="259"/>
-            <ac:picMk id="24" creationId="{71456DD4-9D18-9146-392E-F1265612F093}"/>
-          </ac:picMkLst>
-        </pc:picChg>
-      </pc:sldChg>
-      <pc:sldChg chg="addSp delSp modSp new mod">
-        <pc:chgData name="Cindy Detraz" userId="ef60abe6efcaf059" providerId="LiveId" clId="{ACA86C18-1B6A-4B97-A55E-9AEEAB4AEA2B}" dt="2024-01-11T21:25:58.059" v="2211" actId="1076"/>
-        <pc:sldMkLst>
-          <pc:docMk/>
-          <pc:sldMk cId="3005533824" sldId="260"/>
-        </pc:sldMkLst>
-        <pc:spChg chg="mod">
-          <ac:chgData name="Cindy Detraz" userId="ef60abe6efcaf059" providerId="LiveId" clId="{ACA86C18-1B6A-4B97-A55E-9AEEAB4AEA2B}" dt="2024-01-11T00:33:13.391" v="252" actId="14100"/>
-          <ac:spMkLst>
-            <pc:docMk/>
-            <pc:sldMk cId="3005533824" sldId="260"/>
-            <ac:spMk id="2" creationId="{F91DCEB6-1778-0EF3-F64F-C5F6A38484CA}"/>
-          </ac:spMkLst>
-        </pc:spChg>
-        <pc:spChg chg="del">
-          <ac:chgData name="Cindy Detraz" userId="ef60abe6efcaf059" providerId="LiveId" clId="{ACA86C18-1B6A-4B97-A55E-9AEEAB4AEA2B}" dt="2024-01-11T00:34:07.085" v="253" actId="931"/>
-          <ac:spMkLst>
-            <pc:docMk/>
-            <pc:sldMk cId="3005533824" sldId="260"/>
-            <ac:spMk id="3" creationId="{D19E163F-5422-F6A4-7466-E36C2C0A7AFD}"/>
-          </ac:spMkLst>
-        </pc:spChg>
-        <pc:spChg chg="add del mod">
-          <ac:chgData name="Cindy Detraz" userId="ef60abe6efcaf059" providerId="LiveId" clId="{ACA86C18-1B6A-4B97-A55E-9AEEAB4AEA2B}" dt="2024-01-11T04:28:38.204" v="1781" actId="21"/>
-          <ac:spMkLst>
-            <pc:docMk/>
-            <pc:sldMk cId="3005533824" sldId="260"/>
-            <ac:spMk id="4" creationId="{4D030406-72DB-0D98-EE1E-5F5400DF0154}"/>
-          </ac:spMkLst>
-        </pc:spChg>
-        <pc:spChg chg="add del">
-          <ac:chgData name="Cindy Detraz" userId="ef60abe6efcaf059" providerId="LiveId" clId="{ACA86C18-1B6A-4B97-A55E-9AEEAB4AEA2B}" dt="2024-01-11T00:28:49.028" v="224" actId="21"/>
-          <ac:spMkLst>
-            <pc:docMk/>
-            <pc:sldMk cId="3005533824" sldId="260"/>
-            <ac:spMk id="4" creationId="{5B2AA1F1-E0DA-D509-65ED-0EBC0C551CCF}"/>
-          </ac:spMkLst>
-        </pc:spChg>
-        <pc:spChg chg="add del mod">
-          <ac:chgData name="Cindy Detraz" userId="ef60abe6efcaf059" providerId="LiveId" clId="{ACA86C18-1B6A-4B97-A55E-9AEEAB4AEA2B}" dt="2024-01-11T00:52:37.172" v="310"/>
-          <ac:spMkLst>
-            <pc:docMk/>
-            <pc:sldMk cId="3005533824" sldId="260"/>
-            <ac:spMk id="7" creationId="{55CA46F8-7089-1976-B33B-A64F03795299}"/>
-          </ac:spMkLst>
-        </pc:spChg>
-        <pc:spChg chg="add del mod">
-          <ac:chgData name="Cindy Detraz" userId="ef60abe6efcaf059" providerId="LiveId" clId="{ACA86C18-1B6A-4B97-A55E-9AEEAB4AEA2B}" dt="2024-01-11T04:30:10.360" v="1792" actId="478"/>
-          <ac:spMkLst>
-            <pc:docMk/>
-            <pc:sldMk cId="3005533824" sldId="260"/>
-            <ac:spMk id="7" creationId="{FDFDA33C-8203-8E62-939D-38466425BD84}"/>
-          </ac:spMkLst>
-        </pc:spChg>
-        <pc:spChg chg="add del mod">
-          <ac:chgData name="Cindy Detraz" userId="ef60abe6efcaf059" providerId="LiveId" clId="{ACA86C18-1B6A-4B97-A55E-9AEEAB4AEA2B}" dt="2024-01-11T04:01:59.261" v="1692" actId="478"/>
-          <ac:spMkLst>
-            <pc:docMk/>
-            <pc:sldMk cId="3005533824" sldId="260"/>
-            <ac:spMk id="8" creationId="{D3BB9BB2-D3E4-2D0F-3F42-84BD5674E565}"/>
-          </ac:spMkLst>
-        </pc:spChg>
-        <pc:spChg chg="add del mod">
-          <ac:chgData name="Cindy Detraz" userId="ef60abe6efcaf059" providerId="LiveId" clId="{ACA86C18-1B6A-4B97-A55E-9AEEAB4AEA2B}" dt="2024-01-11T04:02:01.770" v="1693" actId="478"/>
-          <ac:spMkLst>
-            <pc:docMk/>
-            <pc:sldMk cId="3005533824" sldId="260"/>
-            <ac:spMk id="9" creationId="{1DE9EC8E-B34C-986E-1034-4D728B596D07}"/>
-          </ac:spMkLst>
-        </pc:spChg>
-        <pc:spChg chg="add del mod">
-          <ac:chgData name="Cindy Detraz" userId="ef60abe6efcaf059" providerId="LiveId" clId="{ACA86C18-1B6A-4B97-A55E-9AEEAB4AEA2B}" dt="2024-01-11T05:08:54.557" v="2207" actId="14100"/>
-          <ac:spMkLst>
-            <pc:docMk/>
-            <pc:sldMk cId="3005533824" sldId="260"/>
-            <ac:spMk id="10" creationId="{A3B3C7CA-4DEC-50BD-47E1-4C02110C4A8E}"/>
-          </ac:spMkLst>
-        </pc:spChg>
-        <pc:spChg chg="add del mod">
-          <ac:chgData name="Cindy Detraz" userId="ef60abe6efcaf059" providerId="LiveId" clId="{ACA86C18-1B6A-4B97-A55E-9AEEAB4AEA2B}" dt="2024-01-11T05:03:43.310" v="2198" actId="21"/>
-          <ac:spMkLst>
-            <pc:docMk/>
-            <pc:sldMk cId="3005533824" sldId="260"/>
-            <ac:spMk id="11" creationId="{CAD425B9-0BAC-D033-BD48-99590B571EF1}"/>
-          </ac:spMkLst>
-        </pc:spChg>
-        <pc:spChg chg="add mod">
-          <ac:chgData name="Cindy Detraz" userId="ef60abe6efcaf059" providerId="LiveId" clId="{ACA86C18-1B6A-4B97-A55E-9AEEAB4AEA2B}" dt="2024-01-11T05:08:42.183" v="2204" actId="14100"/>
-          <ac:spMkLst>
-            <pc:docMk/>
-            <pc:sldMk cId="3005533824" sldId="260"/>
-            <ac:spMk id="12" creationId="{2C9C2CFD-2C77-4391-A049-AE4C66284B47}"/>
-          </ac:spMkLst>
-        </pc:spChg>
-        <pc:picChg chg="add mod">
-          <ac:chgData name="Cindy Detraz" userId="ef60abe6efcaf059" providerId="LiveId" clId="{ACA86C18-1B6A-4B97-A55E-9AEEAB4AEA2B}" dt="2024-01-11T04:28:37.468" v="1780"/>
-          <ac:picMkLst>
-            <pc:docMk/>
-            <pc:sldMk cId="3005533824" sldId="260"/>
-            <ac:picMk id="5" creationId="{A429AA1B-B4B5-D644-11A5-9FB89786EA40}"/>
-          </ac:picMkLst>
-        </pc:picChg>
-        <pc:picChg chg="add del mod">
-          <ac:chgData name="Cindy Detraz" userId="ef60abe6efcaf059" providerId="LiveId" clId="{ACA86C18-1B6A-4B97-A55E-9AEEAB4AEA2B}" dt="2024-01-11T21:25:58.059" v="2211" actId="1076"/>
-          <ac:picMkLst>
-            <pc:docMk/>
-            <pc:sldMk cId="3005533824" sldId="260"/>
-            <ac:picMk id="6" creationId="{A429AA1B-B4B5-D644-11A5-9FB89786EA40}"/>
-          </ac:picMkLst>
-        </pc:picChg>
-      </pc:sldChg>
-      <pc:sldChg chg="addSp delSp modSp new mod ord">
-        <pc:chgData name="Cindy Detraz" userId="ef60abe6efcaf059" providerId="LiveId" clId="{ACA86C18-1B6A-4B97-A55E-9AEEAB4AEA2B}" dt="2024-01-11T21:25:48.592" v="2209" actId="1440"/>
-        <pc:sldMkLst>
-          <pc:docMk/>
-          <pc:sldMk cId="2716277043" sldId="261"/>
-        </pc:sldMkLst>
-        <pc:spChg chg="mod">
-          <ac:chgData name="Cindy Detraz" userId="ef60abe6efcaf059" providerId="LiveId" clId="{ACA86C18-1B6A-4B97-A55E-9AEEAB4AEA2B}" dt="2024-01-11T03:28:08.904" v="1349" actId="1076"/>
-          <ac:spMkLst>
-            <pc:docMk/>
-            <pc:sldMk cId="2716277043" sldId="261"/>
-            <ac:spMk id="2" creationId="{722EB325-B987-5B79-D004-17B5C3CC5DEF}"/>
-          </ac:spMkLst>
-        </pc:spChg>
-        <pc:spChg chg="add del mod">
-          <ac:chgData name="Cindy Detraz" userId="ef60abe6efcaf059" providerId="LiveId" clId="{ACA86C18-1B6A-4B97-A55E-9AEEAB4AEA2B}" dt="2024-01-11T04:22:07.489" v="1777"/>
-          <ac:spMkLst>
-            <pc:docMk/>
-            <pc:sldMk cId="2716277043" sldId="261"/>
-            <ac:spMk id="3" creationId="{8613F8D2-B6F0-7654-4D03-7B5CFC9E39B0}"/>
-          </ac:spMkLst>
-        </pc:spChg>
-        <pc:spChg chg="del">
-          <ac:chgData name="Cindy Detraz" userId="ef60abe6efcaf059" providerId="LiveId" clId="{ACA86C18-1B6A-4B97-A55E-9AEEAB4AEA2B}" dt="2024-01-11T00:37:27.498" v="263" actId="931"/>
-          <ac:spMkLst>
-            <pc:docMk/>
-            <pc:sldMk cId="2716277043" sldId="261"/>
-            <ac:spMk id="3" creationId="{EC96D9D6-7FDD-A752-CE28-EEF96D59D7C7}"/>
-          </ac:spMkLst>
-        </pc:spChg>
-        <pc:spChg chg="add del mod">
-          <ac:chgData name="Cindy Detraz" userId="ef60abe6efcaf059" providerId="LiveId" clId="{ACA86C18-1B6A-4B97-A55E-9AEEAB4AEA2B}" dt="2024-01-11T05:03:31.905" v="2196" actId="21"/>
-          <ac:spMkLst>
-            <pc:docMk/>
-            <pc:sldMk cId="2716277043" sldId="261"/>
-            <ac:spMk id="10" creationId="{A3B3C7CA-4DEC-50BD-47E1-4C02110C4A8E}"/>
-          </ac:spMkLst>
-        </pc:spChg>
-        <pc:spChg chg="add mod">
-          <ac:chgData name="Cindy Detraz" userId="ef60abe6efcaf059" providerId="LiveId" clId="{ACA86C18-1B6A-4B97-A55E-9AEEAB4AEA2B}" dt="2024-01-11T05:03:47.531" v="2200" actId="1076"/>
-          <ac:spMkLst>
-            <pc:docMk/>
-            <pc:sldMk cId="2716277043" sldId="261"/>
-            <ac:spMk id="11" creationId="{CAD425B9-0BAC-D033-BD48-99590B571EF1}"/>
-          </ac:spMkLst>
-        </pc:spChg>
-        <pc:picChg chg="add mod">
-          <ac:chgData name="Cindy Detraz" userId="ef60abe6efcaf059" providerId="LiveId" clId="{ACA86C18-1B6A-4B97-A55E-9AEEAB4AEA2B}" dt="2024-01-11T21:25:48.592" v="2209" actId="1440"/>
-          <ac:picMkLst>
-            <pc:docMk/>
-            <pc:sldMk cId="2716277043" sldId="261"/>
-            <ac:picMk id="5" creationId="{EEB9DA18-1270-EDD9-ED0E-D167D6A33319}"/>
-          </ac:picMkLst>
-        </pc:picChg>
-      </pc:sldChg>
-      <pc:sldChg chg="addSp delSp modSp new del mod ord">
-        <pc:chgData name="Cindy Detraz" userId="ef60abe6efcaf059" providerId="LiveId" clId="{ACA86C18-1B6A-4B97-A55E-9AEEAB4AEA2B}" dt="2024-01-11T03:28:21.987" v="1351" actId="2696"/>
-        <pc:sldMkLst>
-          <pc:docMk/>
-          <pc:sldMk cId="4075757509" sldId="262"/>
-        </pc:sldMkLst>
-        <pc:spChg chg="mod">
-          <ac:chgData name="Cindy Detraz" userId="ef60abe6efcaf059" providerId="LiveId" clId="{ACA86C18-1B6A-4B97-A55E-9AEEAB4AEA2B}" dt="2024-01-11T00:56:03.798" v="382" actId="1076"/>
-          <ac:spMkLst>
-            <pc:docMk/>
-            <pc:sldMk cId="4075757509" sldId="262"/>
-            <ac:spMk id="2" creationId="{DDB0F3DE-F764-062B-F8A3-E4D6F30C093E}"/>
-          </ac:spMkLst>
-        </pc:spChg>
-        <pc:spChg chg="del">
-          <ac:chgData name="Cindy Detraz" userId="ef60abe6efcaf059" providerId="LiveId" clId="{ACA86C18-1B6A-4B97-A55E-9AEEAB4AEA2B}" dt="2024-01-11T00:53:27.281" v="314" actId="931"/>
-          <ac:spMkLst>
-            <pc:docMk/>
-            <pc:sldMk cId="4075757509" sldId="262"/>
-            <ac:spMk id="3" creationId="{22012BC3-FDED-0B13-DC11-F1355B216121}"/>
-          </ac:spMkLst>
-        </pc:spChg>
-        <pc:picChg chg="add mod">
-          <ac:chgData name="Cindy Detraz" userId="ef60abe6efcaf059" providerId="LiveId" clId="{ACA86C18-1B6A-4B97-A55E-9AEEAB4AEA2B}" dt="2024-01-11T00:58:59.997" v="399" actId="1076"/>
-          <ac:picMkLst>
-            <pc:docMk/>
-            <pc:sldMk cId="4075757509" sldId="262"/>
-            <ac:picMk id="5" creationId="{3713DF83-F2A5-AFEE-E610-DD9510EE470B}"/>
-          </ac:picMkLst>
-        </pc:picChg>
-      </pc:sldChg>
-      <pc:sldChg chg="addSp delSp modSp new mod">
-        <pc:chgData name="Cindy Detraz" userId="ef60abe6efcaf059" providerId="LiveId" clId="{ACA86C18-1B6A-4B97-A55E-9AEEAB4AEA2B}" dt="2024-01-11T02:36:39.004" v="706" actId="1076"/>
-        <pc:sldMkLst>
-          <pc:docMk/>
-          <pc:sldMk cId="1931857202" sldId="263"/>
-        </pc:sldMkLst>
-        <pc:spChg chg="mod">
-          <ac:chgData name="Cindy Detraz" userId="ef60abe6efcaf059" providerId="LiveId" clId="{ACA86C18-1B6A-4B97-A55E-9AEEAB4AEA2B}" dt="2024-01-11T02:35:36.427" v="678" actId="113"/>
-          <ac:spMkLst>
-            <pc:docMk/>
-            <pc:sldMk cId="1931857202" sldId="263"/>
-            <ac:spMk id="2" creationId="{888E6987-8836-18D0-03ED-A33C42F4B3EC}"/>
-          </ac:spMkLst>
-        </pc:spChg>
-        <pc:spChg chg="mod">
-          <ac:chgData name="Cindy Detraz" userId="ef60abe6efcaf059" providerId="LiveId" clId="{ACA86C18-1B6A-4B97-A55E-9AEEAB4AEA2B}" dt="2024-01-11T02:36:39.004" v="706" actId="1076"/>
-          <ac:spMkLst>
-            <pc:docMk/>
-            <pc:sldMk cId="1931857202" sldId="263"/>
-            <ac:spMk id="3" creationId="{B1998F81-6711-2FEC-44D6-7B97B410B0BD}"/>
-          </ac:spMkLst>
-        </pc:spChg>
-        <pc:picChg chg="add del mod">
-          <ac:chgData name="Cindy Detraz" userId="ef60abe6efcaf059" providerId="LiveId" clId="{ACA86C18-1B6A-4B97-A55E-9AEEAB4AEA2B}" dt="2024-01-11T02:30:14.037" v="606" actId="478"/>
-          <ac:picMkLst>
-            <pc:docMk/>
-            <pc:sldMk cId="1931857202" sldId="263"/>
-            <ac:picMk id="1026" creationId="{A396F3F8-C3DE-46E2-C02F-E0C8A8852D40}"/>
-          </ac:picMkLst>
-        </pc:picChg>
-        <pc:picChg chg="add del mod">
-          <ac:chgData name="Cindy Detraz" userId="ef60abe6efcaf059" providerId="LiveId" clId="{ACA86C18-1B6A-4B97-A55E-9AEEAB4AEA2B}" dt="2024-01-11T02:30:14.037" v="606" actId="478"/>
-          <ac:picMkLst>
-            <pc:docMk/>
-            <pc:sldMk cId="1931857202" sldId="263"/>
-            <ac:picMk id="1028" creationId="{29E3EF63-FC77-AB33-192C-A996CAEDEBB2}"/>
-          </ac:picMkLst>
-        </pc:picChg>
-        <pc:picChg chg="add mod">
-          <ac:chgData name="Cindy Detraz" userId="ef60abe6efcaf059" providerId="LiveId" clId="{ACA86C18-1B6A-4B97-A55E-9AEEAB4AEA2B}" dt="2024-01-11T02:36:23.800" v="698" actId="14100"/>
-          <ac:picMkLst>
-            <pc:docMk/>
-            <pc:sldMk cId="1931857202" sldId="263"/>
-            <ac:picMk id="1030" creationId="{3D6072F9-4605-353A-0596-ACE016CEDFFE}"/>
-          </ac:picMkLst>
-        </pc:picChg>
-        <pc:picChg chg="add del mod">
-          <ac:chgData name="Cindy Detraz" userId="ef60abe6efcaf059" providerId="LiveId" clId="{ACA86C18-1B6A-4B97-A55E-9AEEAB4AEA2B}" dt="2024-01-11T02:31:19.125" v="616" actId="478"/>
-          <ac:picMkLst>
-            <pc:docMk/>
-            <pc:sldMk cId="1931857202" sldId="263"/>
-            <ac:picMk id="1031" creationId="{2D5211FC-0725-D98C-6391-D2212E5D257E}"/>
-          </ac:picMkLst>
-        </pc:picChg>
-        <pc:picChg chg="add del mod">
-          <ac:chgData name="Cindy Detraz" userId="ef60abe6efcaf059" providerId="LiveId" clId="{ACA86C18-1B6A-4B97-A55E-9AEEAB4AEA2B}" dt="2024-01-11T02:31:19.854" v="617" actId="478"/>
-          <ac:picMkLst>
-            <pc:docMk/>
-            <pc:sldMk cId="1931857202" sldId="263"/>
-            <ac:picMk id="1032" creationId="{3A7F81E2-03A6-9E8E-9B06-E216DA1CE007}"/>
-          </ac:picMkLst>
-        </pc:picChg>
-        <pc:picChg chg="add mod">
-          <ac:chgData name="Cindy Detraz" userId="ef60abe6efcaf059" providerId="LiveId" clId="{ACA86C18-1B6A-4B97-A55E-9AEEAB4AEA2B}" dt="2024-01-11T02:36:21.600" v="697" actId="14100"/>
-          <ac:picMkLst>
-            <pc:docMk/>
-            <pc:sldMk cId="1931857202" sldId="263"/>
-            <ac:picMk id="1034" creationId="{80014B7C-AC7D-67BC-2908-E7AEB3613C5E}"/>
-          </ac:picMkLst>
-        </pc:picChg>
-        <pc:picChg chg="add mod">
-          <ac:chgData name="Cindy Detraz" userId="ef60abe6efcaf059" providerId="LiveId" clId="{ACA86C18-1B6A-4B97-A55E-9AEEAB4AEA2B}" dt="2024-01-11T02:36:17.844" v="695" actId="14100"/>
-          <ac:picMkLst>
-            <pc:docMk/>
-            <pc:sldMk cId="1931857202" sldId="263"/>
-            <ac:picMk id="1036" creationId="{7461A674-25FC-15FC-D3ED-7C551D0168EC}"/>
-          </ac:picMkLst>
-        </pc:picChg>
-      </pc:sldChg>
-      <pc:sldChg chg="addSp modSp new mod ord">
-        <pc:chgData name="Cindy Detraz" userId="ef60abe6efcaf059" providerId="LiveId" clId="{ACA86C18-1B6A-4B97-A55E-9AEEAB4AEA2B}" dt="2024-01-11T21:26:24.322" v="2213" actId="1440"/>
-        <pc:sldMkLst>
-          <pc:docMk/>
-          <pc:sldMk cId="4200639994" sldId="264"/>
-        </pc:sldMkLst>
-        <pc:spChg chg="mod">
-          <ac:chgData name="Cindy Detraz" userId="ef60abe6efcaf059" providerId="LiveId" clId="{ACA86C18-1B6A-4B97-A55E-9AEEAB4AEA2B}" dt="2024-01-11T02:37:33.245" v="721" actId="122"/>
-          <ac:spMkLst>
-            <pc:docMk/>
-            <pc:sldMk cId="4200639994" sldId="264"/>
-            <ac:spMk id="2" creationId="{254F16FE-AB1C-99FE-2D1F-C7D3C33BC32F}"/>
-          </ac:spMkLst>
-        </pc:spChg>
-        <pc:spChg chg="mod">
-          <ac:chgData name="Cindy Detraz" userId="ef60abe6efcaf059" providerId="LiveId" clId="{ACA86C18-1B6A-4B97-A55E-9AEEAB4AEA2B}" dt="2024-01-11T03:07:38.156" v="983" actId="12"/>
-          <ac:spMkLst>
-            <pc:docMk/>
-            <pc:sldMk cId="4200639994" sldId="264"/>
-            <ac:spMk id="3" creationId="{7E3886A1-18D5-98CE-80F4-6CC2B3D03A0D}"/>
-          </ac:spMkLst>
-        </pc:spChg>
-        <pc:picChg chg="add mod">
-          <ac:chgData name="Cindy Detraz" userId="ef60abe6efcaf059" providerId="LiveId" clId="{ACA86C18-1B6A-4B97-A55E-9AEEAB4AEA2B}" dt="2024-01-11T21:26:24.322" v="2213" actId="1440"/>
-          <ac:picMkLst>
-            <pc:docMk/>
-            <pc:sldMk cId="4200639994" sldId="264"/>
-            <ac:picMk id="2050" creationId="{4520FD93-FA22-1F75-F764-C740005890D0}"/>
-          </ac:picMkLst>
-        </pc:picChg>
-      </pc:sldChg>
-      <pc:sldChg chg="addSp modSp new mod">
-        <pc:chgData name="Cindy Detraz" userId="ef60abe6efcaf059" providerId="LiveId" clId="{ACA86C18-1B6A-4B97-A55E-9AEEAB4AEA2B}" dt="2024-01-11T21:26:36.517" v="2214" actId="1440"/>
-        <pc:sldMkLst>
-          <pc:docMk/>
-          <pc:sldMk cId="3796917910" sldId="265"/>
-        </pc:sldMkLst>
-        <pc:spChg chg="mod">
-          <ac:chgData name="Cindy Detraz" userId="ef60abe6efcaf059" providerId="LiveId" clId="{ACA86C18-1B6A-4B97-A55E-9AEEAB4AEA2B}" dt="2024-01-11T02:41:19.725" v="789" actId="1076"/>
-          <ac:spMkLst>
-            <pc:docMk/>
-            <pc:sldMk cId="3796917910" sldId="265"/>
-            <ac:spMk id="2" creationId="{47F65BE5-76F4-E42E-0F44-19FF2F1101AA}"/>
-          </ac:spMkLst>
-        </pc:spChg>
-        <pc:spChg chg="mod">
-          <ac:chgData name="Cindy Detraz" userId="ef60abe6efcaf059" providerId="LiveId" clId="{ACA86C18-1B6A-4B97-A55E-9AEEAB4AEA2B}" dt="2024-01-11T03:07:32.542" v="982" actId="12"/>
-          <ac:spMkLst>
-            <pc:docMk/>
-            <pc:sldMk cId="3796917910" sldId="265"/>
-            <ac:spMk id="3" creationId="{87EBA997-E98F-B3CC-0DF3-605777B7CFB4}"/>
-          </ac:spMkLst>
-        </pc:spChg>
-        <pc:picChg chg="add mod">
-          <ac:chgData name="Cindy Detraz" userId="ef60abe6efcaf059" providerId="LiveId" clId="{ACA86C18-1B6A-4B97-A55E-9AEEAB4AEA2B}" dt="2024-01-11T21:26:36.517" v="2214" actId="1440"/>
-          <ac:picMkLst>
-            <pc:docMk/>
-            <pc:sldMk cId="3796917910" sldId="265"/>
-            <ac:picMk id="3074" creationId="{07634CED-EEF7-81C7-B54C-46ABF9102364}"/>
-          </ac:picMkLst>
-        </pc:picChg>
-      </pc:sldChg>
-      <pc:sldChg chg="addSp modSp new mod">
-        <pc:chgData name="Cindy Detraz" userId="ef60abe6efcaf059" providerId="LiveId" clId="{ACA86C18-1B6A-4B97-A55E-9AEEAB4AEA2B}" dt="2024-01-11T21:26:53.876" v="2216" actId="1440"/>
-        <pc:sldMkLst>
-          <pc:docMk/>
-          <pc:sldMk cId="3866562716" sldId="266"/>
-        </pc:sldMkLst>
-        <pc:spChg chg="mod">
-          <ac:chgData name="Cindy Detraz" userId="ef60abe6efcaf059" providerId="LiveId" clId="{ACA86C18-1B6A-4B97-A55E-9AEEAB4AEA2B}" dt="2024-01-11T02:49:04.618" v="879" actId="14100"/>
-          <ac:spMkLst>
-            <pc:docMk/>
-            <pc:sldMk cId="3866562716" sldId="266"/>
-            <ac:spMk id="2" creationId="{77A04D18-794A-B217-738A-E0FA642FDBAD}"/>
-          </ac:spMkLst>
-        </pc:spChg>
-        <pc:spChg chg="mod">
-          <ac:chgData name="Cindy Detraz" userId="ef60abe6efcaf059" providerId="LiveId" clId="{ACA86C18-1B6A-4B97-A55E-9AEEAB4AEA2B}" dt="2024-01-11T02:50:59.925" v="919" actId="14100"/>
-          <ac:spMkLst>
-            <pc:docMk/>
-            <pc:sldMk cId="3866562716" sldId="266"/>
-            <ac:spMk id="3" creationId="{EDEA4222-B49C-6F9D-4FC8-CE1D8A883A3B}"/>
-          </ac:spMkLst>
-        </pc:spChg>
-        <pc:picChg chg="add mod">
-          <ac:chgData name="Cindy Detraz" userId="ef60abe6efcaf059" providerId="LiveId" clId="{ACA86C18-1B6A-4B97-A55E-9AEEAB4AEA2B}" dt="2024-01-11T21:26:53.876" v="2216" actId="1440"/>
-          <ac:picMkLst>
-            <pc:docMk/>
-            <pc:sldMk cId="3866562716" sldId="266"/>
-            <ac:picMk id="5122" creationId="{D56C9AE6-FA9E-A128-05E8-451D1FC5A773}"/>
-          </ac:picMkLst>
-        </pc:picChg>
-      </pc:sldChg>
-      <pc:sldChg chg="addSp modSp new mod">
-        <pc:chgData name="Cindy Detraz" userId="ef60abe6efcaf059" providerId="LiveId" clId="{ACA86C18-1B6A-4B97-A55E-9AEEAB4AEA2B}" dt="2024-01-11T21:27:03.309" v="2217" actId="1440"/>
-        <pc:sldMkLst>
-          <pc:docMk/>
-          <pc:sldMk cId="860628976" sldId="267"/>
-        </pc:sldMkLst>
-        <pc:spChg chg="mod">
-          <ac:chgData name="Cindy Detraz" userId="ef60abe6efcaf059" providerId="LiveId" clId="{ACA86C18-1B6A-4B97-A55E-9AEEAB4AEA2B}" dt="2024-01-11T02:51:48.215" v="931" actId="1076"/>
-          <ac:spMkLst>
-            <pc:docMk/>
-            <pc:sldMk cId="860628976" sldId="267"/>
-            <ac:spMk id="2" creationId="{43D2B5F7-5B4A-23C8-5D47-35AE2F7412E1}"/>
-          </ac:spMkLst>
-        </pc:spChg>
-        <pc:spChg chg="mod">
-          <ac:chgData name="Cindy Detraz" userId="ef60abe6efcaf059" providerId="LiveId" clId="{ACA86C18-1B6A-4B97-A55E-9AEEAB4AEA2B}" dt="2024-01-11T03:09:08.206" v="1006" actId="1076"/>
-          <ac:spMkLst>
-            <pc:docMk/>
-            <pc:sldMk cId="860628976" sldId="267"/>
-            <ac:spMk id="3" creationId="{62AC3F7D-3DE5-0426-88A3-EF00A13F4117}"/>
-          </ac:spMkLst>
-        </pc:spChg>
-        <pc:graphicFrameChg chg="add mod">
-          <ac:chgData name="Cindy Detraz" userId="ef60abe6efcaf059" providerId="LiveId" clId="{ACA86C18-1B6A-4B97-A55E-9AEEAB4AEA2B}" dt="2024-01-11T02:59:33.548" v="955"/>
-          <ac:graphicFrameMkLst>
-            <pc:docMk/>
-            <pc:sldMk cId="860628976" sldId="267"/>
-            <ac:graphicFrameMk id="4" creationId="{14ABB15C-A053-102D-7F43-8146AD7B91A1}"/>
-          </ac:graphicFrameMkLst>
-        </pc:graphicFrameChg>
-        <pc:picChg chg="add mod">
-          <ac:chgData name="Cindy Detraz" userId="ef60abe6efcaf059" providerId="LiveId" clId="{ACA86C18-1B6A-4B97-A55E-9AEEAB4AEA2B}" dt="2024-01-11T21:27:03.309" v="2217" actId="1440"/>
-          <ac:picMkLst>
-            <pc:docMk/>
-            <pc:sldMk cId="860628976" sldId="267"/>
-            <ac:picMk id="6146" creationId="{74BAF58B-7B0D-85A8-14E2-2AF1E9C23A33}"/>
-          </ac:picMkLst>
-        </pc:picChg>
-      </pc:sldChg>
-      <pc:sldChg chg="addSp modSp new mod ord">
-        <pc:chgData name="Cindy Detraz" userId="ef60abe6efcaf059" providerId="LiveId" clId="{ACA86C18-1B6A-4B97-A55E-9AEEAB4AEA2B}" dt="2024-01-11T21:26:42.209" v="2215" actId="1440"/>
-        <pc:sldMkLst>
-          <pc:docMk/>
-          <pc:sldMk cId="1230423509" sldId="268"/>
-        </pc:sldMkLst>
-        <pc:spChg chg="mod">
-          <ac:chgData name="Cindy Detraz" userId="ef60abe6efcaf059" providerId="LiveId" clId="{ACA86C18-1B6A-4B97-A55E-9AEEAB4AEA2B}" dt="2024-01-11T02:44:49.969" v="812" actId="122"/>
-          <ac:spMkLst>
-            <pc:docMk/>
-            <pc:sldMk cId="1230423509" sldId="268"/>
-            <ac:spMk id="2" creationId="{250922FD-11E7-26CE-D131-B5883BE1E2DC}"/>
-          </ac:spMkLst>
-        </pc:spChg>
-        <pc:spChg chg="mod">
-          <ac:chgData name="Cindy Detraz" userId="ef60abe6efcaf059" providerId="LiveId" clId="{ACA86C18-1B6A-4B97-A55E-9AEEAB4AEA2B}" dt="2024-01-11T02:47:58.570" v="859" actId="27636"/>
-          <ac:spMkLst>
-            <pc:docMk/>
-            <pc:sldMk cId="1230423509" sldId="268"/>
-            <ac:spMk id="3" creationId="{A6B3BDBE-6D28-F3E0-7350-5D175E38FA1C}"/>
-          </ac:spMkLst>
-        </pc:spChg>
-        <pc:spChg chg="add mod">
-          <ac:chgData name="Cindy Detraz" userId="ef60abe6efcaf059" providerId="LiveId" clId="{ACA86C18-1B6A-4B97-A55E-9AEEAB4AEA2B}" dt="2024-01-11T02:47:33.144" v="852" actId="207"/>
-          <ac:spMkLst>
-            <pc:docMk/>
-            <pc:sldMk cId="1230423509" sldId="268"/>
-            <ac:spMk id="4" creationId="{53000E10-E386-D87B-C9F3-26B300867040}"/>
-          </ac:spMkLst>
-        </pc:spChg>
-        <pc:picChg chg="add mod">
-          <ac:chgData name="Cindy Detraz" userId="ef60abe6efcaf059" providerId="LiveId" clId="{ACA86C18-1B6A-4B97-A55E-9AEEAB4AEA2B}" dt="2024-01-11T21:26:42.209" v="2215" actId="1440"/>
-          <ac:picMkLst>
-            <pc:docMk/>
-            <pc:sldMk cId="1230423509" sldId="268"/>
-            <ac:picMk id="4098" creationId="{385546BF-2AD5-E132-C010-0F4CD8D34EE3}"/>
-          </ac:picMkLst>
-        </pc:picChg>
-      </pc:sldChg>
-      <pc:sldChg chg="addSp modSp new mod">
-        <pc:chgData name="Cindy Detraz" userId="ef60abe6efcaf059" providerId="LiveId" clId="{ACA86C18-1B6A-4B97-A55E-9AEEAB4AEA2B}" dt="2024-01-11T21:27:19.701" v="2220" actId="1440"/>
-        <pc:sldMkLst>
-          <pc:docMk/>
-          <pc:sldMk cId="2851820437" sldId="269"/>
-        </pc:sldMkLst>
-        <pc:spChg chg="mod">
-          <ac:chgData name="Cindy Detraz" userId="ef60abe6efcaf059" providerId="LiveId" clId="{ACA86C18-1B6A-4B97-A55E-9AEEAB4AEA2B}" dt="2024-01-11T03:11:42.671" v="1019" actId="122"/>
-          <ac:spMkLst>
-            <pc:docMk/>
-            <pc:sldMk cId="2851820437" sldId="269"/>
-            <ac:spMk id="2" creationId="{1A3355EA-BED1-36FD-7FA9-DAD4293306FC}"/>
-          </ac:spMkLst>
-        </pc:spChg>
-        <pc:spChg chg="mod">
-          <ac:chgData name="Cindy Detraz" userId="ef60abe6efcaf059" providerId="LiveId" clId="{ACA86C18-1B6A-4B97-A55E-9AEEAB4AEA2B}" dt="2024-01-11T03:15:18.881" v="1077" actId="255"/>
-          <ac:spMkLst>
-            <pc:docMk/>
-            <pc:sldMk cId="2851820437" sldId="269"/>
-            <ac:spMk id="3" creationId="{AD1F4D82-436B-E87B-F77F-15565C9E0844}"/>
-          </ac:spMkLst>
-        </pc:spChg>
-        <pc:spChg chg="add mod">
-          <ac:chgData name="Cindy Detraz" userId="ef60abe6efcaf059" providerId="LiveId" clId="{ACA86C18-1B6A-4B97-A55E-9AEEAB4AEA2B}" dt="2024-01-11T03:16:17.373" v="1087" actId="1076"/>
-          <ac:spMkLst>
-            <pc:docMk/>
-            <pc:sldMk cId="2851820437" sldId="269"/>
-            <ac:spMk id="4" creationId="{0CF6766E-1497-9F03-F238-AEEB5447FED9}"/>
-          </ac:spMkLst>
-        </pc:spChg>
-        <pc:picChg chg="add mod">
-          <ac:chgData name="Cindy Detraz" userId="ef60abe6efcaf059" providerId="LiveId" clId="{ACA86C18-1B6A-4B97-A55E-9AEEAB4AEA2B}" dt="2024-01-11T21:27:11.215" v="2218" actId="1440"/>
-          <ac:picMkLst>
-            <pc:docMk/>
-            <pc:sldMk cId="2851820437" sldId="269"/>
-            <ac:picMk id="7170" creationId="{B67B1F36-6014-E678-358E-DBE9711C6CDB}"/>
-          </ac:picMkLst>
-        </pc:picChg>
-        <pc:picChg chg="add mod">
-          <ac:chgData name="Cindy Detraz" userId="ef60abe6efcaf059" providerId="LiveId" clId="{ACA86C18-1B6A-4B97-A55E-9AEEAB4AEA2B}" dt="2024-01-11T21:27:15.103" v="2219" actId="1440"/>
-          <ac:picMkLst>
-            <pc:docMk/>
-            <pc:sldMk cId="2851820437" sldId="269"/>
-            <ac:picMk id="7172" creationId="{3DF17CA6-1845-BABC-4C19-AFC5421AFDDC}"/>
-          </ac:picMkLst>
-        </pc:picChg>
-        <pc:picChg chg="add mod">
-          <ac:chgData name="Cindy Detraz" userId="ef60abe6efcaf059" providerId="LiveId" clId="{ACA86C18-1B6A-4B97-A55E-9AEEAB4AEA2B}" dt="2024-01-11T21:27:19.701" v="2220" actId="1440"/>
-          <ac:picMkLst>
-            <pc:docMk/>
-            <pc:sldMk cId="2851820437" sldId="269"/>
-            <ac:picMk id="7174" creationId="{D6150509-F943-A6FD-53B1-EFF0D43DDEB2}"/>
-          </ac:picMkLst>
-        </pc:picChg>
-      </pc:sldChg>
-      <pc:sldChg chg="addSp modSp new mod">
-        <pc:chgData name="Cindy Detraz" userId="ef60abe6efcaf059" providerId="LiveId" clId="{ACA86C18-1B6A-4B97-A55E-9AEEAB4AEA2B}" dt="2024-01-11T21:27:32.665" v="2222" actId="1076"/>
-        <pc:sldMkLst>
-          <pc:docMk/>
-          <pc:sldMk cId="2568028002" sldId="270"/>
-        </pc:sldMkLst>
-        <pc:spChg chg="mod">
-          <ac:chgData name="Cindy Detraz" userId="ef60abe6efcaf059" providerId="LiveId" clId="{ACA86C18-1B6A-4B97-A55E-9AEEAB4AEA2B}" dt="2024-01-11T03:16:59.977" v="1098" actId="122"/>
-          <ac:spMkLst>
-            <pc:docMk/>
-            <pc:sldMk cId="2568028002" sldId="270"/>
-            <ac:spMk id="2" creationId="{4DC584FC-11B0-5F7B-DB97-3AE9C67098D5}"/>
-          </ac:spMkLst>
-        </pc:spChg>
-        <pc:spChg chg="mod">
-          <ac:chgData name="Cindy Detraz" userId="ef60abe6efcaf059" providerId="LiveId" clId="{ACA86C18-1B6A-4B97-A55E-9AEEAB4AEA2B}" dt="2024-01-11T03:27:05.968" v="1335" actId="27636"/>
-          <ac:spMkLst>
-            <pc:docMk/>
-            <pc:sldMk cId="2568028002" sldId="270"/>
-            <ac:spMk id="3" creationId="{DD58E20D-FD22-98DE-923C-8E677DE601CB}"/>
-          </ac:spMkLst>
-        </pc:spChg>
-        <pc:picChg chg="add mod">
-          <ac:chgData name="Cindy Detraz" userId="ef60abe6efcaf059" providerId="LiveId" clId="{ACA86C18-1B6A-4B97-A55E-9AEEAB4AEA2B}" dt="2024-01-11T21:27:32.665" v="2222" actId="1076"/>
-          <ac:picMkLst>
-            <pc:docMk/>
-            <pc:sldMk cId="2568028002" sldId="270"/>
-            <ac:picMk id="8194" creationId="{AE3C2679-B890-CE7F-2DB1-F7D62BC63086}"/>
-          </ac:picMkLst>
-        </pc:picChg>
-      </pc:sldChg>
-      <pc:sldChg chg="new del">
-        <pc:chgData name="Cindy Detraz" userId="ef60abe6efcaf059" providerId="LiveId" clId="{ACA86C18-1B6A-4B97-A55E-9AEEAB4AEA2B}" dt="2024-01-11T03:17:36.585" v="1099" actId="2696"/>
-        <pc:sldMkLst>
-          <pc:docMk/>
-          <pc:sldMk cId="1761191796" sldId="271"/>
-        </pc:sldMkLst>
-      </pc:sldChg>
-      <pc:sldChg chg="modSp new mod">
-        <pc:chgData name="Cindy Detraz" userId="ef60abe6efcaf059" providerId="LiveId" clId="{ACA86C18-1B6A-4B97-A55E-9AEEAB4AEA2B}" dt="2024-01-11T21:28:45.078" v="2238" actId="14100"/>
-        <pc:sldMkLst>
-          <pc:docMk/>
-          <pc:sldMk cId="3459354766" sldId="271"/>
-        </pc:sldMkLst>
-        <pc:spChg chg="mod">
-          <ac:chgData name="Cindy Detraz" userId="ef60abe6efcaf059" providerId="LiveId" clId="{ACA86C18-1B6A-4B97-A55E-9AEEAB4AEA2B}" dt="2024-01-11T03:18:15.855" v="1112" actId="122"/>
-          <ac:spMkLst>
-            <pc:docMk/>
-            <pc:sldMk cId="3459354766" sldId="271"/>
-            <ac:spMk id="2" creationId="{0FA64A33-C39F-2D85-1286-E295DE0A7BF5}"/>
-          </ac:spMkLst>
-        </pc:spChg>
-        <pc:spChg chg="mod">
-          <ac:chgData name="Cindy Detraz" userId="ef60abe6efcaf059" providerId="LiveId" clId="{ACA86C18-1B6A-4B97-A55E-9AEEAB4AEA2B}" dt="2024-01-11T21:28:45.078" v="2238" actId="14100"/>
-          <ac:spMkLst>
-            <pc:docMk/>
-            <pc:sldMk cId="3459354766" sldId="271"/>
-            <ac:spMk id="3" creationId="{6F659D00-BDA0-62B1-B4E1-4D50D1170896}"/>
-          </ac:spMkLst>
-        </pc:spChg>
-      </pc:sldChg>
-      <pc:sldChg chg="addSp delSp modSp new mod">
-        <pc:chgData name="Cindy Detraz" userId="ef60abe6efcaf059" providerId="LiveId" clId="{ACA86C18-1B6A-4B97-A55E-9AEEAB4AEA2B}" dt="2024-01-11T21:27:57.645" v="2229" actId="1076"/>
-        <pc:sldMkLst>
-          <pc:docMk/>
-          <pc:sldMk cId="995978657" sldId="272"/>
-        </pc:sldMkLst>
-        <pc:spChg chg="mod">
-          <ac:chgData name="Cindy Detraz" userId="ef60abe6efcaf059" providerId="LiveId" clId="{ACA86C18-1B6A-4B97-A55E-9AEEAB4AEA2B}" dt="2024-01-11T03:24:47.290" v="1289" actId="122"/>
-          <ac:spMkLst>
-            <pc:docMk/>
-            <pc:sldMk cId="995978657" sldId="272"/>
-            <ac:spMk id="2" creationId="{49CC2FA2-45E7-8264-04FB-8B8B1188C361}"/>
-          </ac:spMkLst>
-        </pc:spChg>
-        <pc:spChg chg="del">
-          <ac:chgData name="Cindy Detraz" userId="ef60abe6efcaf059" providerId="LiveId" clId="{ACA86C18-1B6A-4B97-A55E-9AEEAB4AEA2B}" dt="2024-01-11T03:24:55.508" v="1290"/>
-          <ac:spMkLst>
-            <pc:docMk/>
-            <pc:sldMk cId="995978657" sldId="272"/>
-            <ac:spMk id="3" creationId="{697E651B-80E8-74FF-1306-1F2638B4E899}"/>
-          </ac:spMkLst>
-        </pc:spChg>
-        <pc:spChg chg="add del mod">
-          <ac:chgData name="Cindy Detraz" userId="ef60abe6efcaf059" providerId="LiveId" clId="{ACA86C18-1B6A-4B97-A55E-9AEEAB4AEA2B}" dt="2024-01-11T03:25:14.945" v="1298" actId="21"/>
-          <ac:spMkLst>
-            <pc:docMk/>
-            <pc:sldMk cId="995978657" sldId="272"/>
-            <ac:spMk id="4" creationId="{854E0B2F-4837-D39B-4143-C9AB93C3774A}"/>
-          </ac:spMkLst>
-        </pc:spChg>
-        <pc:picChg chg="add del mod">
-          <ac:chgData name="Cindy Detraz" userId="ef60abe6efcaf059" providerId="LiveId" clId="{ACA86C18-1B6A-4B97-A55E-9AEEAB4AEA2B}" dt="2024-01-11T03:25:08.118" v="1297" actId="478"/>
-          <ac:picMkLst>
-            <pc:docMk/>
-            <pc:sldMk cId="995978657" sldId="272"/>
-            <ac:picMk id="9218" creationId="{C64C647A-FAF3-18C3-9796-38206E49B8B5}"/>
-          </ac:picMkLst>
-        </pc:picChg>
-        <pc:picChg chg="add del mod">
-          <ac:chgData name="Cindy Detraz" userId="ef60abe6efcaf059" providerId="LiveId" clId="{ACA86C18-1B6A-4B97-A55E-9AEEAB4AEA2B}" dt="2024-01-11T03:25:08.118" v="1297" actId="478"/>
-          <ac:picMkLst>
-            <pc:docMk/>
-            <pc:sldMk cId="995978657" sldId="272"/>
-            <ac:picMk id="9220" creationId="{178057D9-7AC5-B5AB-F80C-68FAA48E01DC}"/>
-          </ac:picMkLst>
-        </pc:picChg>
-        <pc:picChg chg="add mod">
-          <ac:chgData name="Cindy Detraz" userId="ef60abe6efcaf059" providerId="LiveId" clId="{ACA86C18-1B6A-4B97-A55E-9AEEAB4AEA2B}" dt="2024-01-11T21:27:57.645" v="2229" actId="1076"/>
-          <ac:picMkLst>
-            <pc:docMk/>
-            <pc:sldMk cId="995978657" sldId="272"/>
-            <ac:picMk id="9222" creationId="{CFD60FB0-705A-7858-3F9C-A1979DE121CE}"/>
-          </ac:picMkLst>
-        </pc:picChg>
-        <pc:picChg chg="add mod">
-          <ac:chgData name="Cindy Detraz" userId="ef60abe6efcaf059" providerId="LiveId" clId="{ACA86C18-1B6A-4B97-A55E-9AEEAB4AEA2B}" dt="2024-01-11T21:27:54.243" v="2228" actId="1076"/>
-          <ac:picMkLst>
-            <pc:docMk/>
-            <pc:sldMk cId="995978657" sldId="272"/>
-            <ac:picMk id="9223" creationId="{C0C65692-3CB2-F983-3672-57C22C940B0A}"/>
-          </ac:picMkLst>
-        </pc:picChg>
-        <pc:picChg chg="add mod">
-          <ac:chgData name="Cindy Detraz" userId="ef60abe6efcaf059" providerId="LiveId" clId="{ACA86C18-1B6A-4B97-A55E-9AEEAB4AEA2B}" dt="2024-01-11T21:27:49.758" v="2227" actId="1076"/>
-          <ac:picMkLst>
-            <pc:docMk/>
-            <pc:sldMk cId="995978657" sldId="272"/>
-            <ac:picMk id="9224" creationId="{6EDC2630-56AD-0FF8-8F9F-65780DBF8B88}"/>
-          </ac:picMkLst>
-        </pc:picChg>
-      </pc:sldChg>
-      <pc:sldChg chg="add del">
-        <pc:chgData name="Cindy Detraz" userId="ef60abe6efcaf059" providerId="LiveId" clId="{ACA86C18-1B6A-4B97-A55E-9AEEAB4AEA2B}" dt="2024-01-11T03:17:46.399" v="1102"/>
-        <pc:sldMkLst>
-          <pc:docMk/>
-          <pc:sldMk cId="3082771043" sldId="272"/>
-        </pc:sldMkLst>
-      </pc:sldChg>
-      <pc:sldChg chg="modSp new mod">
-        <pc:chgData name="Cindy Detraz" userId="ef60abe6efcaf059" providerId="LiveId" clId="{ACA86C18-1B6A-4B97-A55E-9AEEAB4AEA2B}" dt="2024-01-11T21:29:28.335" v="2245" actId="14100"/>
-        <pc:sldMkLst>
-          <pc:docMk/>
-          <pc:sldMk cId="1373770936" sldId="273"/>
-        </pc:sldMkLst>
-        <pc:spChg chg="mod">
-          <ac:chgData name="Cindy Detraz" userId="ef60abe6efcaf059" providerId="LiveId" clId="{ACA86C18-1B6A-4B97-A55E-9AEEAB4AEA2B}" dt="2024-01-11T03:43:43.801" v="1388" actId="122"/>
-          <ac:spMkLst>
-            <pc:docMk/>
-            <pc:sldMk cId="1373770936" sldId="273"/>
-            <ac:spMk id="2" creationId="{4DCAB9B6-92E7-D617-E6A6-2D0DF09A1A65}"/>
-          </ac:spMkLst>
-        </pc:spChg>
-        <pc:spChg chg="mod">
-          <ac:chgData name="Cindy Detraz" userId="ef60abe6efcaf059" providerId="LiveId" clId="{ACA86C18-1B6A-4B97-A55E-9AEEAB4AEA2B}" dt="2024-01-11T21:29:28.335" v="2245" actId="14100"/>
-          <ac:spMkLst>
-            <pc:docMk/>
-            <pc:sldMk cId="1373770936" sldId="273"/>
-            <ac:spMk id="3" creationId="{18C23971-F074-B31D-40C5-D3FA70A7F127}"/>
-          </ac:spMkLst>
-        </pc:spChg>
-      </pc:sldChg>
-      <pc:sldChg chg="addSp delSp modSp new del mod">
-        <pc:chgData name="Cindy Detraz" userId="ef60abe6efcaf059" providerId="LiveId" clId="{ACA86C18-1B6A-4B97-A55E-9AEEAB4AEA2B}" dt="2024-01-11T21:26:16.329" v="2212" actId="2696"/>
-        <pc:sldMkLst>
-          <pc:docMk/>
-          <pc:sldMk cId="3415798560" sldId="274"/>
-        </pc:sldMkLst>
-        <pc:spChg chg="add del mod">
-          <ac:chgData name="Cindy Detraz" userId="ef60abe6efcaf059" providerId="LiveId" clId="{ACA86C18-1B6A-4B97-A55E-9AEEAB4AEA2B}" dt="2024-01-11T05:08:31.686" v="2202" actId="21"/>
-          <ac:spMkLst>
-            <pc:docMk/>
-            <pc:sldMk cId="3415798560" sldId="274"/>
-            <ac:spMk id="10" creationId="{A3B3C7CA-4DEC-50BD-47E1-4C02110C4A8E}"/>
-          </ac:spMkLst>
-        </pc:spChg>
-      </pc:sldChg>
-    </pc:docChg>
-  </pc:docChgLst>
-</pc:chgInfo>
 </file>
 
 <file path=ppt/notesMasters/notesMaster1.xml><?xml version="1.0" encoding="utf-8"?>
@@ -5260,8 +4298,8 @@
         </p:nvSpPr>
         <p:spPr>
           <a:xfrm>
-            <a:off x="6650689" y="1953765"/>
-            <a:ext cx="5541311" cy="4428958"/>
+            <a:off x="5400340" y="1953766"/>
+            <a:ext cx="6791662" cy="4077634"/>
           </a:xfrm>
         </p:spPr>
         <p:txBody>
@@ -5280,7 +4318,7 @@
               <a:buNone/>
             </a:pPr>
             <a:r>
-              <a:rPr lang="en-US" sz="1100" b="1" i="0" u="none" strike="noStrike" dirty="0">
+              <a:rPr lang="en-US" sz="1150" i="0" u="none" strike="noStrike" dirty="0">
                 <a:effectLst/>
                 <a:latin typeface="Slack-Lato"/>
               </a:rPr>
@@ -5298,13 +4336,13 @@
               <a:buNone/>
             </a:pPr>
             <a:r>
-              <a:rPr lang="en-US" sz="1100" b="1" i="0" u="none" strike="noStrike" dirty="0">
+              <a:rPr lang="en-US" sz="1150" i="0" u="none" strike="noStrike" dirty="0">
                 <a:effectLst/>
                 <a:latin typeface="Slack-Lato"/>
               </a:rPr>
               <a:t>The staffing needs for each Maven Coffee Shop location should be strategically aligned with these patterns. Lower Manhattan requires a strong early morning staff that can taper off post-lunch, while Hell's Kitchen needs to focus on maintaining adequate staffing levels from the morning until midday. Astoria, with its unique pattern, should ensure sufficient staffing during the afternoon and early evening hours. To capitalize on these varying customer flows, each location could implement specific business strategies: Lower Manhattan might extend its appeal with evening specials or events to retain post-work customers, Hell's Kitchen could introduce enticing breakfast options to draw the late morning crowd, and Astoria could explore lunchtime promotions or after-work deals to maximize its afternoon and evening potential. Such tailored approaches would ensure optimal utilization of resources, enhancing customer satisfaction and profitability.</a:t>
             </a:r>
-            <a:endParaRPr lang="en-US" sz="1100" b="1" dirty="0">
+            <a:endParaRPr lang="en-US" sz="1150" dirty="0">
               <a:effectLst/>
               <a:latin typeface="Slack-Lato"/>
             </a:endParaRPr>
@@ -5340,8 +4378,8 @@
         </p:blipFill>
         <p:spPr bwMode="auto">
           <a:xfrm>
-            <a:off x="19051" y="1928813"/>
-            <a:ext cx="6476103" cy="4929187"/>
+            <a:off x="150607" y="2064901"/>
+            <a:ext cx="5065283" cy="3855363"/>
           </a:xfrm>
           <a:prstGeom prst="rect">
             <a:avLst/>
@@ -5376,15 +4414,6 @@
               <a:srgbClr val="FFFFFF"/>
             </a:contourClr>
           </a:sp3d>
-          <a:extLst>
-            <a:ext uri="{909E8E84-426E-40DD-AFC4-6F175D3DCCD1}">
-              <a14:hiddenFill xmlns:a14="http://schemas.microsoft.com/office/drawing/2010/main">
-                <a:solidFill>
-                  <a:srgbClr val="FFFFFF"/>
-                </a:solidFill>
-              </a14:hiddenFill>
-            </a:ext>
-          </a:extLst>
         </p:spPr>
       </p:pic>
       <p:graphicFrame>
@@ -5402,13 +4431,13 @@
           <p:nvPr>
             <p:extLst>
               <p:ext uri="{D42A27DB-BD31-4B8C-83A1-F6EECF244321}">
-                <p14:modId xmlns:p14="http://schemas.microsoft.com/office/powerpoint/2010/main" val="1538575579"/>
+                <p14:modId xmlns:p14="http://schemas.microsoft.com/office/powerpoint/2010/main" val="2632425623"/>
               </p:ext>
             </p:extLst>
           </p:nvPr>
         </p:nvGraphicFramePr>
         <p:xfrm>
-          <a:off x="2043113" y="4214813"/>
+          <a:off x="2033587" y="4236328"/>
           <a:ext cx="8124825" cy="285750"/>
         </p:xfrm>
         <a:graphic>
@@ -5442,7 +4471,7 @@
                     </p:blipFill>
                     <p:spPr>
                       <a:xfrm>
-                        <a:off x="2043113" y="4214813"/>
+                        <a:off x="2033587" y="4236328"/>
                         <a:ext cx="8124825" cy="285750"/>
                       </a:xfrm>
                       <a:prstGeom prst="rect">
@@ -5549,8 +4578,8 @@
         </p:nvSpPr>
         <p:spPr>
           <a:xfrm>
-            <a:off x="90598" y="1853756"/>
-            <a:ext cx="4128832" cy="1795776"/>
+            <a:off x="90598" y="2161538"/>
+            <a:ext cx="4128832" cy="1487994"/>
           </a:xfrm>
         </p:spPr>
         <p:txBody>
@@ -5702,8 +4731,8 @@
         </p:blipFill>
         <p:spPr bwMode="auto">
           <a:xfrm>
-            <a:off x="0" y="3689874"/>
-            <a:ext cx="4128831" cy="3168126"/>
+            <a:off x="78889" y="3841997"/>
+            <a:ext cx="3757519" cy="2883212"/>
           </a:xfrm>
           <a:prstGeom prst="rect">
             <a:avLst/>
@@ -5738,15 +4767,6 @@
               <a:srgbClr val="FFFFFF"/>
             </a:contourClr>
           </a:sp3d>
-          <a:extLst>
-            <a:ext uri="{909E8E84-426E-40DD-AFC4-6F175D3DCCD1}">
-              <a14:hiddenFill xmlns:a14="http://schemas.microsoft.com/office/drawing/2010/main">
-                <a:solidFill>
-                  <a:srgbClr val="FFFFFF"/>
-                </a:solidFill>
-              </a14:hiddenFill>
-            </a:ext>
-          </a:extLst>
         </p:spPr>
       </p:pic>
       <p:pic>
@@ -5778,7 +4798,7 @@
         </p:blipFill>
         <p:spPr bwMode="auto">
           <a:xfrm>
-            <a:off x="4128831" y="1894097"/>
+            <a:off x="4052717" y="2029162"/>
             <a:ext cx="4457700" cy="3429000"/>
           </a:xfrm>
           <a:prstGeom prst="rect">
@@ -5814,15 +4834,6 @@
               <a:srgbClr val="FFFFFF"/>
             </a:contourClr>
           </a:sp3d>
-          <a:extLst>
-            <a:ext uri="{909E8E84-426E-40DD-AFC4-6F175D3DCCD1}">
-              <a14:hiddenFill xmlns:a14="http://schemas.microsoft.com/office/drawing/2010/main">
-                <a:solidFill>
-                  <a:srgbClr val="FFFFFF"/>
-                </a:solidFill>
-              </a14:hiddenFill>
-            </a:ext>
-          </a:extLst>
         </p:spPr>
       </p:pic>
       <p:pic>
@@ -5854,8 +4865,8 @@
         </p:blipFill>
         <p:spPr bwMode="auto">
           <a:xfrm>
-            <a:off x="8586532" y="4335332"/>
-            <a:ext cx="3605468" cy="2571828"/>
+            <a:off x="8726727" y="4309656"/>
+            <a:ext cx="3386384" cy="2415553"/>
           </a:xfrm>
           <a:prstGeom prst="rect">
             <a:avLst/>
@@ -5890,15 +4901,6 @@
               <a:srgbClr val="FFFFFF"/>
             </a:contourClr>
           </a:sp3d>
-          <a:extLst>
-            <a:ext uri="{909E8E84-426E-40DD-AFC4-6F175D3DCCD1}">
-              <a14:hiddenFill xmlns:a14="http://schemas.microsoft.com/office/drawing/2010/main">
-                <a:solidFill>
-                  <a:srgbClr val="FFFFFF"/>
-                </a:solidFill>
-              </a14:hiddenFill>
-            </a:ext>
-          </a:extLst>
         </p:spPr>
       </p:pic>
       <p:sp>
@@ -5915,8 +4917,8 @@
         </p:nvSpPr>
         <p:spPr>
           <a:xfrm>
-            <a:off x="8586531" y="2743747"/>
-            <a:ext cx="3605469" cy="1169551"/>
+            <a:off x="8728791" y="2598003"/>
+            <a:ext cx="3465273" cy="830997"/>
           </a:xfrm>
           <a:prstGeom prst="rect">
             <a:avLst/>
@@ -5939,13 +4941,13 @@
               <a:buNone/>
             </a:pPr>
             <a:r>
-              <a:rPr lang="en-US" b="0" i="0" u="none" strike="noStrike" dirty="0">
+              <a:rPr lang="en-US" sz="1500" b="0" i="0" u="none" strike="noStrike" dirty="0">
                 <a:effectLst/>
                 <a:latin typeface="Slack-Lato"/>
               </a:rPr>
               <a:t>No statistically significant differences</a:t>
             </a:r>
-            <a:endParaRPr lang="en-US" b="0" dirty="0">
+            <a:endParaRPr lang="en-US" sz="1500" b="0" dirty="0">
               <a:effectLst/>
               <a:latin typeface="Slack-Lato"/>
             </a:endParaRPr>
@@ -5961,13 +4963,13 @@
               <a:buNone/>
             </a:pPr>
             <a:r>
-              <a:rPr lang="en-US" sz="1600" b="0" i="0" u="none" strike="noStrike" dirty="0">
+              <a:rPr lang="en-US" sz="1500" b="0" i="0" u="none" strike="noStrike" dirty="0">
                 <a:effectLst/>
                 <a:latin typeface="Slack-Lato"/>
               </a:rPr>
               <a:t>(Non-parametric tests - Kruskal Wallis)</a:t>
             </a:r>
-            <a:endParaRPr lang="en-US" sz="1600" b="0" dirty="0">
+            <a:endParaRPr lang="en-US" sz="1500" b="0" dirty="0">
               <a:effectLst/>
               <a:latin typeface="Slack-Lato"/>
             </a:endParaRPr>
@@ -6284,15 +5286,6 @@
               <a:srgbClr val="FFFFFF"/>
             </a:contourClr>
           </a:sp3d>
-          <a:extLst>
-            <a:ext uri="{909E8E84-426E-40DD-AFC4-6F175D3DCCD1}">
-              <a14:hiddenFill xmlns:a14="http://schemas.microsoft.com/office/drawing/2010/main">
-                <a:solidFill>
-                  <a:srgbClr val="FFFFFF"/>
-                </a:solidFill>
-              </a14:hiddenFill>
-            </a:ext>
-          </a:extLst>
         </p:spPr>
       </p:pic>
     </p:spTree>
@@ -6433,15 +5426,6 @@
               <a:srgbClr val="FFFFFF"/>
             </a:contourClr>
           </a:sp3d>
-          <a:extLst>
-            <a:ext uri="{909E8E84-426E-40DD-AFC4-6F175D3DCCD1}">
-              <a14:hiddenFill xmlns:a14="http://schemas.microsoft.com/office/drawing/2010/main">
-                <a:solidFill>
-                  <a:srgbClr val="FFFFFF"/>
-                </a:solidFill>
-              </a14:hiddenFill>
-            </a:ext>
-          </a:extLst>
         </p:spPr>
       </p:pic>
       <p:pic>
@@ -6509,15 +5493,6 @@
               <a:srgbClr val="FFFFFF"/>
             </a:contourClr>
           </a:sp3d>
-          <a:extLst>
-            <a:ext uri="{909E8E84-426E-40DD-AFC4-6F175D3DCCD1}">
-              <a14:hiddenFill xmlns:a14="http://schemas.microsoft.com/office/drawing/2010/main">
-                <a:solidFill>
-                  <a:srgbClr val="FFFFFF"/>
-                </a:solidFill>
-              </a14:hiddenFill>
-            </a:ext>
-          </a:extLst>
         </p:spPr>
       </p:pic>
       <p:pic>
@@ -6585,15 +5560,6 @@
               <a:srgbClr val="FFFFFF"/>
             </a:contourClr>
           </a:sp3d>
-          <a:extLst>
-            <a:ext uri="{909E8E84-426E-40DD-AFC4-6F175D3DCCD1}">
-              <a14:hiddenFill xmlns:a14="http://schemas.microsoft.com/office/drawing/2010/main">
-                <a:solidFill>
-                  <a:srgbClr val="FFFFFF"/>
-                </a:solidFill>
-              </a14:hiddenFill>
-            </a:ext>
-          </a:extLst>
         </p:spPr>
       </p:pic>
     </p:spTree>
@@ -7145,8 +6111,8 @@
         </p:nvSpPr>
         <p:spPr>
           <a:xfrm>
-            <a:off x="2883051" y="107576"/>
-            <a:ext cx="3324112" cy="1667436"/>
+            <a:off x="3754420" y="408791"/>
+            <a:ext cx="4970032" cy="1204856"/>
           </a:xfrm>
         </p:spPr>
         <p:txBody>
@@ -7155,6 +6121,7 @@
           </a:bodyPr>
           <a:lstStyle/>
           <a:p>
+            <a:pPr algn="ctr"/>
             <a:r>
               <a:rPr lang="en-US" sz="4400" b="1" i="0" u="none" strike="noStrike" dirty="0">
                 <a:solidFill>
@@ -7259,271 +6226,6 @@
           <a:xfrm>
             <a:off x="0" y="4518212"/>
             <a:ext cx="3903230" cy="2330334"/>
-          </a:xfrm>
-          <a:prstGeom prst="rect">
-            <a:avLst/>
-          </a:prstGeom>
-          <a:noFill/>
-          <a:extLst>
-            <a:ext uri="{909E8E84-426E-40DD-AFC4-6F175D3DCCD1}">
-              <a14:hiddenFill xmlns:a14="http://schemas.microsoft.com/office/drawing/2010/main">
-                <a:solidFill>
-                  <a:srgbClr val="FFFFFF"/>
-                </a:solidFill>
-              </a14:hiddenFill>
-            </a:ext>
-          </a:extLst>
-        </p:spPr>
-      </p:pic>
-      <p:pic>
-        <p:nvPicPr>
-          <p:cNvPr id="1034" name="Picture 10">
-            <a:extLst>
-              <a:ext uri="{FF2B5EF4-FFF2-40B4-BE49-F238E27FC236}">
-                <a16:creationId xmlns:a16="http://schemas.microsoft.com/office/drawing/2014/main" id="{80014B7C-AC7D-67BC-2908-E7AEB3613C5E}"/>
-              </a:ext>
-            </a:extLst>
-          </p:cNvPr>
-          <p:cNvPicPr>
-            <a:picLocks noChangeAspect="1" noChangeArrowheads="1"/>
-          </p:cNvPicPr>
-          <p:nvPr/>
-        </p:nvPicPr>
-        <p:blipFill>
-          <a:blip r:embed="rId3">
-            <a:extLst>
-              <a:ext uri="{28A0092B-C50C-407E-A947-70E740481C1C}">
-                <a14:useLocalDpi xmlns:a14="http://schemas.microsoft.com/office/drawing/2010/main" val="0"/>
-              </a:ext>
-            </a:extLst>
-          </a:blip>
-          <a:srcRect/>
-          <a:stretch>
-            <a:fillRect/>
-          </a:stretch>
-        </p:blipFill>
-        <p:spPr bwMode="auto">
-          <a:xfrm>
-            <a:off x="4208032" y="4503631"/>
-            <a:ext cx="3903233" cy="2344915"/>
-          </a:xfrm>
-          <a:prstGeom prst="rect">
-            <a:avLst/>
-          </a:prstGeom>
-          <a:noFill/>
-          <a:extLst>
-            <a:ext uri="{909E8E84-426E-40DD-AFC4-6F175D3DCCD1}">
-              <a14:hiddenFill xmlns:a14="http://schemas.microsoft.com/office/drawing/2010/main">
-                <a:solidFill>
-                  <a:srgbClr val="FFFFFF"/>
-                </a:solidFill>
-              </a14:hiddenFill>
-            </a:ext>
-          </a:extLst>
-        </p:spPr>
-      </p:pic>
-      <p:pic>
-        <p:nvPicPr>
-          <p:cNvPr id="1036" name="Picture 12">
-            <a:extLst>
-              <a:ext uri="{FF2B5EF4-FFF2-40B4-BE49-F238E27FC236}">
-                <a16:creationId xmlns:a16="http://schemas.microsoft.com/office/drawing/2014/main" id="{7461A674-25FC-15FC-D3ED-7C551D0168EC}"/>
-              </a:ext>
-            </a:extLst>
-          </p:cNvPr>
-          <p:cNvPicPr>
-            <a:picLocks noChangeAspect="1" noChangeArrowheads="1"/>
-          </p:cNvPicPr>
-          <p:nvPr/>
-        </p:nvPicPr>
-        <p:blipFill>
-          <a:blip r:embed="rId4">
-            <a:extLst>
-              <a:ext uri="{28A0092B-C50C-407E-A947-70E740481C1C}">
-                <a14:useLocalDpi xmlns:a14="http://schemas.microsoft.com/office/drawing/2010/main" val="0"/>
-              </a:ext>
-            </a:extLst>
-          </a:blip>
-          <a:srcRect/>
-          <a:stretch>
-            <a:fillRect/>
-          </a:stretch>
-        </p:blipFill>
-        <p:spPr bwMode="auto">
-          <a:xfrm>
-            <a:off x="8416067" y="4513084"/>
-            <a:ext cx="3775934" cy="2335462"/>
-          </a:xfrm>
-          <a:prstGeom prst="rect">
-            <a:avLst/>
-          </a:prstGeom>
-          <a:noFill/>
-          <a:extLst>
-            <a:ext uri="{909E8E84-426E-40DD-AFC4-6F175D3DCCD1}">
-              <a14:hiddenFill xmlns:a14="http://schemas.microsoft.com/office/drawing/2010/main">
-                <a:solidFill>
-                  <a:srgbClr val="FFFFFF"/>
-                </a:solidFill>
-              </a14:hiddenFill>
-            </a:ext>
-          </a:extLst>
-        </p:spPr>
-      </p:pic>
-    </p:spTree>
-    <p:extLst>
-      <p:ext uri="{BB962C8B-B14F-4D97-AF65-F5344CB8AC3E}">
-        <p14:creationId xmlns:p14="http://schemas.microsoft.com/office/powerpoint/2010/main" val="1931857202"/>
-      </p:ext>
-    </p:extLst>
-  </p:cSld>
-  <p:clrMapOvr>
-    <a:masterClrMapping/>
-  </p:clrMapOvr>
-</p:sld>
-</file>
-
-<file path=ppt/slides/slide3.xml><?xml version="1.0" encoding="utf-8"?>
-<p:sld xmlns:a="http://schemas.openxmlformats.org/drawingml/2006/main" xmlns:r="http://schemas.openxmlformats.org/officeDocument/2006/relationships" xmlns:p="http://schemas.openxmlformats.org/presentationml/2006/main">
-  <p:cSld>
-    <p:spTree>
-      <p:nvGrpSpPr>
-        <p:cNvPr id="1" name=""/>
-        <p:cNvGrpSpPr/>
-        <p:nvPr/>
-      </p:nvGrpSpPr>
-      <p:grpSpPr>
-        <a:xfrm>
-          <a:off x="0" y="0"/>
-          <a:ext cx="0" cy="0"/>
-          <a:chOff x="0" y="0"/>
-          <a:chExt cx="0" cy="0"/>
-        </a:xfrm>
-      </p:grpSpPr>
-      <p:sp>
-        <p:nvSpPr>
-          <p:cNvPr id="2" name="Title 1">
-            <a:extLst>
-              <a:ext uri="{FF2B5EF4-FFF2-40B4-BE49-F238E27FC236}">
-                <a16:creationId xmlns:a16="http://schemas.microsoft.com/office/drawing/2014/main" id="{6A7C4A84-4653-E7D7-B5F5-135EC1D2B749}"/>
-              </a:ext>
-            </a:extLst>
-          </p:cNvPr>
-          <p:cNvSpPr>
-            <a:spLocks noGrp="1"/>
-          </p:cNvSpPr>
-          <p:nvPr>
-            <p:ph type="title"/>
-          </p:nvPr>
-        </p:nvSpPr>
-        <p:spPr>
-          <a:xfrm>
-            <a:off x="2954767" y="927573"/>
-            <a:ext cx="6282466" cy="579302"/>
-          </a:xfrm>
-        </p:spPr>
-        <p:txBody>
-          <a:bodyPr>
-            <a:noAutofit/>
-          </a:bodyPr>
-          <a:lstStyle/>
-          <a:p>
-            <a:pPr algn="ctr"/>
-            <a:r>
-              <a:rPr lang="en-US" sz="4400" b="1" dirty="0">
-                <a:latin typeface="Slack-Lato"/>
-              </a:rPr>
-              <a:t>Best Sellers: Coffee</a:t>
-            </a:r>
-            <a:endParaRPr lang="en-US" sz="4400" dirty="0"/>
-          </a:p>
-        </p:txBody>
-      </p:sp>
-      <p:pic>
-        <p:nvPicPr>
-          <p:cNvPr id="15" name="Content Placeholder 3">
-            <a:extLst>
-              <a:ext uri="{FF2B5EF4-FFF2-40B4-BE49-F238E27FC236}">
-                <a16:creationId xmlns:a16="http://schemas.microsoft.com/office/drawing/2014/main" id="{67B1CCC2-D4E8-1443-2E74-FBA22F29701F}"/>
-              </a:ext>
-            </a:extLst>
-          </p:cNvPr>
-          <p:cNvPicPr>
-            <a:picLocks noChangeAspect="1"/>
-          </p:cNvPicPr>
-          <p:nvPr/>
-        </p:nvPicPr>
-        <p:blipFill>
-          <a:blip r:embed="rId2"/>
-          <a:stretch>
-            <a:fillRect/>
-          </a:stretch>
-        </p:blipFill>
-        <p:spPr>
-          <a:xfrm>
-            <a:off x="164801" y="184323"/>
-            <a:ext cx="2573553" cy="1322552"/>
-          </a:xfrm>
-          <a:prstGeom prst="rect">
-            <a:avLst/>
-          </a:prstGeom>
-        </p:spPr>
-      </p:pic>
-      <p:pic>
-        <p:nvPicPr>
-          <p:cNvPr id="18" name="Picture 17">
-            <a:extLst>
-              <a:ext uri="{FF2B5EF4-FFF2-40B4-BE49-F238E27FC236}">
-                <a16:creationId xmlns:a16="http://schemas.microsoft.com/office/drawing/2014/main" id="{61554549-7F55-53D0-B0FF-7FE1867DB52F}"/>
-              </a:ext>
-            </a:extLst>
-          </p:cNvPr>
-          <p:cNvPicPr>
-            <a:picLocks noChangeAspect="1"/>
-          </p:cNvPicPr>
-          <p:nvPr/>
-        </p:nvPicPr>
-        <p:blipFill>
-          <a:blip r:embed="rId3"/>
-          <a:stretch>
-            <a:fillRect/>
-          </a:stretch>
-        </p:blipFill>
-        <p:spPr>
-          <a:xfrm>
-            <a:off x="667988" y="3254038"/>
-            <a:ext cx="2492338" cy="1127014"/>
-          </a:xfrm>
-          <a:prstGeom prst="rect">
-            <a:avLst/>
-          </a:prstGeom>
-        </p:spPr>
-      </p:pic>
-      <p:pic>
-        <p:nvPicPr>
-          <p:cNvPr id="22" name="Content Placeholder 21">
-            <a:extLst>
-              <a:ext uri="{FF2B5EF4-FFF2-40B4-BE49-F238E27FC236}">
-                <a16:creationId xmlns:a16="http://schemas.microsoft.com/office/drawing/2014/main" id="{989DDD6A-458C-DA41-AECC-95E99947F72E}"/>
-              </a:ext>
-            </a:extLst>
-          </p:cNvPr>
-          <p:cNvPicPr>
-            <a:picLocks noGrp="1" noChangeAspect="1"/>
-          </p:cNvPicPr>
-          <p:nvPr>
-            <p:ph idx="1"/>
-          </p:nvPr>
-        </p:nvPicPr>
-        <p:blipFill>
-          <a:blip r:embed="rId4"/>
-          <a:stretch>
-            <a:fillRect/>
-          </a:stretch>
-        </p:blipFill>
-        <p:spPr>
-          <a:xfrm>
-            <a:off x="3969572" y="1904104"/>
-            <a:ext cx="5905948" cy="4953896"/>
           </a:xfrm>
           <a:prstGeom prst="rect">
             <a:avLst/>
@@ -7560,100 +6262,37 @@
           </a:sp3d>
         </p:spPr>
       </p:pic>
-    </p:spTree>
-    <p:extLst>
-      <p:ext uri="{BB962C8B-B14F-4D97-AF65-F5344CB8AC3E}">
-        <p14:creationId xmlns:p14="http://schemas.microsoft.com/office/powerpoint/2010/main" val="3501264177"/>
-      </p:ext>
-    </p:extLst>
-  </p:cSld>
-  <p:clrMapOvr>
-    <a:masterClrMapping/>
-  </p:clrMapOvr>
-</p:sld>
-</file>
-
-<file path=ppt/slides/slide4.xml><?xml version="1.0" encoding="utf-8"?>
-<p:sld xmlns:a="http://schemas.openxmlformats.org/drawingml/2006/main" xmlns:r="http://schemas.openxmlformats.org/officeDocument/2006/relationships" xmlns:p="http://schemas.openxmlformats.org/presentationml/2006/main">
-  <p:cSld>
-    <p:spTree>
-      <p:nvGrpSpPr>
-        <p:cNvPr id="1" name=""/>
-        <p:cNvGrpSpPr/>
-        <p:nvPr/>
-      </p:nvGrpSpPr>
-      <p:grpSpPr>
-        <a:xfrm>
-          <a:off x="0" y="0"/>
-          <a:ext cx="0" cy="0"/>
-          <a:chOff x="0" y="0"/>
-          <a:chExt cx="0" cy="0"/>
-        </a:xfrm>
-      </p:grpSpPr>
-      <p:sp>
-        <p:nvSpPr>
-          <p:cNvPr id="2" name="Title 1">
+      <p:pic>
+        <p:nvPicPr>
+          <p:cNvPr id="1034" name="Picture 10">
             <a:extLst>
               <a:ext uri="{FF2B5EF4-FFF2-40B4-BE49-F238E27FC236}">
-                <a16:creationId xmlns:a16="http://schemas.microsoft.com/office/drawing/2014/main" id="{722EB325-B987-5B79-D004-17B5C3CC5DEF}"/>
-              </a:ext>
-            </a:extLst>
-          </p:cNvPr>
-          <p:cNvSpPr>
-            <a:spLocks noGrp="1"/>
-          </p:cNvSpPr>
-          <p:nvPr>
-            <p:ph type="title"/>
-          </p:nvPr>
-        </p:nvSpPr>
-        <p:spPr>
-          <a:xfrm>
-            <a:off x="2818504" y="925157"/>
-            <a:ext cx="6809590" cy="720762"/>
-          </a:xfrm>
-        </p:spPr>
-        <p:txBody>
-          <a:bodyPr>
-            <a:normAutofit fontScale="90000"/>
-          </a:bodyPr>
-          <a:lstStyle/>
-          <a:p>
-            <a:pPr algn="ctr"/>
-            <a:r>
-              <a:rPr lang="en-US" sz="4400" b="1" dirty="0">
-                <a:latin typeface="Slack-Lato"/>
-              </a:rPr>
-              <a:t>Identify coffee variations</a:t>
-            </a:r>
-          </a:p>
-        </p:txBody>
-      </p:sp>
-      <p:pic>
-        <p:nvPicPr>
-          <p:cNvPr id="5" name="Content Placeholder 4">
-            <a:extLst>
-              <a:ext uri="{FF2B5EF4-FFF2-40B4-BE49-F238E27FC236}">
-                <a16:creationId xmlns:a16="http://schemas.microsoft.com/office/drawing/2014/main" id="{EEB9DA18-1270-EDD9-ED0E-D167D6A33319}"/>
+                <a16:creationId xmlns:a16="http://schemas.microsoft.com/office/drawing/2014/main" id="{80014B7C-AC7D-67BC-2908-E7AEB3613C5E}"/>
               </a:ext>
             </a:extLst>
           </p:cNvPr>
           <p:cNvPicPr>
-            <a:picLocks noGrp="1" noChangeAspect="1"/>
+            <a:picLocks noChangeAspect="1" noChangeArrowheads="1"/>
           </p:cNvPicPr>
-          <p:nvPr>
-            <p:ph idx="1"/>
-          </p:nvPr>
+          <p:nvPr/>
         </p:nvPicPr>
         <p:blipFill>
-          <a:blip r:embed="rId2"/>
+          <a:blip r:embed="rId3">
+            <a:extLst>
+              <a:ext uri="{28A0092B-C50C-407E-A947-70E740481C1C}">
+                <a14:useLocalDpi xmlns:a14="http://schemas.microsoft.com/office/drawing/2010/main" val="0"/>
+              </a:ext>
+            </a:extLst>
+          </a:blip>
+          <a:srcRect/>
           <a:stretch>
             <a:fillRect/>
           </a:stretch>
         </p:blipFill>
-        <p:spPr>
-          <a:xfrm>
-            <a:off x="5443370" y="1963271"/>
-            <a:ext cx="5891183" cy="4819425"/>
+        <p:spPr bwMode="auto">
+          <a:xfrm>
+            <a:off x="4208032" y="4503631"/>
+            <a:ext cx="3903233" cy="2344915"/>
           </a:xfrm>
           <a:prstGeom prst="rect">
             <a:avLst/>
@@ -7690,237 +6329,37 @@
           </a:sp3d>
         </p:spPr>
       </p:pic>
-      <p:sp>
-        <p:nvSpPr>
-          <p:cNvPr id="11" name="TextBox 10">
+      <p:pic>
+        <p:nvPicPr>
+          <p:cNvPr id="1036" name="Picture 12">
             <a:extLst>
               <a:ext uri="{FF2B5EF4-FFF2-40B4-BE49-F238E27FC236}">
-                <a16:creationId xmlns:a16="http://schemas.microsoft.com/office/drawing/2014/main" id="{CAD425B9-0BAC-D033-BD48-99590B571EF1}"/>
-              </a:ext>
-            </a:extLst>
-          </p:cNvPr>
-          <p:cNvSpPr txBox="1"/>
-          <p:nvPr/>
-        </p:nvSpPr>
-        <p:spPr>
-          <a:xfrm>
-            <a:off x="381000" y="2248292"/>
-            <a:ext cx="3044414" cy="2361416"/>
-          </a:xfrm>
-          <a:prstGeom prst="rect">
-            <a:avLst/>
-          </a:prstGeom>
-          <a:noFill/>
-        </p:spPr>
-        <p:txBody>
-          <a:bodyPr wrap="square" rtlCol="0">
-            <a:spAutoFit/>
-          </a:bodyPr>
-          <a:lstStyle/>
-          <a:p>
-            <a:pPr marL="0" marR="0">
-              <a:lnSpc>
-                <a:spcPct val="107000"/>
-              </a:lnSpc>
-              <a:spcBef>
-                <a:spcPts val="0"/>
-              </a:spcBef>
-              <a:spcAft>
-                <a:spcPts val="800"/>
-              </a:spcAft>
-            </a:pPr>
-            <a:r>
-              <a:rPr lang="en-US" sz="2000" kern="100" dirty="0">
-                <a:effectLst/>
-                <a:latin typeface="Slack-Lato"/>
-                <a:ea typeface="Calibri" panose="020F0502020204030204" pitchFamily="34" charset="0"/>
-                <a:cs typeface="Calibri" panose="020F0502020204030204" pitchFamily="34" charset="0"/>
-              </a:rPr>
-              <a:t>Less popular:</a:t>
-            </a:r>
-          </a:p>
-          <a:p>
-            <a:pPr marL="285750" marR="0" indent="-285750">
-              <a:lnSpc>
-                <a:spcPct val="107000"/>
-              </a:lnSpc>
-              <a:spcBef>
-                <a:spcPts val="0"/>
-              </a:spcBef>
-              <a:spcAft>
-                <a:spcPts val="800"/>
-              </a:spcAft>
-              <a:buFont typeface="Arial" panose="020B0604020202020204" pitchFamily="34" charset="0"/>
-              <a:buChar char="•"/>
-            </a:pPr>
-            <a:r>
-              <a:rPr lang="en-US" sz="2000" kern="100" dirty="0">
-                <a:effectLst/>
-                <a:latin typeface="Slack-Lato"/>
-                <a:ea typeface="Calibri" panose="020F0502020204030204" pitchFamily="34" charset="0"/>
-                <a:cs typeface="Calibri" panose="020F0502020204030204" pitchFamily="34" charset="0"/>
-              </a:rPr>
-              <a:t>Contributed to the overall sales </a:t>
-            </a:r>
-          </a:p>
-          <a:p>
-            <a:pPr marL="285750" marR="0" indent="-285750">
-              <a:lnSpc>
-                <a:spcPct val="107000"/>
-              </a:lnSpc>
-              <a:spcBef>
-                <a:spcPts val="0"/>
-              </a:spcBef>
-              <a:spcAft>
-                <a:spcPts val="800"/>
-              </a:spcAft>
-              <a:buFont typeface="Arial" panose="020B0604020202020204" pitchFamily="34" charset="0"/>
-              <a:buChar char="•"/>
-            </a:pPr>
-            <a:r>
-              <a:rPr lang="en-US" sz="2000" kern="100" dirty="0">
-                <a:latin typeface="Slack-Lato"/>
-                <a:ea typeface="Calibri" panose="020F0502020204030204" pitchFamily="34" charset="0"/>
-                <a:cs typeface="Calibri" panose="020F0502020204030204" pitchFamily="34" charset="0"/>
-              </a:rPr>
-              <a:t>D</a:t>
-            </a:r>
-            <a:r>
-              <a:rPr lang="en-US" sz="2000" kern="100" dirty="0">
-                <a:effectLst/>
-                <a:latin typeface="Slack-Lato"/>
-                <a:ea typeface="Calibri" panose="020F0502020204030204" pitchFamily="34" charset="0"/>
-                <a:cs typeface="Calibri" panose="020F0502020204030204" pitchFamily="34" charset="0"/>
-              </a:rPr>
-              <a:t>iversification mitigate risks </a:t>
-            </a:r>
-          </a:p>
-          <a:p>
-            <a:pPr marL="285750" marR="0" indent="-285750">
-              <a:lnSpc>
-                <a:spcPct val="107000"/>
-              </a:lnSpc>
-              <a:spcBef>
-                <a:spcPts val="0"/>
-              </a:spcBef>
-              <a:spcAft>
-                <a:spcPts val="800"/>
-              </a:spcAft>
-              <a:buFont typeface="Arial" panose="020B0604020202020204" pitchFamily="34" charset="0"/>
-              <a:buChar char="•"/>
-            </a:pPr>
-            <a:r>
-              <a:rPr lang="en-US" sz="2000" kern="100" dirty="0">
-                <a:effectLst/>
-                <a:latin typeface="Slack-Lato"/>
-                <a:ea typeface="Calibri" panose="020F0502020204030204" pitchFamily="34" charset="0"/>
-                <a:cs typeface="Calibri" panose="020F0502020204030204" pitchFamily="34" charset="0"/>
-              </a:rPr>
-              <a:t>Same, higher unit price</a:t>
-            </a:r>
-            <a:endParaRPr lang="en-US" sz="2000" kern="100" dirty="0">
-              <a:effectLst/>
-              <a:latin typeface="Slack-Lato"/>
-              <a:ea typeface="Calibri" panose="020F0502020204030204" pitchFamily="34" charset="0"/>
-              <a:cs typeface="Times New Roman" panose="02020603050405020304" pitchFamily="18" charset="0"/>
-            </a:endParaRPr>
-          </a:p>
-        </p:txBody>
-      </p:sp>
-    </p:spTree>
-    <p:extLst>
-      <p:ext uri="{BB962C8B-B14F-4D97-AF65-F5344CB8AC3E}">
-        <p14:creationId xmlns:p14="http://schemas.microsoft.com/office/powerpoint/2010/main" val="2716277043"/>
-      </p:ext>
-    </p:extLst>
-  </p:cSld>
-  <p:clrMapOvr>
-    <a:masterClrMapping/>
-  </p:clrMapOvr>
-</p:sld>
-</file>
-
-<file path=ppt/slides/slide5.xml><?xml version="1.0" encoding="utf-8"?>
-<p:sld xmlns:a="http://schemas.openxmlformats.org/drawingml/2006/main" xmlns:r="http://schemas.openxmlformats.org/officeDocument/2006/relationships" xmlns:p="http://schemas.openxmlformats.org/presentationml/2006/main">
-  <p:cSld>
-    <p:spTree>
-      <p:nvGrpSpPr>
-        <p:cNvPr id="1" name=""/>
-        <p:cNvGrpSpPr/>
-        <p:nvPr/>
-      </p:nvGrpSpPr>
-      <p:grpSpPr>
-        <a:xfrm>
-          <a:off x="0" y="0"/>
-          <a:ext cx="0" cy="0"/>
-          <a:chOff x="0" y="0"/>
-          <a:chExt cx="0" cy="0"/>
-        </a:xfrm>
-      </p:grpSpPr>
-      <p:sp>
-        <p:nvSpPr>
-          <p:cNvPr id="2" name="Title 1">
-            <a:extLst>
-              <a:ext uri="{FF2B5EF4-FFF2-40B4-BE49-F238E27FC236}">
-                <a16:creationId xmlns:a16="http://schemas.microsoft.com/office/drawing/2014/main" id="{F91DCEB6-1778-0EF3-F64F-C5F6A38484CA}"/>
-              </a:ext>
-            </a:extLst>
-          </p:cNvPr>
-          <p:cNvSpPr>
-            <a:spLocks noGrp="1"/>
-          </p:cNvSpPr>
-          <p:nvPr>
-            <p:ph type="title"/>
-          </p:nvPr>
-        </p:nvSpPr>
-        <p:spPr>
-          <a:xfrm>
-            <a:off x="4001844" y="914400"/>
-            <a:ext cx="3948057" cy="710005"/>
-          </a:xfrm>
-        </p:spPr>
-        <p:txBody>
-          <a:bodyPr>
-            <a:noAutofit/>
-          </a:bodyPr>
-          <a:lstStyle/>
-          <a:p>
-            <a:pPr algn="ctr"/>
-            <a:r>
-              <a:rPr lang="en-US" sz="4400" b="1" dirty="0">
-                <a:latin typeface="Slack-Lato"/>
-              </a:rPr>
-              <a:t>Total sales</a:t>
-            </a:r>
-          </a:p>
-        </p:txBody>
-      </p:sp>
-      <p:pic>
-        <p:nvPicPr>
-          <p:cNvPr id="6" name="Content Placeholder 5">
-            <a:extLst>
-              <a:ext uri="{FF2B5EF4-FFF2-40B4-BE49-F238E27FC236}">
-                <a16:creationId xmlns:a16="http://schemas.microsoft.com/office/drawing/2014/main" id="{A429AA1B-B4B5-D644-11A5-9FB89786EA40}"/>
+                <a16:creationId xmlns:a16="http://schemas.microsoft.com/office/drawing/2014/main" id="{7461A674-25FC-15FC-D3ED-7C551D0168EC}"/>
               </a:ext>
             </a:extLst>
           </p:cNvPr>
           <p:cNvPicPr>
-            <a:picLocks noGrp="1" noChangeAspect="1"/>
+            <a:picLocks noChangeAspect="1" noChangeArrowheads="1"/>
           </p:cNvPicPr>
-          <p:nvPr>
-            <p:ph idx="1"/>
-          </p:nvPr>
+          <p:nvPr/>
         </p:nvPicPr>
         <p:blipFill>
-          <a:blip r:embed="rId2"/>
+          <a:blip r:embed="rId4">
+            <a:extLst>
+              <a:ext uri="{28A0092B-C50C-407E-A947-70E740481C1C}">
+                <a14:useLocalDpi xmlns:a14="http://schemas.microsoft.com/office/drawing/2010/main" val="0"/>
+              </a:ext>
+            </a:extLst>
+          </a:blip>
+          <a:srcRect/>
           <a:stretch>
             <a:fillRect/>
           </a:stretch>
         </p:blipFill>
-        <p:spPr>
-          <a:xfrm>
-            <a:off x="3589867" y="2073683"/>
-            <a:ext cx="6020695" cy="4612465"/>
+        <p:spPr bwMode="auto">
+          <a:xfrm>
+            <a:off x="8416067" y="4513084"/>
+            <a:ext cx="3775934" cy="2335462"/>
           </a:xfrm>
           <a:prstGeom prst="rect">
             <a:avLst/>
@@ -7957,215 +6396,10 @@
           </a:sp3d>
         </p:spPr>
       </p:pic>
-      <p:sp>
-        <p:nvSpPr>
-          <p:cNvPr id="12" name="TextBox 11">
-            <a:extLst>
-              <a:ext uri="{FF2B5EF4-FFF2-40B4-BE49-F238E27FC236}">
-                <a16:creationId xmlns:a16="http://schemas.microsoft.com/office/drawing/2014/main" id="{2C9C2CFD-2C77-4391-A049-AE4C66284B47}"/>
-              </a:ext>
-            </a:extLst>
-          </p:cNvPr>
-          <p:cNvSpPr txBox="1"/>
-          <p:nvPr/>
-        </p:nvSpPr>
-        <p:spPr>
-          <a:xfrm>
-            <a:off x="9719733" y="3050680"/>
-            <a:ext cx="2493783" cy="1631216"/>
-          </a:xfrm>
-          <a:prstGeom prst="rect">
-            <a:avLst/>
-          </a:prstGeom>
-          <a:noFill/>
-        </p:spPr>
-        <p:txBody>
-          <a:bodyPr wrap="square" rtlCol="0">
-            <a:spAutoFit/>
-          </a:bodyPr>
-          <a:lstStyle/>
-          <a:p>
-            <a:r>
-              <a:rPr lang="en-US" sz="2000" dirty="0">
-                <a:latin typeface="Slack-Lato"/>
-              </a:rPr>
-              <a:t>Recommendation:</a:t>
-            </a:r>
-          </a:p>
-          <a:p>
-            <a:pPr marL="285750" indent="-285750">
-              <a:buFont typeface="Arial" panose="020B0604020202020204" pitchFamily="34" charset="0"/>
-              <a:buChar char="•"/>
-            </a:pPr>
-            <a:r>
-              <a:rPr lang="en-US" sz="2000" dirty="0">
-                <a:latin typeface="Slack-Lato"/>
-              </a:rPr>
-              <a:t>Conduct a survey </a:t>
-            </a:r>
-          </a:p>
-          <a:p>
-            <a:pPr marL="285750" indent="-285750">
-              <a:buFont typeface="Arial" panose="020B0604020202020204" pitchFamily="34" charset="0"/>
-              <a:buChar char="•"/>
-            </a:pPr>
-            <a:r>
-              <a:rPr lang="en-US" sz="2000" dirty="0">
-                <a:latin typeface="Slack-Lato"/>
-              </a:rPr>
-              <a:t>Investigate price points and profit margins</a:t>
-            </a:r>
-          </a:p>
-        </p:txBody>
-      </p:sp>
-      <p:sp>
-        <p:nvSpPr>
-          <p:cNvPr id="10" name="TextBox 9">
-            <a:extLst>
-              <a:ext uri="{FF2B5EF4-FFF2-40B4-BE49-F238E27FC236}">
-                <a16:creationId xmlns:a16="http://schemas.microsoft.com/office/drawing/2014/main" id="{A3B3C7CA-4DEC-50BD-47E1-4C02110C4A8E}"/>
-              </a:ext>
-            </a:extLst>
-          </p:cNvPr>
-          <p:cNvSpPr txBox="1"/>
-          <p:nvPr/>
-        </p:nvSpPr>
-        <p:spPr>
-          <a:xfrm>
-            <a:off x="0" y="2862134"/>
-            <a:ext cx="3589867" cy="2585323"/>
-          </a:xfrm>
-          <a:prstGeom prst="rect">
-            <a:avLst/>
-          </a:prstGeom>
-          <a:noFill/>
-        </p:spPr>
-        <p:txBody>
-          <a:bodyPr wrap="square" rtlCol="0">
-            <a:spAutoFit/>
-          </a:bodyPr>
-          <a:lstStyle/>
-          <a:p>
-            <a:r>
-              <a:rPr lang="en-US" kern="100" dirty="0">
-                <a:latin typeface="Slack-Lato"/>
-                <a:ea typeface="Calibri" panose="020F0502020204030204" pitchFamily="34" charset="0"/>
-                <a:cs typeface="Calibri" panose="020F0502020204030204" pitchFamily="34" charset="0"/>
-              </a:rPr>
-              <a:t>Opportunities for top sellers: </a:t>
-            </a:r>
-          </a:p>
-          <a:p>
-            <a:pPr marL="285750" indent="-285750">
-              <a:buFont typeface="Arial" panose="020B0604020202020204" pitchFamily="34" charset="0"/>
-              <a:buChar char="•"/>
-            </a:pPr>
-            <a:r>
-              <a:rPr lang="en-US" sz="1800" kern="100" dirty="0">
-                <a:effectLst/>
-                <a:latin typeface="Slack-Lato"/>
-                <a:ea typeface="Calibri" panose="020F0502020204030204" pitchFamily="34" charset="0"/>
-                <a:cs typeface="Calibri" panose="020F0502020204030204" pitchFamily="34" charset="0"/>
-              </a:rPr>
-              <a:t>Promote products with higher transaction quantities </a:t>
-            </a:r>
-          </a:p>
-          <a:p>
-            <a:pPr marL="285750" indent="-285750">
-              <a:buFont typeface="Arial" panose="020B0604020202020204" pitchFamily="34" charset="0"/>
-              <a:buChar char="•"/>
-            </a:pPr>
-            <a:r>
-              <a:rPr lang="en-US" kern="100" dirty="0">
-                <a:latin typeface="Slack-Lato"/>
-                <a:ea typeface="Calibri" panose="020F0502020204030204" pitchFamily="34" charset="0"/>
-                <a:cs typeface="Calibri" panose="020F0502020204030204" pitchFamily="34" charset="0"/>
-              </a:rPr>
-              <a:t>M</a:t>
-            </a:r>
-            <a:r>
-              <a:rPr lang="en-US" sz="1800" kern="100" dirty="0">
-                <a:effectLst/>
-                <a:latin typeface="Slack-Lato"/>
-                <a:ea typeface="Calibri" panose="020F0502020204030204" pitchFamily="34" charset="0"/>
-                <a:cs typeface="Calibri" panose="020F0502020204030204" pitchFamily="34" charset="0"/>
-              </a:rPr>
-              <a:t>anaging inventory </a:t>
-            </a:r>
-          </a:p>
-          <a:p>
-            <a:pPr marL="285750" indent="-285750">
-              <a:buFont typeface="Arial" panose="020B0604020202020204" pitchFamily="34" charset="0"/>
-              <a:buChar char="•"/>
-            </a:pPr>
-            <a:endParaRPr lang="en-US" sz="1800" kern="100" dirty="0">
-              <a:effectLst/>
-              <a:latin typeface="Slack-Lato"/>
-              <a:ea typeface="Calibri" panose="020F0502020204030204" pitchFamily="34" charset="0"/>
-              <a:cs typeface="Calibri" panose="020F0502020204030204" pitchFamily="34" charset="0"/>
-            </a:endParaRPr>
-          </a:p>
-          <a:p>
-            <a:r>
-              <a:rPr lang="en-US" kern="100" dirty="0">
-                <a:latin typeface="Slack-Lato"/>
-                <a:ea typeface="Calibri" panose="020F0502020204030204" pitchFamily="34" charset="0"/>
-                <a:cs typeface="Calibri" panose="020F0502020204030204" pitchFamily="34" charset="0"/>
-              </a:rPr>
-              <a:t>Opportunities for bottom sellers: </a:t>
-            </a:r>
-          </a:p>
-          <a:p>
-            <a:pPr marL="285750" indent="-285750">
-              <a:buFont typeface="Arial" panose="020B0604020202020204" pitchFamily="34" charset="0"/>
-              <a:buChar char="•"/>
-            </a:pPr>
-            <a:r>
-              <a:rPr lang="en-US" sz="1800" kern="100" dirty="0">
-                <a:effectLst/>
-                <a:latin typeface="Slack-Lato"/>
-                <a:ea typeface="Calibri" panose="020F0502020204030204" pitchFamily="34" charset="0"/>
-                <a:cs typeface="Calibri" panose="020F0502020204030204" pitchFamily="34" charset="0"/>
-              </a:rPr>
-              <a:t>Why are these the lowest sellers </a:t>
-            </a:r>
-          </a:p>
-          <a:p>
-            <a:pPr marL="285750" indent="-285750">
-              <a:buFont typeface="Arial" panose="020B0604020202020204" pitchFamily="34" charset="0"/>
-              <a:buChar char="•"/>
-            </a:pPr>
-            <a:r>
-              <a:rPr lang="en-US" sz="1800" kern="100" dirty="0">
-                <a:effectLst/>
-                <a:latin typeface="Slack-Lato"/>
-                <a:ea typeface="Calibri" panose="020F0502020204030204" pitchFamily="34" charset="0"/>
-                <a:cs typeface="Calibri" panose="020F0502020204030204" pitchFamily="34" charset="0"/>
-              </a:rPr>
-              <a:t>Need better promotions</a:t>
-            </a:r>
-          </a:p>
-          <a:p>
-            <a:pPr marL="285750" indent="-285750">
-              <a:buFont typeface="Arial" panose="020B0604020202020204" pitchFamily="34" charset="0"/>
-              <a:buChar char="•"/>
-            </a:pPr>
-            <a:r>
-              <a:rPr lang="en-US" kern="100" dirty="0">
-                <a:latin typeface="Slack-Lato"/>
-                <a:ea typeface="Calibri" panose="020F0502020204030204" pitchFamily="34" charset="0"/>
-                <a:cs typeface="Calibri" panose="020F0502020204030204" pitchFamily="34" charset="0"/>
-              </a:rPr>
-              <a:t>Managing inventory</a:t>
-            </a:r>
-            <a:endParaRPr lang="en-US" dirty="0"/>
-          </a:p>
-        </p:txBody>
-      </p:sp>
     </p:spTree>
     <p:extLst>
       <p:ext uri="{BB962C8B-B14F-4D97-AF65-F5344CB8AC3E}">
-        <p14:creationId xmlns:p14="http://schemas.microsoft.com/office/powerpoint/2010/main" val="3005533824"/>
+        <p14:creationId xmlns:p14="http://schemas.microsoft.com/office/powerpoint/2010/main" val="1931857202"/>
       </p:ext>
     </p:extLst>
   </p:cSld>
@@ -8175,7 +6409,7 @@
 </p:sld>
 </file>
 
-<file path=ppt/slides/slide6.xml><?xml version="1.0" encoding="utf-8"?>
+<file path=ppt/slides/slide3.xml><?xml version="1.0" encoding="utf-8"?>
 <p:sld xmlns:a="http://schemas.openxmlformats.org/drawingml/2006/main" xmlns:r="http://schemas.openxmlformats.org/officeDocument/2006/relationships" xmlns:p="http://schemas.openxmlformats.org/presentationml/2006/main">
   <p:cSld>
     <p:spTree>
@@ -8197,7 +6431,7 @@
           <p:cNvPr id="2" name="Title 1">
             <a:extLst>
               <a:ext uri="{FF2B5EF4-FFF2-40B4-BE49-F238E27FC236}">
-                <a16:creationId xmlns:a16="http://schemas.microsoft.com/office/drawing/2014/main" id="{254F16FE-AB1C-99FE-2D1F-C7D3C33BC32F}"/>
+                <a16:creationId xmlns:a16="http://schemas.microsoft.com/office/drawing/2014/main" id="{6A7C4A84-4653-E7D7-B5F5-135EC1D2B749}"/>
               </a:ext>
             </a:extLst>
           </p:cNvPr>
@@ -8210,66 +6444,8 @@
         </p:nvSpPr>
         <p:spPr>
           <a:xfrm>
-            <a:off x="3539266" y="934224"/>
-            <a:ext cx="4740115" cy="604119"/>
-          </a:xfrm>
-        </p:spPr>
-        <p:txBody>
-          <a:bodyPr>
-            <a:normAutofit fontScale="90000"/>
-          </a:bodyPr>
-          <a:lstStyle/>
-          <a:p>
-            <a:pPr algn="ctr" rtl="0">
-              <a:spcBef>
-                <a:spcPts val="0"/>
-              </a:spcBef>
-              <a:spcAft>
-                <a:spcPts val="0"/>
-              </a:spcAft>
-            </a:pPr>
-            <a:r>
-              <a:rPr lang="en-US" sz="4900" b="1" i="0" u="none" strike="noStrike" dirty="0">
-                <a:solidFill>
-                  <a:srgbClr val="000000"/>
-                </a:solidFill>
-                <a:effectLst/>
-                <a:latin typeface="Slack-Lato"/>
-              </a:rPr>
-              <a:t>Sales by hour</a:t>
-            </a:r>
-            <a:br>
-              <a:rPr lang="en-US" b="0" dirty="0">
-                <a:effectLst/>
-              </a:rPr>
-            </a:br>
-            <a:br>
-              <a:rPr lang="en-US" dirty="0"/>
-            </a:br>
-            <a:endParaRPr lang="en-US" dirty="0"/>
-          </a:p>
-        </p:txBody>
-      </p:sp>
-      <p:sp>
-        <p:nvSpPr>
-          <p:cNvPr id="3" name="Content Placeholder 2">
-            <a:extLst>
-              <a:ext uri="{FF2B5EF4-FFF2-40B4-BE49-F238E27FC236}">
-                <a16:creationId xmlns:a16="http://schemas.microsoft.com/office/drawing/2014/main" id="{7E3886A1-18D5-98CE-80F4-6CC2B3D03A0D}"/>
-              </a:ext>
-            </a:extLst>
-          </p:cNvPr>
-          <p:cNvSpPr>
-            <a:spLocks noGrp="1"/>
-          </p:cNvSpPr>
-          <p:nvPr>
-            <p:ph idx="1"/>
-          </p:nvPr>
-        </p:nvSpPr>
-        <p:spPr>
-          <a:xfrm>
-            <a:off x="1" y="1965987"/>
-            <a:ext cx="5535434" cy="4251934"/>
+            <a:off x="2954767" y="927573"/>
+            <a:ext cx="6282466" cy="579302"/>
           </a:xfrm>
         </p:spPr>
         <p:txBody>
@@ -8278,124 +6454,103 @@
           </a:bodyPr>
           <a:lstStyle/>
           <a:p>
-            <a:pPr rtl="0" fontAlgn="base">
-              <a:spcBef>
-                <a:spcPts val="0"/>
-              </a:spcBef>
-              <a:spcAft>
-                <a:spcPts val="0"/>
-              </a:spcAft>
-              <a:buFont typeface="Courier New" panose="02070309020205020404" pitchFamily="49" charset="0"/>
-              <a:buChar char="o"/>
-            </a:pPr>
-            <a:r>
-              <a:rPr lang="en-US" sz="1800" b="0" i="0" u="none" strike="noStrike" dirty="0">
-                <a:solidFill>
-                  <a:srgbClr val="000000"/>
-                </a:solidFill>
-                <a:effectLst/>
-                <a:latin typeface="Slack-Lato"/>
-              </a:rPr>
-              <a:t>All locations for the most part follow a similar pattern as the day progresses</a:t>
-            </a:r>
-          </a:p>
-          <a:p>
-            <a:pPr lvl="1" rtl="0" fontAlgn="base">
-              <a:spcBef>
-                <a:spcPts val="0"/>
-              </a:spcBef>
-              <a:spcAft>
-                <a:spcPts val="0"/>
-              </a:spcAft>
-            </a:pPr>
-            <a:r>
-              <a:rPr lang="en-US" b="0" i="0" u="none" strike="noStrike" dirty="0">
-                <a:solidFill>
-                  <a:srgbClr val="000000"/>
-                </a:solidFill>
-                <a:effectLst/>
-                <a:latin typeface="Slack-Lato"/>
-              </a:rPr>
-              <a:t>This pattern is a spike in the early hours, with sales dropping at around 11a.m.</a:t>
-            </a:r>
-          </a:p>
-          <a:p>
-            <a:pPr rtl="0" fontAlgn="base">
-              <a:spcBef>
-                <a:spcPts val="0"/>
-              </a:spcBef>
-              <a:spcAft>
-                <a:spcPts val="1200"/>
-              </a:spcAft>
-              <a:buFont typeface="Courier New" panose="02070309020205020404" pitchFamily="49" charset="0"/>
-              <a:buChar char="o"/>
-            </a:pPr>
-            <a:r>
-              <a:rPr lang="en-US" sz="1800" b="0" i="0" u="none" strike="noStrike" dirty="0">
-                <a:solidFill>
-                  <a:srgbClr val="000000"/>
-                </a:solidFill>
-                <a:effectLst/>
-                <a:latin typeface="Slack-Lato"/>
-              </a:rPr>
-              <a:t>Astoria is the most consist throughout the day seeing a smaller peak while also not having a drop off in the later hours of the day</a:t>
-            </a:r>
-          </a:p>
-          <a:p>
-            <a:pPr rtl="0" fontAlgn="base">
-              <a:spcBef>
-                <a:spcPts val="0"/>
-              </a:spcBef>
-              <a:spcAft>
-                <a:spcPts val="0"/>
-              </a:spcAft>
-              <a:buFont typeface="Courier New" panose="02070309020205020404" pitchFamily="49" charset="0"/>
-              <a:buChar char="o"/>
-            </a:pPr>
-            <a:r>
-              <a:rPr lang="en-US" sz="1800" b="0" i="0" u="none" strike="noStrike" dirty="0">
-                <a:solidFill>
-                  <a:srgbClr val="000000"/>
-                </a:solidFill>
-                <a:effectLst/>
-                <a:latin typeface="Slack-Lato"/>
-              </a:rPr>
-              <a:t>For staffing purposes this means that you would need a big opening crew in order to ensure that the morning rush goes smooth but you can let them off around 11am/noon and keep a smaller crew for the afternoon</a:t>
-            </a:r>
+            <a:pPr algn="ctr"/>
+            <a:r>
+              <a:rPr lang="en-US" sz="4400" b="1" dirty="0">
+                <a:latin typeface="Slack-Lato"/>
+              </a:rPr>
+              <a:t>Best Sellers: Coffee</a:t>
+            </a:r>
+            <a:endParaRPr lang="en-US" sz="4400" dirty="0"/>
           </a:p>
         </p:txBody>
       </p:sp>
       <p:pic>
         <p:nvPicPr>
-          <p:cNvPr id="2050" name="Picture 2">
+          <p:cNvPr id="15" name="Content Placeholder 3">
             <a:extLst>
               <a:ext uri="{FF2B5EF4-FFF2-40B4-BE49-F238E27FC236}">
-                <a16:creationId xmlns:a16="http://schemas.microsoft.com/office/drawing/2014/main" id="{4520FD93-FA22-1F75-F764-C740005890D0}"/>
+                <a16:creationId xmlns:a16="http://schemas.microsoft.com/office/drawing/2014/main" id="{67B1CCC2-D4E8-1443-2E74-FBA22F29701F}"/>
               </a:ext>
             </a:extLst>
           </p:cNvPr>
           <p:cNvPicPr>
-            <a:picLocks noChangeAspect="1" noChangeArrowheads="1"/>
+            <a:picLocks noChangeAspect="1"/>
           </p:cNvPicPr>
           <p:nvPr/>
         </p:nvPicPr>
         <p:blipFill>
-          <a:blip r:embed="rId2">
-            <a:extLst>
-              <a:ext uri="{28A0092B-C50C-407E-A947-70E740481C1C}">
-                <a14:useLocalDpi xmlns:a14="http://schemas.microsoft.com/office/drawing/2010/main" val="0"/>
-              </a:ext>
-            </a:extLst>
-          </a:blip>
-          <a:srcRect/>
+          <a:blip r:embed="rId2"/>
           <a:stretch>
             <a:fillRect/>
           </a:stretch>
         </p:blipFill>
-        <p:spPr bwMode="auto">
-          <a:xfrm>
-            <a:off x="5723067" y="1965986"/>
-            <a:ext cx="6390043" cy="4112085"/>
+        <p:spPr>
+          <a:xfrm>
+            <a:off x="164801" y="184323"/>
+            <a:ext cx="2573553" cy="1322552"/>
+          </a:xfrm>
+          <a:prstGeom prst="rect">
+            <a:avLst/>
+          </a:prstGeom>
+        </p:spPr>
+      </p:pic>
+      <p:pic>
+        <p:nvPicPr>
+          <p:cNvPr id="18" name="Picture 17">
+            <a:extLst>
+              <a:ext uri="{FF2B5EF4-FFF2-40B4-BE49-F238E27FC236}">
+                <a16:creationId xmlns:a16="http://schemas.microsoft.com/office/drawing/2014/main" id="{61554549-7F55-53D0-B0FF-7FE1867DB52F}"/>
+              </a:ext>
+            </a:extLst>
+          </p:cNvPr>
+          <p:cNvPicPr>
+            <a:picLocks noChangeAspect="1"/>
+          </p:cNvPicPr>
+          <p:nvPr/>
+        </p:nvPicPr>
+        <p:blipFill>
+          <a:blip r:embed="rId3"/>
+          <a:stretch>
+            <a:fillRect/>
+          </a:stretch>
+        </p:blipFill>
+        <p:spPr>
+          <a:xfrm>
+            <a:off x="667988" y="3254038"/>
+            <a:ext cx="2492338" cy="1127014"/>
+          </a:xfrm>
+          <a:prstGeom prst="rect">
+            <a:avLst/>
+          </a:prstGeom>
+        </p:spPr>
+      </p:pic>
+      <p:pic>
+        <p:nvPicPr>
+          <p:cNvPr id="22" name="Content Placeholder 21">
+            <a:extLst>
+              <a:ext uri="{FF2B5EF4-FFF2-40B4-BE49-F238E27FC236}">
+                <a16:creationId xmlns:a16="http://schemas.microsoft.com/office/drawing/2014/main" id="{989DDD6A-458C-DA41-AECC-95E99947F72E}"/>
+              </a:ext>
+            </a:extLst>
+          </p:cNvPr>
+          <p:cNvPicPr>
+            <a:picLocks noGrp="1" noChangeAspect="1"/>
+          </p:cNvPicPr>
+          <p:nvPr>
+            <p:ph idx="1"/>
+          </p:nvPr>
+        </p:nvPicPr>
+        <p:blipFill>
+          <a:blip r:embed="rId4"/>
+          <a:stretch>
+            <a:fillRect/>
+          </a:stretch>
+        </p:blipFill>
+        <p:spPr>
+          <a:xfrm>
+            <a:off x="4012602" y="1940196"/>
+            <a:ext cx="5862918" cy="4917803"/>
           </a:xfrm>
           <a:prstGeom prst="rect">
             <a:avLst/>
@@ -8430,21 +6585,12 @@
               <a:srgbClr val="FFFFFF"/>
             </a:contourClr>
           </a:sp3d>
-          <a:extLst>
-            <a:ext uri="{909E8E84-426E-40DD-AFC4-6F175D3DCCD1}">
-              <a14:hiddenFill xmlns:a14="http://schemas.microsoft.com/office/drawing/2010/main">
-                <a:solidFill>
-                  <a:srgbClr val="FFFFFF"/>
-                </a:solidFill>
-              </a14:hiddenFill>
-            </a:ext>
-          </a:extLst>
         </p:spPr>
       </p:pic>
     </p:spTree>
     <p:extLst>
       <p:ext uri="{BB962C8B-B14F-4D97-AF65-F5344CB8AC3E}">
-        <p14:creationId xmlns:p14="http://schemas.microsoft.com/office/powerpoint/2010/main" val="4200639994"/>
+        <p14:creationId xmlns:p14="http://schemas.microsoft.com/office/powerpoint/2010/main" val="3501264177"/>
       </p:ext>
     </p:extLst>
   </p:cSld>
@@ -8454,7 +6600,7 @@
 </p:sld>
 </file>
 
-<file path=ppt/slides/slide7.xml><?xml version="1.0" encoding="utf-8"?>
+<file path=ppt/slides/slide4.xml><?xml version="1.0" encoding="utf-8"?>
 <p:sld xmlns:a="http://schemas.openxmlformats.org/drawingml/2006/main" xmlns:r="http://schemas.openxmlformats.org/officeDocument/2006/relationships" xmlns:p="http://schemas.openxmlformats.org/presentationml/2006/main">
   <p:cSld>
     <p:spTree>
@@ -8476,7 +6622,7 @@
           <p:cNvPr id="2" name="Title 1">
             <a:extLst>
               <a:ext uri="{FF2B5EF4-FFF2-40B4-BE49-F238E27FC236}">
-                <a16:creationId xmlns:a16="http://schemas.microsoft.com/office/drawing/2014/main" id="{47F65BE5-76F4-E42E-0F44-19FF2F1101AA}"/>
+                <a16:creationId xmlns:a16="http://schemas.microsoft.com/office/drawing/2014/main" id="{722EB325-B987-5B79-D004-17B5C3CC5DEF}"/>
               </a:ext>
             </a:extLst>
           </p:cNvPr>
@@ -8489,8 +6635,8 @@
         </p:nvSpPr>
         <p:spPr>
           <a:xfrm>
-            <a:off x="3512204" y="650838"/>
-            <a:ext cx="4464760" cy="714614"/>
+            <a:off x="2818504" y="925157"/>
+            <a:ext cx="6809590" cy="720762"/>
           </a:xfrm>
         </p:spPr>
         <p:txBody>
@@ -8501,233 +6647,40 @@
           <a:p>
             <a:pPr algn="ctr"/>
             <a:r>
-              <a:rPr lang="en-US" sz="4900" b="1" i="0" u="none" strike="noStrike" dirty="0">
-                <a:solidFill>
-                  <a:srgbClr val="000000"/>
-                </a:solidFill>
-                <a:effectLst/>
-                <a:latin typeface="Slack-Lato"/>
-              </a:rPr>
-              <a:t>Sales by hour cont. </a:t>
-            </a:r>
-            <a:br>
-              <a:rPr lang="en-US" b="0" dirty="0">
-                <a:effectLst/>
-              </a:rPr>
-            </a:br>
-            <a:br>
-              <a:rPr lang="en-US" dirty="0"/>
-            </a:br>
-            <a:endParaRPr lang="en-US" dirty="0"/>
-          </a:p>
-        </p:txBody>
-      </p:sp>
-      <p:sp>
-        <p:nvSpPr>
-          <p:cNvPr id="3" name="Content Placeholder 2">
+              <a:rPr lang="en-US" sz="4400" b="1" dirty="0">
+                <a:latin typeface="Slack-Lato"/>
+              </a:rPr>
+              <a:t>Identify coffee variations</a:t>
+            </a:r>
+          </a:p>
+        </p:txBody>
+      </p:sp>
+      <p:pic>
+        <p:nvPicPr>
+          <p:cNvPr id="5" name="Content Placeholder 4">
             <a:extLst>
               <a:ext uri="{FF2B5EF4-FFF2-40B4-BE49-F238E27FC236}">
-                <a16:creationId xmlns:a16="http://schemas.microsoft.com/office/drawing/2014/main" id="{87EBA997-E98F-B3CC-0DF3-605777B7CFB4}"/>
-              </a:ext>
-            </a:extLst>
-          </p:cNvPr>
-          <p:cNvSpPr>
-            <a:spLocks noGrp="1"/>
-          </p:cNvSpPr>
-          <p:nvPr>
-            <p:ph idx="1"/>
-          </p:nvPr>
-        </p:nvSpPr>
-        <p:spPr>
-          <a:xfrm>
-            <a:off x="1" y="1914861"/>
-            <a:ext cx="5529430" cy="4507454"/>
-          </a:xfrm>
-        </p:spPr>
-        <p:txBody>
-          <a:bodyPr>
-            <a:normAutofit/>
-          </a:bodyPr>
-          <a:lstStyle/>
-          <a:p>
-            <a:pPr rtl="0" fontAlgn="base">
-              <a:spcBef>
-                <a:spcPts val="0"/>
-              </a:spcBef>
-              <a:spcAft>
-                <a:spcPts val="0"/>
-              </a:spcAft>
-              <a:buFont typeface="Courier New" panose="02070309020205020404" pitchFamily="49" charset="0"/>
-              <a:buChar char="o"/>
-            </a:pPr>
-            <a:r>
-              <a:rPr lang="en-US" sz="1600" b="0" i="0" u="none" strike="noStrike" dirty="0">
-                <a:solidFill>
-                  <a:srgbClr val="000000"/>
-                </a:solidFill>
-                <a:effectLst/>
-                <a:latin typeface="Slack-Lato"/>
-              </a:rPr>
-              <a:t>Another factor that is relevant to staffing would be the types of products sold</a:t>
-            </a:r>
-          </a:p>
-          <a:p>
-            <a:pPr lvl="1" rtl="0" fontAlgn="base">
-              <a:spcBef>
-                <a:spcPts val="0"/>
-              </a:spcBef>
-              <a:spcAft>
-                <a:spcPts val="0"/>
-              </a:spcAft>
-            </a:pPr>
-            <a:r>
-              <a:rPr lang="en-US" sz="1600" b="0" i="0" u="none" strike="noStrike" dirty="0">
-                <a:solidFill>
-                  <a:srgbClr val="000000"/>
-                </a:solidFill>
-                <a:effectLst/>
-                <a:latin typeface="Slack-Lato"/>
-              </a:rPr>
-              <a:t>Certain products like coffee, tea and drinking chocolate would require a staff member to prepare</a:t>
-            </a:r>
-          </a:p>
-          <a:p>
-            <a:pPr lvl="1" rtl="0" fontAlgn="base">
-              <a:spcBef>
-                <a:spcPts val="0"/>
-              </a:spcBef>
-              <a:spcAft>
-                <a:spcPts val="0"/>
-              </a:spcAft>
-            </a:pPr>
-            <a:r>
-              <a:rPr lang="en-US" sz="1600" b="0" i="0" u="none" strike="noStrike" dirty="0">
-                <a:solidFill>
-                  <a:srgbClr val="000000"/>
-                </a:solidFill>
-                <a:effectLst/>
-                <a:latin typeface="Slack-Lato"/>
-              </a:rPr>
-              <a:t>While other products such as coffee beans, </a:t>
-            </a:r>
-            <a:r>
-              <a:rPr lang="en-US" sz="1600" b="0" i="0" u="none" strike="noStrike" dirty="0" err="1">
-                <a:solidFill>
-                  <a:srgbClr val="000000"/>
-                </a:solidFill>
-                <a:effectLst/>
-                <a:latin typeface="Slack-Lato"/>
-              </a:rPr>
-              <a:t>flavours</a:t>
-            </a:r>
-            <a:r>
-              <a:rPr lang="en-US" sz="1600" b="0" i="0" u="none" strike="noStrike" dirty="0">
-                <a:solidFill>
-                  <a:srgbClr val="000000"/>
-                </a:solidFill>
-                <a:effectLst/>
-                <a:latin typeface="Slack-Lato"/>
-              </a:rPr>
-              <a:t>, etc. can just be bought off the shelf</a:t>
-            </a:r>
-          </a:p>
-          <a:p>
-            <a:pPr rtl="0" fontAlgn="base">
-              <a:spcBef>
-                <a:spcPts val="0"/>
-              </a:spcBef>
-              <a:spcAft>
-                <a:spcPts val="0"/>
-              </a:spcAft>
-              <a:buFont typeface="Courier New" panose="02070309020205020404" pitchFamily="49" charset="0"/>
-              <a:buChar char="o"/>
-            </a:pPr>
-            <a:r>
-              <a:rPr lang="en-US" sz="1600" b="0" i="0" u="none" strike="noStrike" dirty="0">
-                <a:solidFill>
-                  <a:srgbClr val="000000"/>
-                </a:solidFill>
-                <a:effectLst/>
-                <a:latin typeface="Slack-Lato"/>
-              </a:rPr>
-              <a:t>We see that the sale of prepared drinks follows the same trend of having a large morning rush</a:t>
-            </a:r>
-          </a:p>
-          <a:p>
-            <a:pPr rtl="0" fontAlgn="base">
-              <a:spcBef>
-                <a:spcPts val="0"/>
-              </a:spcBef>
-              <a:spcAft>
-                <a:spcPts val="1200"/>
-              </a:spcAft>
-              <a:buFont typeface="Courier New" panose="02070309020205020404" pitchFamily="49" charset="0"/>
-              <a:buChar char="o"/>
-            </a:pPr>
-            <a:r>
-              <a:rPr lang="en-US" sz="1600" b="0" i="0" u="none" strike="noStrike" dirty="0">
-                <a:solidFill>
-                  <a:srgbClr val="000000"/>
-                </a:solidFill>
-                <a:effectLst/>
-                <a:latin typeface="Slack-Lato"/>
-              </a:rPr>
-              <a:t>Once that rush dies down, however, the large majority or the products sold are those that can just be purchased</a:t>
-            </a:r>
-          </a:p>
-          <a:p>
-            <a:pPr lvl="1" rtl="0" fontAlgn="base">
-              <a:spcBef>
-                <a:spcPts val="0"/>
-              </a:spcBef>
-              <a:spcAft>
-                <a:spcPts val="0"/>
-              </a:spcAft>
-            </a:pPr>
-            <a:r>
-              <a:rPr lang="en-US" sz="1600" b="0" i="0" u="none" strike="noStrike" dirty="0">
-                <a:solidFill>
-                  <a:srgbClr val="000000"/>
-                </a:solidFill>
-                <a:effectLst/>
-                <a:latin typeface="Slack-Lato"/>
-              </a:rPr>
-              <a:t>This means that due to not having very many prepared drinks you can utilize an even smaller evening crew to maintain the shop.</a:t>
-            </a:r>
-          </a:p>
-        </p:txBody>
-      </p:sp>
-      <p:pic>
-        <p:nvPicPr>
-          <p:cNvPr id="3074" name="Picture 2">
-            <a:extLst>
-              <a:ext uri="{FF2B5EF4-FFF2-40B4-BE49-F238E27FC236}">
-                <a16:creationId xmlns:a16="http://schemas.microsoft.com/office/drawing/2014/main" id="{07634CED-EEF7-81C7-B54C-46ABF9102364}"/>
+                <a16:creationId xmlns:a16="http://schemas.microsoft.com/office/drawing/2014/main" id="{EEB9DA18-1270-EDD9-ED0E-D167D6A33319}"/>
               </a:ext>
             </a:extLst>
           </p:cNvPr>
           <p:cNvPicPr>
-            <a:picLocks noChangeAspect="1" noChangeArrowheads="1"/>
+            <a:picLocks noGrp="1" noChangeAspect="1"/>
           </p:cNvPicPr>
-          <p:nvPr/>
+          <p:nvPr>
+            <p:ph idx="1"/>
+          </p:nvPr>
         </p:nvPicPr>
         <p:blipFill>
-          <a:blip r:embed="rId2">
-            <a:extLst>
-              <a:ext uri="{28A0092B-C50C-407E-A947-70E740481C1C}">
-                <a14:useLocalDpi xmlns:a14="http://schemas.microsoft.com/office/drawing/2010/main" val="0"/>
-              </a:ext>
-            </a:extLst>
-          </a:blip>
-          <a:srcRect/>
+          <a:blip r:embed="rId2"/>
           <a:stretch>
             <a:fillRect/>
           </a:stretch>
         </p:blipFill>
-        <p:spPr bwMode="auto">
-          <a:xfrm>
-            <a:off x="5744584" y="1914862"/>
-            <a:ext cx="6325496" cy="4195482"/>
+        <p:spPr>
+          <a:xfrm>
+            <a:off x="5282005" y="1984787"/>
+            <a:ext cx="5708303" cy="4669816"/>
           </a:xfrm>
           <a:prstGeom prst="rect">
             <a:avLst/>
@@ -8762,21 +6715,149 @@
               <a:srgbClr val="FFFFFF"/>
             </a:contourClr>
           </a:sp3d>
-          <a:extLst>
-            <a:ext uri="{909E8E84-426E-40DD-AFC4-6F175D3DCCD1}">
-              <a14:hiddenFill xmlns:a14="http://schemas.microsoft.com/office/drawing/2010/main">
-                <a:solidFill>
-                  <a:srgbClr val="FFFFFF"/>
-                </a:solidFill>
-              </a14:hiddenFill>
-            </a:ext>
-          </a:extLst>
         </p:spPr>
       </p:pic>
+      <p:sp>
+        <p:nvSpPr>
+          <p:cNvPr id="11" name="TextBox 10">
+            <a:extLst>
+              <a:ext uri="{FF2B5EF4-FFF2-40B4-BE49-F238E27FC236}">
+                <a16:creationId xmlns:a16="http://schemas.microsoft.com/office/drawing/2014/main" id="{CAD425B9-0BAC-D033-BD48-99590B571EF1}"/>
+              </a:ext>
+            </a:extLst>
+          </p:cNvPr>
+          <p:cNvSpPr txBox="1"/>
+          <p:nvPr/>
+        </p:nvSpPr>
+        <p:spPr>
+          <a:xfrm>
+            <a:off x="851437" y="2958297"/>
+            <a:ext cx="3934134" cy="1702774"/>
+          </a:xfrm>
+          <a:prstGeom prst="rect">
+            <a:avLst/>
+          </a:prstGeom>
+          <a:noFill/>
+        </p:spPr>
+        <p:txBody>
+          <a:bodyPr wrap="square" rtlCol="0">
+            <a:spAutoFit/>
+          </a:bodyPr>
+          <a:lstStyle/>
+          <a:p>
+            <a:pPr marL="0" marR="0">
+              <a:lnSpc>
+                <a:spcPct val="107000"/>
+              </a:lnSpc>
+              <a:spcBef>
+                <a:spcPts val="0"/>
+              </a:spcBef>
+              <a:spcAft>
+                <a:spcPts val="800"/>
+              </a:spcAft>
+            </a:pPr>
+            <a:r>
+              <a:rPr lang="en-US" sz="2000" kern="100" dirty="0">
+                <a:effectLst/>
+                <a:latin typeface="Slack-Lato"/>
+                <a:ea typeface="Calibri" panose="020F0502020204030204" pitchFamily="34" charset="0"/>
+                <a:cs typeface="Calibri" panose="020F0502020204030204" pitchFamily="34" charset="0"/>
+              </a:rPr>
+              <a:t>Less popular:</a:t>
+            </a:r>
+          </a:p>
+          <a:p>
+            <a:pPr marL="285750" marR="0" indent="-285750">
+              <a:lnSpc>
+                <a:spcPct val="107000"/>
+              </a:lnSpc>
+              <a:spcBef>
+                <a:spcPts val="0"/>
+              </a:spcBef>
+              <a:spcAft>
+                <a:spcPts val="800"/>
+              </a:spcAft>
+              <a:buFont typeface="Arial" panose="020B0604020202020204" pitchFamily="34" charset="0"/>
+              <a:buChar char="•"/>
+            </a:pPr>
+            <a:r>
+              <a:rPr lang="en-US" sz="2000" kern="100" dirty="0">
+                <a:effectLst/>
+                <a:latin typeface="Slack-Lato"/>
+                <a:ea typeface="Calibri" panose="020F0502020204030204" pitchFamily="34" charset="0"/>
+                <a:cs typeface="Calibri" panose="020F0502020204030204" pitchFamily="34" charset="0"/>
+              </a:rPr>
+              <a:t>Contributed to the overall sales </a:t>
+            </a:r>
+          </a:p>
+          <a:p>
+            <a:pPr marL="285750" marR="0" indent="-285750">
+              <a:lnSpc>
+                <a:spcPct val="107000"/>
+              </a:lnSpc>
+              <a:spcBef>
+                <a:spcPts val="0"/>
+              </a:spcBef>
+              <a:spcAft>
+                <a:spcPts val="800"/>
+              </a:spcAft>
+              <a:buFont typeface="Arial" panose="020B0604020202020204" pitchFamily="34" charset="0"/>
+              <a:buChar char="•"/>
+            </a:pPr>
+            <a:r>
+              <a:rPr lang="en-US" sz="2000" kern="100" dirty="0">
+                <a:latin typeface="Slack-Lato"/>
+                <a:ea typeface="Calibri" panose="020F0502020204030204" pitchFamily="34" charset="0"/>
+                <a:cs typeface="Calibri" panose="020F0502020204030204" pitchFamily="34" charset="0"/>
+              </a:rPr>
+              <a:t>D</a:t>
+            </a:r>
+            <a:r>
+              <a:rPr lang="en-US" sz="2000" kern="100" dirty="0">
+                <a:effectLst/>
+                <a:latin typeface="Slack-Lato"/>
+                <a:ea typeface="Calibri" panose="020F0502020204030204" pitchFamily="34" charset="0"/>
+                <a:cs typeface="Calibri" panose="020F0502020204030204" pitchFamily="34" charset="0"/>
+              </a:rPr>
+              <a:t>iversification mitigate risks </a:t>
+            </a:r>
+          </a:p>
+          <a:p>
+            <a:pPr marL="285750" marR="0" indent="-285750">
+              <a:lnSpc>
+                <a:spcPct val="107000"/>
+              </a:lnSpc>
+              <a:spcBef>
+                <a:spcPts val="0"/>
+              </a:spcBef>
+              <a:spcAft>
+                <a:spcPts val="800"/>
+              </a:spcAft>
+              <a:buFont typeface="Arial" panose="020B0604020202020204" pitchFamily="34" charset="0"/>
+              <a:buChar char="•"/>
+            </a:pPr>
+            <a:r>
+              <a:rPr lang="en-US" sz="2000" kern="100" dirty="0">
+                <a:effectLst/>
+                <a:latin typeface="Slack-Lato"/>
+                <a:ea typeface="Calibri" panose="020F0502020204030204" pitchFamily="34" charset="0"/>
+                <a:cs typeface="Calibri" panose="020F0502020204030204" pitchFamily="34" charset="0"/>
+              </a:rPr>
+              <a:t>Same, higher unit price</a:t>
+            </a:r>
+            <a:endParaRPr lang="en-US" sz="2000" kern="100" dirty="0">
+              <a:effectLst/>
+              <a:latin typeface="Slack-Lato"/>
+              <a:ea typeface="Calibri" panose="020F0502020204030204" pitchFamily="34" charset="0"/>
+              <a:cs typeface="Times New Roman" panose="02020603050405020304" pitchFamily="18" charset="0"/>
+            </a:endParaRPr>
+          </a:p>
+        </p:txBody>
+      </p:sp>
     </p:spTree>
     <p:extLst>
       <p:ext uri="{BB962C8B-B14F-4D97-AF65-F5344CB8AC3E}">
-        <p14:creationId xmlns:p14="http://schemas.microsoft.com/office/powerpoint/2010/main" val="3796917910"/>
+        <p14:creationId xmlns:p14="http://schemas.microsoft.com/office/powerpoint/2010/main" val="2716277043"/>
       </p:ext>
     </p:extLst>
   </p:cSld>
@@ -8786,7 +6867,7 @@
 </p:sld>
 </file>
 
-<file path=ppt/slides/slide8.xml><?xml version="1.0" encoding="utf-8"?>
+<file path=ppt/slides/slide5.xml><?xml version="1.0" encoding="utf-8"?>
 <p:sld xmlns:a="http://schemas.openxmlformats.org/drawingml/2006/main" xmlns:r="http://schemas.openxmlformats.org/officeDocument/2006/relationships" xmlns:p="http://schemas.openxmlformats.org/presentationml/2006/main">
   <p:cSld>
     <p:spTree>
@@ -8808,7 +6889,7 @@
           <p:cNvPr id="2" name="Title 1">
             <a:extLst>
               <a:ext uri="{FF2B5EF4-FFF2-40B4-BE49-F238E27FC236}">
-                <a16:creationId xmlns:a16="http://schemas.microsoft.com/office/drawing/2014/main" id="{250922FD-11E7-26CE-D131-B5883BE1E2DC}"/>
+                <a16:creationId xmlns:a16="http://schemas.microsoft.com/office/drawing/2014/main" id="{F91DCEB6-1778-0EF3-F64F-C5F6A38484CA}"/>
               </a:ext>
             </a:extLst>
           </p:cNvPr>
@@ -8821,115 +6902,52 @@
         </p:nvSpPr>
         <p:spPr>
           <a:xfrm>
-            <a:off x="2893807" y="1021976"/>
-            <a:ext cx="6433073" cy="580913"/>
+            <a:off x="4001844" y="914400"/>
+            <a:ext cx="3948057" cy="710005"/>
           </a:xfrm>
         </p:spPr>
         <p:txBody>
           <a:bodyPr>
-            <a:normAutofit fontScale="90000"/>
+            <a:noAutofit/>
           </a:bodyPr>
           <a:lstStyle/>
           <a:p>
             <a:pPr algn="ctr"/>
             <a:r>
-              <a:rPr lang="en-US" sz="4400" b="1" i="0" u="none" strike="noStrike" dirty="0">
-                <a:solidFill>
-                  <a:srgbClr val="000000"/>
-                </a:solidFill>
-                <a:effectLst/>
-                <a:latin typeface="Slack-Lato"/>
-              </a:rPr>
-              <a:t>Monthly Transactions</a:t>
-            </a:r>
-            <a:endParaRPr lang="en-US" sz="4400" b="1" dirty="0">
-              <a:latin typeface="Slack-Lato"/>
-            </a:endParaRPr>
-          </a:p>
-        </p:txBody>
-      </p:sp>
-      <p:sp>
-        <p:nvSpPr>
-          <p:cNvPr id="3" name="Content Placeholder 2">
+              <a:rPr lang="en-US" sz="4400" b="1" dirty="0">
+                <a:latin typeface="Slack-Lato"/>
+              </a:rPr>
+              <a:t>Total sales</a:t>
+            </a:r>
+          </a:p>
+        </p:txBody>
+      </p:sp>
+      <p:pic>
+        <p:nvPicPr>
+          <p:cNvPr id="6" name="Content Placeholder 5">
             <a:extLst>
               <a:ext uri="{FF2B5EF4-FFF2-40B4-BE49-F238E27FC236}">
-                <a16:creationId xmlns:a16="http://schemas.microsoft.com/office/drawing/2014/main" id="{A6B3BDBE-6D28-F3E0-7350-5D175E38FA1C}"/>
-              </a:ext>
-            </a:extLst>
-          </p:cNvPr>
-          <p:cNvSpPr>
-            <a:spLocks noGrp="1"/>
-          </p:cNvSpPr>
-          <p:nvPr>
-            <p:ph idx="1"/>
-          </p:nvPr>
-        </p:nvSpPr>
-        <p:spPr>
-          <a:xfrm>
-            <a:off x="0" y="1908157"/>
-            <a:ext cx="12037807" cy="1093228"/>
-          </a:xfrm>
-        </p:spPr>
-        <p:txBody>
-          <a:bodyPr>
-            <a:normAutofit lnSpcReduction="10000"/>
-          </a:bodyPr>
-          <a:lstStyle/>
-          <a:p>
-            <a:pPr marL="0" indent="0" rtl="0">
-              <a:spcBef>
-                <a:spcPts val="0"/>
-              </a:spcBef>
-              <a:spcAft>
-                <a:spcPts val="1500"/>
-              </a:spcAft>
-              <a:buNone/>
-            </a:pPr>
-            <a:r>
-              <a:rPr lang="en-US" sz="1500" b="0" i="0" u="none" strike="noStrike" dirty="0">
-                <a:effectLst/>
-                <a:latin typeface="Slack-Lato"/>
-              </a:rPr>
-              <a:t>In January 2023, Maven Coffee Shop's locations in Astoria, Lower Manhattan, and Hell's Kitchen started the year with a solid flow of customer transactions but experienced a slight dip in February, a common trend after the holiday season. The reduced activity can be attributed to typical post-holiday spending slowdowns and the colder New York City weather, which tends to discourage casual outings. Despite this, the consistent patronage in each location indicated a strong brand presence and a loyal customer base.</a:t>
-            </a:r>
-            <a:endParaRPr lang="en-US" sz="1500" b="0" dirty="0">
-              <a:effectLst/>
-              <a:latin typeface="Slack-Lato"/>
-            </a:endParaRPr>
-          </a:p>
-        </p:txBody>
-      </p:sp>
-      <p:pic>
-        <p:nvPicPr>
-          <p:cNvPr id="4098" name="Picture 2">
-            <a:extLst>
-              <a:ext uri="{FF2B5EF4-FFF2-40B4-BE49-F238E27FC236}">
-                <a16:creationId xmlns:a16="http://schemas.microsoft.com/office/drawing/2014/main" id="{385546BF-2AD5-E132-C010-0F4CD8D34EE3}"/>
+                <a16:creationId xmlns:a16="http://schemas.microsoft.com/office/drawing/2014/main" id="{A429AA1B-B4B5-D644-11A5-9FB89786EA40}"/>
               </a:ext>
             </a:extLst>
           </p:cNvPr>
           <p:cNvPicPr>
-            <a:picLocks noChangeAspect="1" noChangeArrowheads="1"/>
+            <a:picLocks noGrp="1" noChangeAspect="1"/>
           </p:cNvPicPr>
-          <p:nvPr/>
+          <p:nvPr>
+            <p:ph idx="1"/>
+          </p:nvPr>
         </p:nvPicPr>
         <p:blipFill>
-          <a:blip r:embed="rId2">
-            <a:extLst>
-              <a:ext uri="{28A0092B-C50C-407E-A947-70E740481C1C}">
-                <a14:useLocalDpi xmlns:a14="http://schemas.microsoft.com/office/drawing/2010/main" val="0"/>
-              </a:ext>
-            </a:extLst>
-          </a:blip>
-          <a:srcRect/>
+          <a:blip r:embed="rId2"/>
           <a:stretch>
             <a:fillRect/>
           </a:stretch>
         </p:blipFill>
-        <p:spPr bwMode="auto">
-          <a:xfrm>
-            <a:off x="0" y="3001385"/>
-            <a:ext cx="7325958" cy="3856616"/>
+        <p:spPr>
+          <a:xfrm>
+            <a:off x="3589867" y="2073683"/>
+            <a:ext cx="6020695" cy="4612465"/>
           </a:xfrm>
           <a:prstGeom prst="rect">
             <a:avLst/>
@@ -8964,23 +6982,14 @@
               <a:srgbClr val="FFFFFF"/>
             </a:contourClr>
           </a:sp3d>
-          <a:extLst>
-            <a:ext uri="{909E8E84-426E-40DD-AFC4-6F175D3DCCD1}">
-              <a14:hiddenFill xmlns:a14="http://schemas.microsoft.com/office/drawing/2010/main">
-                <a:solidFill>
-                  <a:srgbClr val="FFFFFF"/>
-                </a:solidFill>
-              </a14:hiddenFill>
-            </a:ext>
-          </a:extLst>
         </p:spPr>
       </p:pic>
       <p:sp>
         <p:nvSpPr>
-          <p:cNvPr id="4" name="TextBox 3">
+          <p:cNvPr id="12" name="TextBox 11">
             <a:extLst>
               <a:ext uri="{FF2B5EF4-FFF2-40B4-BE49-F238E27FC236}">
-                <a16:creationId xmlns:a16="http://schemas.microsoft.com/office/drawing/2014/main" id="{53000E10-E386-D87B-C9F3-26B300867040}"/>
+                <a16:creationId xmlns:a16="http://schemas.microsoft.com/office/drawing/2014/main" id="{2C9C2CFD-2C77-4391-A049-AE4C66284B47}"/>
               </a:ext>
             </a:extLst>
           </p:cNvPr>
@@ -8989,8 +6998,8 @@
         </p:nvSpPr>
         <p:spPr>
           <a:xfrm>
-            <a:off x="7325958" y="3001385"/>
-            <a:ext cx="4711849" cy="2993127"/>
+            <a:off x="9719733" y="3050680"/>
+            <a:ext cx="2493783" cy="1631216"/>
           </a:xfrm>
           <a:prstGeom prst="rect">
             <a:avLst/>
@@ -9004,22 +7013,186 @@
           <a:lstStyle/>
           <a:p>
             <a:r>
-              <a:rPr lang="en-US" sz="1450" b="0" i="0" u="none" strike="noStrike" dirty="0">
+              <a:rPr lang="en-US" sz="2000" dirty="0">
+                <a:latin typeface="Slack-Lato"/>
+              </a:rPr>
+              <a:t>Recommendation:</a:t>
+            </a:r>
+          </a:p>
+          <a:p>
+            <a:pPr marL="285750" indent="-285750">
+              <a:buFont typeface="Arial" panose="020B0604020202020204" pitchFamily="34" charset="0"/>
+              <a:buChar char="•"/>
+            </a:pPr>
+            <a:r>
+              <a:rPr lang="en-US" sz="2000" dirty="0">
+                <a:latin typeface="Slack-Lato"/>
+              </a:rPr>
+              <a:t>Conduct a survey </a:t>
+            </a:r>
+          </a:p>
+          <a:p>
+            <a:pPr marL="285750" indent="-285750">
+              <a:buFont typeface="Arial" panose="020B0604020202020204" pitchFamily="34" charset="0"/>
+              <a:buChar char="•"/>
+            </a:pPr>
+            <a:r>
+              <a:rPr lang="en-US" sz="2000" dirty="0">
+                <a:latin typeface="Slack-Lato"/>
+              </a:rPr>
+              <a:t>Investigate price points and profit margins</a:t>
+            </a:r>
+          </a:p>
+        </p:txBody>
+      </p:sp>
+      <p:sp>
+        <p:nvSpPr>
+          <p:cNvPr id="10" name="TextBox 9">
+            <a:extLst>
+              <a:ext uri="{FF2B5EF4-FFF2-40B4-BE49-F238E27FC236}">
+                <a16:creationId xmlns:a16="http://schemas.microsoft.com/office/drawing/2014/main" id="{A3B3C7CA-4DEC-50BD-47E1-4C02110C4A8E}"/>
+              </a:ext>
+            </a:extLst>
+          </p:cNvPr>
+          <p:cNvSpPr txBox="1"/>
+          <p:nvPr/>
+        </p:nvSpPr>
+        <p:spPr>
+          <a:xfrm>
+            <a:off x="86061" y="2573626"/>
+            <a:ext cx="3589867" cy="2585323"/>
+          </a:xfrm>
+          <a:prstGeom prst="rect">
+            <a:avLst/>
+          </a:prstGeom>
+          <a:noFill/>
+        </p:spPr>
+        <p:txBody>
+          <a:bodyPr wrap="square" rtlCol="0">
+            <a:spAutoFit/>
+          </a:bodyPr>
+          <a:lstStyle/>
+          <a:p>
+            <a:r>
+              <a:rPr lang="en-US" kern="100" dirty="0">
+                <a:latin typeface="Slack-Lato"/>
+                <a:ea typeface="Calibri" panose="020F0502020204030204" pitchFamily="34" charset="0"/>
+                <a:cs typeface="Calibri" panose="020F0502020204030204" pitchFamily="34" charset="0"/>
+              </a:rPr>
+              <a:t>Opportunities for top sellers: </a:t>
+            </a:r>
+          </a:p>
+          <a:p>
+            <a:pPr marL="285750" indent="-285750">
+              <a:buFont typeface="Arial" panose="020B0604020202020204" pitchFamily="34" charset="0"/>
+              <a:buChar char="•"/>
+            </a:pPr>
+            <a:r>
+              <a:rPr lang="en-US" sz="1800" kern="100" dirty="0">
                 <a:effectLst/>
                 <a:latin typeface="Slack-Lato"/>
-              </a:rPr>
-              <a:t>The transaction count at all three locations saw a significant uptick in March, with Astoria leading the surge, likely due to the arrival of warmer weather and increased tourist activity. This upward trend continued and even amplified in May, driven by factors such as the end of the academic year and the start of the tourist season, bringing a diverse mix of customers. These variations in customer traffic highlighted the need for Maven Coffee Shop to adopt flexible staffing strategies. Increasing part-time staff or adjusting schedules during peak times ensures efficient service without compromising quality. Effective management of these busier periods is crucial for maintaining customer satisfaction and capitalizing on the higher foot traffic.</a:t>
-            </a:r>
-            <a:endParaRPr lang="en-US" sz="1450" dirty="0">
+                <a:ea typeface="Calibri" panose="020F0502020204030204" pitchFamily="34" charset="0"/>
+                <a:cs typeface="Calibri" panose="020F0502020204030204" pitchFamily="34" charset="0"/>
+              </a:rPr>
+              <a:t>Promote products with higher transaction quantities </a:t>
+            </a:r>
+          </a:p>
+          <a:p>
+            <a:pPr marL="285750" indent="-285750">
+              <a:buFont typeface="Arial" panose="020B0604020202020204" pitchFamily="34" charset="0"/>
+              <a:buChar char="•"/>
+            </a:pPr>
+            <a:r>
+              <a:rPr lang="en-US" kern="100" dirty="0">
+                <a:latin typeface="Slack-Lato"/>
+                <a:ea typeface="Calibri" panose="020F0502020204030204" pitchFamily="34" charset="0"/>
+                <a:cs typeface="Calibri" panose="020F0502020204030204" pitchFamily="34" charset="0"/>
+              </a:rPr>
+              <a:t>M</a:t>
+            </a:r>
+            <a:r>
+              <a:rPr lang="en-US" sz="1800" kern="100" dirty="0">
+                <a:effectLst/>
+                <a:latin typeface="Slack-Lato"/>
+                <a:ea typeface="Calibri" panose="020F0502020204030204" pitchFamily="34" charset="0"/>
+                <a:cs typeface="Calibri" panose="020F0502020204030204" pitchFamily="34" charset="0"/>
+              </a:rPr>
+              <a:t>anaging inventory </a:t>
+            </a:r>
+          </a:p>
+          <a:p>
+            <a:pPr marL="285750" indent="-285750">
+              <a:buFont typeface="Arial" panose="020B0604020202020204" pitchFamily="34" charset="0"/>
+              <a:buChar char="•"/>
+            </a:pPr>
+            <a:endParaRPr lang="en-US" sz="1800" kern="100" dirty="0">
+              <a:effectLst/>
               <a:latin typeface="Slack-Lato"/>
+              <a:ea typeface="Calibri" panose="020F0502020204030204" pitchFamily="34" charset="0"/>
+              <a:cs typeface="Calibri" panose="020F0502020204030204" pitchFamily="34" charset="0"/>
             </a:endParaRPr>
+          </a:p>
+          <a:p>
+            <a:r>
+              <a:rPr lang="en-US" kern="100" dirty="0">
+                <a:latin typeface="Slack-Lato"/>
+                <a:ea typeface="Calibri" panose="020F0502020204030204" pitchFamily="34" charset="0"/>
+                <a:cs typeface="Calibri" panose="020F0502020204030204" pitchFamily="34" charset="0"/>
+              </a:rPr>
+              <a:t>Opportunities for bottom sellers: </a:t>
+            </a:r>
+          </a:p>
+          <a:p>
+            <a:pPr marL="285750" indent="-285750">
+              <a:buFont typeface="Arial" panose="020B0604020202020204" pitchFamily="34" charset="0"/>
+              <a:buChar char="•"/>
+            </a:pPr>
+            <a:r>
+              <a:rPr lang="en-US" sz="1800" kern="100" dirty="0">
+                <a:effectLst/>
+                <a:latin typeface="Slack-Lato"/>
+                <a:ea typeface="Calibri" panose="020F0502020204030204" pitchFamily="34" charset="0"/>
+                <a:cs typeface="Calibri" panose="020F0502020204030204" pitchFamily="34" charset="0"/>
+              </a:rPr>
+              <a:t>Why are these the lowest sellers </a:t>
+            </a:r>
+          </a:p>
+          <a:p>
+            <a:pPr marL="285750" indent="-285750">
+              <a:buFont typeface="Arial" panose="020B0604020202020204" pitchFamily="34" charset="0"/>
+              <a:buChar char="•"/>
+            </a:pPr>
+            <a:r>
+              <a:rPr lang="en-US" sz="1800" kern="100" dirty="0">
+                <a:effectLst/>
+                <a:latin typeface="Slack-Lato"/>
+                <a:ea typeface="Calibri" panose="020F0502020204030204" pitchFamily="34" charset="0"/>
+                <a:cs typeface="Calibri" panose="020F0502020204030204" pitchFamily="34" charset="0"/>
+              </a:rPr>
+              <a:t>Need better promotions</a:t>
+            </a:r>
+          </a:p>
+          <a:p>
+            <a:pPr marL="285750" indent="-285750">
+              <a:buFont typeface="Arial" panose="020B0604020202020204" pitchFamily="34" charset="0"/>
+              <a:buChar char="•"/>
+            </a:pPr>
+            <a:r>
+              <a:rPr lang="en-US" kern="100" dirty="0">
+                <a:latin typeface="Slack-Lato"/>
+                <a:ea typeface="Calibri" panose="020F0502020204030204" pitchFamily="34" charset="0"/>
+                <a:cs typeface="Calibri" panose="020F0502020204030204" pitchFamily="34" charset="0"/>
+              </a:rPr>
+              <a:t>Managing inventory</a:t>
+            </a:r>
+            <a:endParaRPr lang="en-US" dirty="0"/>
           </a:p>
         </p:txBody>
       </p:sp>
     </p:spTree>
     <p:extLst>
       <p:ext uri="{BB962C8B-B14F-4D97-AF65-F5344CB8AC3E}">
-        <p14:creationId xmlns:p14="http://schemas.microsoft.com/office/powerpoint/2010/main" val="1230423509"/>
+        <p14:creationId xmlns:p14="http://schemas.microsoft.com/office/powerpoint/2010/main" val="3005533824"/>
       </p:ext>
     </p:extLst>
   </p:cSld>
@@ -9029,7 +7202,7 @@
 </p:sld>
 </file>
 
-<file path=ppt/slides/slide9.xml><?xml version="1.0" encoding="utf-8"?>
+<file path=ppt/slides/slide6.xml><?xml version="1.0" encoding="utf-8"?>
 <p:sld xmlns:a="http://schemas.openxmlformats.org/drawingml/2006/main" xmlns:r="http://schemas.openxmlformats.org/officeDocument/2006/relationships" xmlns:p="http://schemas.openxmlformats.org/presentationml/2006/main">
   <p:cSld>
     <p:spTree>
@@ -9051,7 +7224,7 @@
           <p:cNvPr id="2" name="Title 1">
             <a:extLst>
               <a:ext uri="{FF2B5EF4-FFF2-40B4-BE49-F238E27FC236}">
-                <a16:creationId xmlns:a16="http://schemas.microsoft.com/office/drawing/2014/main" id="{77A04D18-794A-B217-738A-E0FA642FDBAD}"/>
+                <a16:creationId xmlns:a16="http://schemas.microsoft.com/office/drawing/2014/main" id="{254F16FE-AB1C-99FE-2D1F-C7D3C33BC32F}"/>
               </a:ext>
             </a:extLst>
           </p:cNvPr>
@@ -9064,8 +7237,8 @@
         </p:nvSpPr>
         <p:spPr>
           <a:xfrm>
-            <a:off x="3808209" y="473335"/>
-            <a:ext cx="4625786" cy="1097281"/>
+            <a:off x="3539266" y="934224"/>
+            <a:ext cx="4740115" cy="604119"/>
           </a:xfrm>
         </p:spPr>
         <p:txBody>
@@ -9074,20 +7247,33 @@
           </a:bodyPr>
           <a:lstStyle/>
           <a:p>
-            <a:pPr algn="ctr"/>
-            <a:r>
-              <a:rPr lang="en-US" sz="4400" b="1" i="0" u="none" strike="noStrike" dirty="0">
+            <a:pPr algn="ctr" rtl="0">
+              <a:spcBef>
+                <a:spcPts val="0"/>
+              </a:spcBef>
+              <a:spcAft>
+                <a:spcPts val="0"/>
+              </a:spcAft>
+            </a:pPr>
+            <a:r>
+              <a:rPr lang="en-US" sz="4900" b="1" i="0" u="none" strike="noStrike" dirty="0">
                 <a:solidFill>
                   <a:srgbClr val="000000"/>
                 </a:solidFill>
                 <a:effectLst/>
                 <a:latin typeface="Slack-Lato"/>
               </a:rPr>
-              <a:t>Transactions by Day of Week</a:t>
-            </a:r>
-            <a:endParaRPr lang="en-US" sz="4400" b="1" dirty="0">
-              <a:latin typeface="Slack-Lato"/>
-            </a:endParaRPr>
+              <a:t>Sales by hour</a:t>
+            </a:r>
+            <a:br>
+              <a:rPr lang="en-US" b="0" dirty="0">
+                <a:effectLst/>
+              </a:rPr>
+            </a:br>
+            <a:br>
+              <a:rPr lang="en-US" dirty="0"/>
+            </a:br>
+            <a:endParaRPr lang="en-US" dirty="0"/>
           </a:p>
         </p:txBody>
       </p:sp>
@@ -9096,7 +7282,7 @@
           <p:cNvPr id="3" name="Content Placeholder 2">
             <a:extLst>
               <a:ext uri="{FF2B5EF4-FFF2-40B4-BE49-F238E27FC236}">
-                <a16:creationId xmlns:a16="http://schemas.microsoft.com/office/drawing/2014/main" id="{EDEA4222-B49C-6F9D-4FC8-CE1D8A883A3B}"/>
+                <a16:creationId xmlns:a16="http://schemas.microsoft.com/office/drawing/2014/main" id="{7E3886A1-18D5-98CE-80F4-6CC2B3D03A0D}"/>
               </a:ext>
             </a:extLst>
           </p:cNvPr>
@@ -9109,72 +7295,109 @@
         </p:nvSpPr>
         <p:spPr>
           <a:xfrm>
-            <a:off x="0" y="1807285"/>
-            <a:ext cx="5988421" cy="4668819"/>
+            <a:off x="1" y="1965987"/>
+            <a:ext cx="5535434" cy="4251934"/>
           </a:xfrm>
         </p:spPr>
         <p:txBody>
           <a:bodyPr>
-            <a:normAutofit fontScale="55000" lnSpcReduction="20000"/>
+            <a:noAutofit/>
           </a:bodyPr>
           <a:lstStyle/>
           <a:p>
-            <a:pPr marL="0" indent="0" rtl="0">
+            <a:pPr rtl="0" fontAlgn="base">
               <a:spcBef>
                 <a:spcPts val="0"/>
               </a:spcBef>
               <a:spcAft>
-                <a:spcPts val="1500"/>
+                <a:spcPts val="0"/>
               </a:spcAft>
-              <a:buNone/>
+              <a:buFont typeface="Courier New" panose="02070309020205020404" pitchFamily="49" charset="0"/>
+              <a:buChar char="o"/>
             </a:pPr>
             <a:r>
-              <a:rPr lang="en-US" sz="2500" b="0" i="0" u="none" strike="noStrike" dirty="0">
+              <a:rPr lang="en-US" sz="1800" b="0" i="0" u="none" strike="noStrike" dirty="0">
+                <a:solidFill>
+                  <a:srgbClr val="000000"/>
+                </a:solidFill>
                 <a:effectLst/>
                 <a:latin typeface="Slack-Lato"/>
               </a:rPr>
-              <a:t>At Maven Coffee Shop, the transaction patterns across the Astoria, Lower Manhattan, and Hell's Kitchen locations display an unusual but consistent trend: the number of daily transactions remains remarkably uniform throughout the week. This stability in customer flow, deviating from the typical industry norm of weekend spikes or weekday variations, suggests a steady patronage across all days. In Astoria, the diverse demographic mix of professionals, students, and residents contributes to this regularity, while in Lower Manhattan, the blend of office workers, tourists, and locals maintains a constant transaction level. Hell's Kitchen mirrors this trend, likely due to its residential stability and the continuous draw of nearby attractions.</a:t>
-            </a:r>
-            <a:endParaRPr lang="en-US" sz="2500" dirty="0">
-              <a:latin typeface="Slack-Lato"/>
-            </a:endParaRPr>
-          </a:p>
-          <a:p>
-            <a:pPr marL="0" indent="0" rtl="0">
+              <a:t>All locations for the most part follow a similar pattern as the day progresses</a:t>
+            </a:r>
+          </a:p>
+          <a:p>
+            <a:pPr lvl="1" rtl="0" fontAlgn="base">
               <a:spcBef>
                 <a:spcPts val="0"/>
               </a:spcBef>
               <a:spcAft>
-                <a:spcPts val="1500"/>
+                <a:spcPts val="0"/>
               </a:spcAft>
-              <a:buNone/>
             </a:pPr>
             <a:r>
-              <a:rPr lang="en-US" sz="2500" b="0" i="0" u="none" strike="noStrike" dirty="0">
+              <a:rPr lang="en-US" b="0" i="0" u="none" strike="noStrike" dirty="0">
+                <a:solidFill>
+                  <a:srgbClr val="000000"/>
+                </a:solidFill>
                 <a:effectLst/>
                 <a:latin typeface="Slack-Lato"/>
               </a:rPr>
-              <a:t>This consistent daily transaction rate presents both operational advantages and strategic opportunities for Maven Coffee Shop. Operationally, the predictability aids in efficient staffing and inventory management, ensuring the business can run smoothly without the risks of overstaffing or stock shortages. Strategically, however, this pattern indicates potential areas for growth, particularly on days typically considered off-peak in the café industry. By tailoring marketing efforts and introducing specific promotions targeted at these days, Maven Coffee Shop could potentially increase its customer base and transaction count, capitalizing on opportunities that the current uniformity suggests are as yet untapped.</a:t>
-            </a:r>
-            <a:endParaRPr lang="en-US" sz="2500" b="0" dirty="0">
-              <a:effectLst/>
-              <a:latin typeface="Slack-Lato"/>
-            </a:endParaRPr>
-          </a:p>
-          <a:p>
-            <a:pPr marL="0" indent="0">
-              <a:buNone/>
+              <a:t>This pattern is a spike in the early hours, with sales dropping at around 11a.m.</a:t>
+            </a:r>
+          </a:p>
+          <a:p>
+            <a:pPr rtl="0" fontAlgn="base">
+              <a:spcBef>
+                <a:spcPts val="0"/>
+              </a:spcBef>
+              <a:spcAft>
+                <a:spcPts val="1200"/>
+              </a:spcAft>
+              <a:buFont typeface="Courier New" panose="02070309020205020404" pitchFamily="49" charset="0"/>
+              <a:buChar char="o"/>
             </a:pPr>
-            <a:endParaRPr lang="en-US" dirty="0"/>
+            <a:r>
+              <a:rPr lang="en-US" sz="1800" b="0" i="0" u="none" strike="noStrike" dirty="0">
+                <a:solidFill>
+                  <a:srgbClr val="000000"/>
+                </a:solidFill>
+                <a:effectLst/>
+                <a:latin typeface="Slack-Lato"/>
+              </a:rPr>
+              <a:t>Astoria is the most consist throughout the day seeing a smaller peak while also not having a drop off in the later hours of the day</a:t>
+            </a:r>
+          </a:p>
+          <a:p>
+            <a:pPr rtl="0" fontAlgn="base">
+              <a:spcBef>
+                <a:spcPts val="0"/>
+              </a:spcBef>
+              <a:spcAft>
+                <a:spcPts val="0"/>
+              </a:spcAft>
+              <a:buFont typeface="Courier New" panose="02070309020205020404" pitchFamily="49" charset="0"/>
+              <a:buChar char="o"/>
+            </a:pPr>
+            <a:r>
+              <a:rPr lang="en-US" sz="1800" b="0" i="0" u="none" strike="noStrike" dirty="0">
+                <a:solidFill>
+                  <a:srgbClr val="000000"/>
+                </a:solidFill>
+                <a:effectLst/>
+                <a:latin typeface="Slack-Lato"/>
+              </a:rPr>
+              <a:t>For staffing purposes this means that you would need a big opening crew in order to ensure that the morning rush goes smooth but you can let them off around 11am/noon and keep a smaller crew for the afternoon</a:t>
+            </a:r>
           </a:p>
         </p:txBody>
       </p:sp>
       <p:pic>
         <p:nvPicPr>
-          <p:cNvPr id="5122" name="Picture 2">
+          <p:cNvPr id="2050" name="Picture 2">
             <a:extLst>
               <a:ext uri="{FF2B5EF4-FFF2-40B4-BE49-F238E27FC236}">
-                <a16:creationId xmlns:a16="http://schemas.microsoft.com/office/drawing/2014/main" id="{D56C9AE6-FA9E-A128-05E8-451D1FC5A773}"/>
+                <a16:creationId xmlns:a16="http://schemas.microsoft.com/office/drawing/2014/main" id="{4520FD93-FA22-1F75-F764-C740005890D0}"/>
               </a:ext>
             </a:extLst>
           </p:cNvPr>
@@ -9198,8 +7421,8 @@
         </p:blipFill>
         <p:spPr bwMode="auto">
           <a:xfrm>
-            <a:off x="5988423" y="1925619"/>
-            <a:ext cx="6092416" cy="4932381"/>
+            <a:off x="5723067" y="1965986"/>
+            <a:ext cx="6390043" cy="4112085"/>
           </a:xfrm>
           <a:prstGeom prst="rect">
             <a:avLst/>
@@ -9234,15 +7457,783 @@
               <a:srgbClr val="FFFFFF"/>
             </a:contourClr>
           </a:sp3d>
-          <a:extLst>
-            <a:ext uri="{909E8E84-426E-40DD-AFC4-6F175D3DCCD1}">
-              <a14:hiddenFill xmlns:a14="http://schemas.microsoft.com/office/drawing/2010/main">
+        </p:spPr>
+      </p:pic>
+    </p:spTree>
+    <p:extLst>
+      <p:ext uri="{BB962C8B-B14F-4D97-AF65-F5344CB8AC3E}">
+        <p14:creationId xmlns:p14="http://schemas.microsoft.com/office/powerpoint/2010/main" val="4200639994"/>
+      </p:ext>
+    </p:extLst>
+  </p:cSld>
+  <p:clrMapOvr>
+    <a:masterClrMapping/>
+  </p:clrMapOvr>
+</p:sld>
+</file>
+
+<file path=ppt/slides/slide7.xml><?xml version="1.0" encoding="utf-8"?>
+<p:sld xmlns:a="http://schemas.openxmlformats.org/drawingml/2006/main" xmlns:r="http://schemas.openxmlformats.org/officeDocument/2006/relationships" xmlns:p="http://schemas.openxmlformats.org/presentationml/2006/main">
+  <p:cSld>
+    <p:spTree>
+      <p:nvGrpSpPr>
+        <p:cNvPr id="1" name=""/>
+        <p:cNvGrpSpPr/>
+        <p:nvPr/>
+      </p:nvGrpSpPr>
+      <p:grpSpPr>
+        <a:xfrm>
+          <a:off x="0" y="0"/>
+          <a:ext cx="0" cy="0"/>
+          <a:chOff x="0" y="0"/>
+          <a:chExt cx="0" cy="0"/>
+        </a:xfrm>
+      </p:grpSpPr>
+      <p:sp>
+        <p:nvSpPr>
+          <p:cNvPr id="2" name="Title 1">
+            <a:extLst>
+              <a:ext uri="{FF2B5EF4-FFF2-40B4-BE49-F238E27FC236}">
+                <a16:creationId xmlns:a16="http://schemas.microsoft.com/office/drawing/2014/main" id="{47F65BE5-76F4-E42E-0F44-19FF2F1101AA}"/>
+              </a:ext>
+            </a:extLst>
+          </p:cNvPr>
+          <p:cNvSpPr>
+            <a:spLocks noGrp="1"/>
+          </p:cNvSpPr>
+          <p:nvPr>
+            <p:ph type="title"/>
+          </p:nvPr>
+        </p:nvSpPr>
+        <p:spPr>
+          <a:xfrm>
+            <a:off x="3512204" y="355002"/>
+            <a:ext cx="4464760" cy="1366221"/>
+          </a:xfrm>
+        </p:spPr>
+        <p:txBody>
+          <a:bodyPr>
+            <a:normAutofit fontScale="90000"/>
+          </a:bodyPr>
+          <a:lstStyle/>
+          <a:p>
+            <a:pPr algn="ctr"/>
+            <a:r>
+              <a:rPr lang="en-US" sz="4900" b="1" i="0" u="none" strike="noStrike" dirty="0">
                 <a:solidFill>
-                  <a:srgbClr val="FFFFFF"/>
+                  <a:srgbClr val="000000"/>
                 </a:solidFill>
-              </a14:hiddenFill>
-            </a:ext>
-          </a:extLst>
+                <a:effectLst/>
+                <a:latin typeface="Slack-Lato"/>
+              </a:rPr>
+              <a:t>Sales by hour cont. </a:t>
+            </a:r>
+            <a:br>
+              <a:rPr lang="en-US" b="0" dirty="0">
+                <a:effectLst/>
+              </a:rPr>
+            </a:br>
+            <a:br>
+              <a:rPr lang="en-US" dirty="0"/>
+            </a:br>
+            <a:endParaRPr lang="en-US" dirty="0"/>
+          </a:p>
+        </p:txBody>
+      </p:sp>
+      <p:sp>
+        <p:nvSpPr>
+          <p:cNvPr id="3" name="Content Placeholder 2">
+            <a:extLst>
+              <a:ext uri="{FF2B5EF4-FFF2-40B4-BE49-F238E27FC236}">
+                <a16:creationId xmlns:a16="http://schemas.microsoft.com/office/drawing/2014/main" id="{87EBA997-E98F-B3CC-0DF3-605777B7CFB4}"/>
+              </a:ext>
+            </a:extLst>
+          </p:cNvPr>
+          <p:cNvSpPr>
+            <a:spLocks noGrp="1"/>
+          </p:cNvSpPr>
+          <p:nvPr>
+            <p:ph idx="1"/>
+          </p:nvPr>
+        </p:nvSpPr>
+        <p:spPr>
+          <a:xfrm>
+            <a:off x="1" y="1914861"/>
+            <a:ext cx="5529430" cy="4507454"/>
+          </a:xfrm>
+        </p:spPr>
+        <p:txBody>
+          <a:bodyPr>
+            <a:normAutofit/>
+          </a:bodyPr>
+          <a:lstStyle/>
+          <a:p>
+            <a:pPr rtl="0" fontAlgn="base">
+              <a:spcBef>
+                <a:spcPts val="0"/>
+              </a:spcBef>
+              <a:spcAft>
+                <a:spcPts val="0"/>
+              </a:spcAft>
+              <a:buFont typeface="Courier New" panose="02070309020205020404" pitchFamily="49" charset="0"/>
+              <a:buChar char="o"/>
+            </a:pPr>
+            <a:r>
+              <a:rPr lang="en-US" sz="1600" b="0" i="0" u="none" strike="noStrike" dirty="0">
+                <a:solidFill>
+                  <a:srgbClr val="000000"/>
+                </a:solidFill>
+                <a:effectLst/>
+                <a:latin typeface="Slack-Lato"/>
+              </a:rPr>
+              <a:t>Another factor that is relevant to staffing would be the types of products sold</a:t>
+            </a:r>
+          </a:p>
+          <a:p>
+            <a:pPr lvl="1" rtl="0" fontAlgn="base">
+              <a:spcBef>
+                <a:spcPts val="0"/>
+              </a:spcBef>
+              <a:spcAft>
+                <a:spcPts val="0"/>
+              </a:spcAft>
+            </a:pPr>
+            <a:r>
+              <a:rPr lang="en-US" sz="1600" b="0" i="0" u="none" strike="noStrike" dirty="0">
+                <a:solidFill>
+                  <a:srgbClr val="000000"/>
+                </a:solidFill>
+                <a:effectLst/>
+                <a:latin typeface="Slack-Lato"/>
+              </a:rPr>
+              <a:t>Certain products like coffee, tea and drinking chocolate would require a staff member to prepare</a:t>
+            </a:r>
+          </a:p>
+          <a:p>
+            <a:pPr lvl="1" rtl="0" fontAlgn="base">
+              <a:spcBef>
+                <a:spcPts val="0"/>
+              </a:spcBef>
+              <a:spcAft>
+                <a:spcPts val="0"/>
+              </a:spcAft>
+            </a:pPr>
+            <a:r>
+              <a:rPr lang="en-US" sz="1600" b="0" i="0" u="none" strike="noStrike" dirty="0">
+                <a:solidFill>
+                  <a:srgbClr val="000000"/>
+                </a:solidFill>
+                <a:effectLst/>
+                <a:latin typeface="Slack-Lato"/>
+              </a:rPr>
+              <a:t>While other products such as coffee beans, </a:t>
+            </a:r>
+            <a:r>
+              <a:rPr lang="en-US" sz="1600" b="0" i="0" u="none" strike="noStrike" dirty="0" err="1">
+                <a:solidFill>
+                  <a:srgbClr val="000000"/>
+                </a:solidFill>
+                <a:effectLst/>
+                <a:latin typeface="Slack-Lato"/>
+              </a:rPr>
+              <a:t>flavours</a:t>
+            </a:r>
+            <a:r>
+              <a:rPr lang="en-US" sz="1600" b="0" i="0" u="none" strike="noStrike" dirty="0">
+                <a:solidFill>
+                  <a:srgbClr val="000000"/>
+                </a:solidFill>
+                <a:effectLst/>
+                <a:latin typeface="Slack-Lato"/>
+              </a:rPr>
+              <a:t>, etc. can just be bought off the shelf</a:t>
+            </a:r>
+          </a:p>
+          <a:p>
+            <a:pPr rtl="0" fontAlgn="base">
+              <a:spcBef>
+                <a:spcPts val="0"/>
+              </a:spcBef>
+              <a:spcAft>
+                <a:spcPts val="0"/>
+              </a:spcAft>
+              <a:buFont typeface="Courier New" panose="02070309020205020404" pitchFamily="49" charset="0"/>
+              <a:buChar char="o"/>
+            </a:pPr>
+            <a:r>
+              <a:rPr lang="en-US" sz="1600" b="0" i="0" u="none" strike="noStrike" dirty="0">
+                <a:solidFill>
+                  <a:srgbClr val="000000"/>
+                </a:solidFill>
+                <a:effectLst/>
+                <a:latin typeface="Slack-Lato"/>
+              </a:rPr>
+              <a:t>We see that the sale of prepared drinks follows the same trend of having a large morning rush</a:t>
+            </a:r>
+          </a:p>
+          <a:p>
+            <a:pPr rtl="0" fontAlgn="base">
+              <a:spcBef>
+                <a:spcPts val="0"/>
+              </a:spcBef>
+              <a:spcAft>
+                <a:spcPts val="1200"/>
+              </a:spcAft>
+              <a:buFont typeface="Courier New" panose="02070309020205020404" pitchFamily="49" charset="0"/>
+              <a:buChar char="o"/>
+            </a:pPr>
+            <a:r>
+              <a:rPr lang="en-US" sz="1600" b="0" i="0" u="none" strike="noStrike" dirty="0">
+                <a:solidFill>
+                  <a:srgbClr val="000000"/>
+                </a:solidFill>
+                <a:effectLst/>
+                <a:latin typeface="Slack-Lato"/>
+              </a:rPr>
+              <a:t>Once that rush dies down, however, the large majority or the products sold are those that can just be purchased</a:t>
+            </a:r>
+          </a:p>
+          <a:p>
+            <a:pPr lvl="1" rtl="0" fontAlgn="base">
+              <a:spcBef>
+                <a:spcPts val="0"/>
+              </a:spcBef>
+              <a:spcAft>
+                <a:spcPts val="0"/>
+              </a:spcAft>
+            </a:pPr>
+            <a:r>
+              <a:rPr lang="en-US" sz="1600" b="0" i="0" u="none" strike="noStrike" dirty="0">
+                <a:solidFill>
+                  <a:srgbClr val="000000"/>
+                </a:solidFill>
+                <a:effectLst/>
+                <a:latin typeface="Slack-Lato"/>
+              </a:rPr>
+              <a:t>This means that due to not having very many prepared drinks you can utilize an even smaller evening crew to maintain the shop.</a:t>
+            </a:r>
+          </a:p>
+        </p:txBody>
+      </p:sp>
+      <p:pic>
+        <p:nvPicPr>
+          <p:cNvPr id="3074" name="Picture 2">
+            <a:extLst>
+              <a:ext uri="{FF2B5EF4-FFF2-40B4-BE49-F238E27FC236}">
+                <a16:creationId xmlns:a16="http://schemas.microsoft.com/office/drawing/2014/main" id="{07634CED-EEF7-81C7-B54C-46ABF9102364}"/>
+              </a:ext>
+            </a:extLst>
+          </p:cNvPr>
+          <p:cNvPicPr>
+            <a:picLocks noChangeAspect="1" noChangeArrowheads="1"/>
+          </p:cNvPicPr>
+          <p:nvPr/>
+        </p:nvPicPr>
+        <p:blipFill>
+          <a:blip r:embed="rId2">
+            <a:extLst>
+              <a:ext uri="{28A0092B-C50C-407E-A947-70E740481C1C}">
+                <a14:useLocalDpi xmlns:a14="http://schemas.microsoft.com/office/drawing/2010/main" val="0"/>
+              </a:ext>
+            </a:extLst>
+          </a:blip>
+          <a:srcRect/>
+          <a:stretch>
+            <a:fillRect/>
+          </a:stretch>
+        </p:blipFill>
+        <p:spPr bwMode="auto">
+          <a:xfrm>
+            <a:off x="5744584" y="1979078"/>
+            <a:ext cx="6228677" cy="4131265"/>
+          </a:xfrm>
+          <a:prstGeom prst="rect">
+            <a:avLst/>
+          </a:prstGeom>
+          <a:solidFill>
+            <a:srgbClr val="FFFFFF">
+              <a:shade val="85000"/>
+            </a:srgbClr>
+          </a:solidFill>
+          <a:ln w="88900" cap="sq">
+            <a:solidFill>
+              <a:srgbClr val="FFFFFF"/>
+            </a:solidFill>
+            <a:miter lim="800000"/>
+          </a:ln>
+          <a:effectLst>
+            <a:outerShdw blurRad="55000" dist="18000" dir="5400000" algn="tl" rotWithShape="0">
+              <a:srgbClr val="000000">
+                <a:alpha val="40000"/>
+              </a:srgbClr>
+            </a:outerShdw>
+          </a:effectLst>
+          <a:scene3d>
+            <a:camera prst="orthographicFront"/>
+            <a:lightRig rig="twoPt" dir="t">
+              <a:rot lat="0" lon="0" rev="7200000"/>
+            </a:lightRig>
+          </a:scene3d>
+          <a:sp3d>
+            <a:bevelT w="25400" h="19050"/>
+            <a:contourClr>
+              <a:srgbClr val="FFFFFF"/>
+            </a:contourClr>
+          </a:sp3d>
+        </p:spPr>
+      </p:pic>
+    </p:spTree>
+    <p:extLst>
+      <p:ext uri="{BB962C8B-B14F-4D97-AF65-F5344CB8AC3E}">
+        <p14:creationId xmlns:p14="http://schemas.microsoft.com/office/powerpoint/2010/main" val="3796917910"/>
+      </p:ext>
+    </p:extLst>
+  </p:cSld>
+  <p:clrMapOvr>
+    <a:masterClrMapping/>
+  </p:clrMapOvr>
+</p:sld>
+</file>
+
+<file path=ppt/slides/slide8.xml><?xml version="1.0" encoding="utf-8"?>
+<p:sld xmlns:a="http://schemas.openxmlformats.org/drawingml/2006/main" xmlns:r="http://schemas.openxmlformats.org/officeDocument/2006/relationships" xmlns:p="http://schemas.openxmlformats.org/presentationml/2006/main">
+  <p:cSld>
+    <p:spTree>
+      <p:nvGrpSpPr>
+        <p:cNvPr id="1" name=""/>
+        <p:cNvGrpSpPr/>
+        <p:nvPr/>
+      </p:nvGrpSpPr>
+      <p:grpSpPr>
+        <a:xfrm>
+          <a:off x="0" y="0"/>
+          <a:ext cx="0" cy="0"/>
+          <a:chOff x="0" y="0"/>
+          <a:chExt cx="0" cy="0"/>
+        </a:xfrm>
+      </p:grpSpPr>
+      <p:sp>
+        <p:nvSpPr>
+          <p:cNvPr id="2" name="Title 1">
+            <a:extLst>
+              <a:ext uri="{FF2B5EF4-FFF2-40B4-BE49-F238E27FC236}">
+                <a16:creationId xmlns:a16="http://schemas.microsoft.com/office/drawing/2014/main" id="{250922FD-11E7-26CE-D131-B5883BE1E2DC}"/>
+              </a:ext>
+            </a:extLst>
+          </p:cNvPr>
+          <p:cNvSpPr>
+            <a:spLocks noGrp="1"/>
+          </p:cNvSpPr>
+          <p:nvPr>
+            <p:ph type="title"/>
+          </p:nvPr>
+        </p:nvSpPr>
+        <p:spPr>
+          <a:xfrm>
+            <a:off x="2893807" y="1021976"/>
+            <a:ext cx="6433073" cy="580913"/>
+          </a:xfrm>
+        </p:spPr>
+        <p:txBody>
+          <a:bodyPr>
+            <a:normAutofit fontScale="90000"/>
+          </a:bodyPr>
+          <a:lstStyle/>
+          <a:p>
+            <a:pPr algn="ctr"/>
+            <a:r>
+              <a:rPr lang="en-US" sz="4400" b="1" i="0" u="none" strike="noStrike" dirty="0">
+                <a:solidFill>
+                  <a:srgbClr val="000000"/>
+                </a:solidFill>
+                <a:effectLst/>
+                <a:latin typeface="Slack-Lato"/>
+              </a:rPr>
+              <a:t>Monthly Transactions</a:t>
+            </a:r>
+            <a:endParaRPr lang="en-US" sz="4400" b="1" dirty="0">
+              <a:latin typeface="Slack-Lato"/>
+            </a:endParaRPr>
+          </a:p>
+        </p:txBody>
+      </p:sp>
+      <p:sp>
+        <p:nvSpPr>
+          <p:cNvPr id="3" name="Content Placeholder 2">
+            <a:extLst>
+              <a:ext uri="{FF2B5EF4-FFF2-40B4-BE49-F238E27FC236}">
+                <a16:creationId xmlns:a16="http://schemas.microsoft.com/office/drawing/2014/main" id="{A6B3BDBE-6D28-F3E0-7350-5D175E38FA1C}"/>
+              </a:ext>
+            </a:extLst>
+          </p:cNvPr>
+          <p:cNvSpPr>
+            <a:spLocks noGrp="1"/>
+          </p:cNvSpPr>
+          <p:nvPr>
+            <p:ph idx="1"/>
+          </p:nvPr>
+        </p:nvSpPr>
+        <p:spPr>
+          <a:xfrm>
+            <a:off x="0" y="1908157"/>
+            <a:ext cx="12037807" cy="1093228"/>
+          </a:xfrm>
+        </p:spPr>
+        <p:txBody>
+          <a:bodyPr>
+            <a:normAutofit lnSpcReduction="10000"/>
+          </a:bodyPr>
+          <a:lstStyle/>
+          <a:p>
+            <a:pPr marL="0" indent="0" rtl="0">
+              <a:spcBef>
+                <a:spcPts val="0"/>
+              </a:spcBef>
+              <a:spcAft>
+                <a:spcPts val="1500"/>
+              </a:spcAft>
+              <a:buNone/>
+            </a:pPr>
+            <a:r>
+              <a:rPr lang="en-US" sz="1500" b="0" i="0" u="none" strike="noStrike" dirty="0">
+                <a:effectLst/>
+                <a:latin typeface="Slack-Lato"/>
+              </a:rPr>
+              <a:t>In January 2023, Maven Coffee Shop's locations in Astoria, Lower Manhattan, and Hell's Kitchen started the year with a solid flow of customer transactions but experienced a slight dip in February, a common trend after the holiday season. The reduced activity can be attributed to typical post-holiday spending slowdowns and the colder New York City weather, which tends to discourage casual outings. Despite this, the consistent patronage in each location indicated a strong brand presence and a loyal customer base.</a:t>
+            </a:r>
+            <a:endParaRPr lang="en-US" sz="1500" b="0" dirty="0">
+              <a:effectLst/>
+              <a:latin typeface="Slack-Lato"/>
+            </a:endParaRPr>
+          </a:p>
+        </p:txBody>
+      </p:sp>
+      <p:pic>
+        <p:nvPicPr>
+          <p:cNvPr id="4098" name="Picture 2">
+            <a:extLst>
+              <a:ext uri="{FF2B5EF4-FFF2-40B4-BE49-F238E27FC236}">
+                <a16:creationId xmlns:a16="http://schemas.microsoft.com/office/drawing/2014/main" id="{385546BF-2AD5-E132-C010-0F4CD8D34EE3}"/>
+              </a:ext>
+            </a:extLst>
+          </p:cNvPr>
+          <p:cNvPicPr>
+            <a:picLocks noChangeAspect="1" noChangeArrowheads="1"/>
+          </p:cNvPicPr>
+          <p:nvPr/>
+        </p:nvPicPr>
+        <p:blipFill>
+          <a:blip r:embed="rId2">
+            <a:extLst>
+              <a:ext uri="{28A0092B-C50C-407E-A947-70E740481C1C}">
+                <a14:useLocalDpi xmlns:a14="http://schemas.microsoft.com/office/drawing/2010/main" val="0"/>
+              </a:ext>
+            </a:extLst>
+          </a:blip>
+          <a:srcRect/>
+          <a:stretch>
+            <a:fillRect/>
+          </a:stretch>
+        </p:blipFill>
+        <p:spPr bwMode="auto">
+          <a:xfrm>
+            <a:off x="123713" y="3001385"/>
+            <a:ext cx="7078532" cy="3726363"/>
+          </a:xfrm>
+          <a:prstGeom prst="rect">
+            <a:avLst/>
+          </a:prstGeom>
+          <a:solidFill>
+            <a:srgbClr val="FFFFFF">
+              <a:shade val="85000"/>
+            </a:srgbClr>
+          </a:solidFill>
+          <a:ln w="88900" cap="sq">
+            <a:solidFill>
+              <a:srgbClr val="FFFFFF"/>
+            </a:solidFill>
+            <a:miter lim="800000"/>
+          </a:ln>
+          <a:effectLst>
+            <a:outerShdw blurRad="55000" dist="18000" dir="5400000" algn="tl" rotWithShape="0">
+              <a:srgbClr val="000000">
+                <a:alpha val="40000"/>
+              </a:srgbClr>
+            </a:outerShdw>
+          </a:effectLst>
+          <a:scene3d>
+            <a:camera prst="orthographicFront"/>
+            <a:lightRig rig="twoPt" dir="t">
+              <a:rot lat="0" lon="0" rev="7200000"/>
+            </a:lightRig>
+          </a:scene3d>
+          <a:sp3d>
+            <a:bevelT w="25400" h="19050"/>
+            <a:contourClr>
+              <a:srgbClr val="FFFFFF"/>
+            </a:contourClr>
+          </a:sp3d>
+        </p:spPr>
+      </p:pic>
+      <p:sp>
+        <p:nvSpPr>
+          <p:cNvPr id="4" name="TextBox 3">
+            <a:extLst>
+              <a:ext uri="{FF2B5EF4-FFF2-40B4-BE49-F238E27FC236}">
+                <a16:creationId xmlns:a16="http://schemas.microsoft.com/office/drawing/2014/main" id="{53000E10-E386-D87B-C9F3-26B300867040}"/>
+              </a:ext>
+            </a:extLst>
+          </p:cNvPr>
+          <p:cNvSpPr txBox="1"/>
+          <p:nvPr/>
+        </p:nvSpPr>
+        <p:spPr>
+          <a:xfrm>
+            <a:off x="7325958" y="3001385"/>
+            <a:ext cx="4711849" cy="2993127"/>
+          </a:xfrm>
+          <a:prstGeom prst="rect">
+            <a:avLst/>
+          </a:prstGeom>
+          <a:noFill/>
+        </p:spPr>
+        <p:txBody>
+          <a:bodyPr wrap="square" rtlCol="0">
+            <a:spAutoFit/>
+          </a:bodyPr>
+          <a:lstStyle/>
+          <a:p>
+            <a:r>
+              <a:rPr lang="en-US" sz="1450" b="0" i="0" u="none" strike="noStrike" dirty="0">
+                <a:effectLst/>
+                <a:latin typeface="Slack-Lato"/>
+              </a:rPr>
+              <a:t>The transaction count at all three locations saw a significant uptick in March, with Astoria leading the surge, likely due to the arrival of warmer weather and increased tourist activity. This upward trend continued and even amplified in May, driven by factors such as the end of the academic year and the start of the tourist season, bringing a diverse mix of customers. These variations in customer traffic highlighted the need for Maven Coffee Shop to adopt flexible staffing strategies. Increasing part-time staff or adjusting schedules during peak times ensures efficient service without compromising quality. Effective management of these busier periods is crucial for maintaining customer satisfaction and capitalizing on the higher foot traffic.</a:t>
+            </a:r>
+            <a:endParaRPr lang="en-US" sz="1450" dirty="0">
+              <a:latin typeface="Slack-Lato"/>
+            </a:endParaRPr>
+          </a:p>
+        </p:txBody>
+      </p:sp>
+    </p:spTree>
+    <p:extLst>
+      <p:ext uri="{BB962C8B-B14F-4D97-AF65-F5344CB8AC3E}">
+        <p14:creationId xmlns:p14="http://schemas.microsoft.com/office/powerpoint/2010/main" val="1230423509"/>
+      </p:ext>
+    </p:extLst>
+  </p:cSld>
+  <p:clrMapOvr>
+    <a:masterClrMapping/>
+  </p:clrMapOvr>
+</p:sld>
+</file>
+
+<file path=ppt/slides/slide9.xml><?xml version="1.0" encoding="utf-8"?>
+<p:sld xmlns:a="http://schemas.openxmlformats.org/drawingml/2006/main" xmlns:r="http://schemas.openxmlformats.org/officeDocument/2006/relationships" xmlns:p="http://schemas.openxmlformats.org/presentationml/2006/main">
+  <p:cSld>
+    <p:spTree>
+      <p:nvGrpSpPr>
+        <p:cNvPr id="1" name=""/>
+        <p:cNvGrpSpPr/>
+        <p:nvPr/>
+      </p:nvGrpSpPr>
+      <p:grpSpPr>
+        <a:xfrm>
+          <a:off x="0" y="0"/>
+          <a:ext cx="0" cy="0"/>
+          <a:chOff x="0" y="0"/>
+          <a:chExt cx="0" cy="0"/>
+        </a:xfrm>
+      </p:grpSpPr>
+      <p:sp>
+        <p:nvSpPr>
+          <p:cNvPr id="2" name="Title 1">
+            <a:extLst>
+              <a:ext uri="{FF2B5EF4-FFF2-40B4-BE49-F238E27FC236}">
+                <a16:creationId xmlns:a16="http://schemas.microsoft.com/office/drawing/2014/main" id="{77A04D18-794A-B217-738A-E0FA642FDBAD}"/>
+              </a:ext>
+            </a:extLst>
+          </p:cNvPr>
+          <p:cNvSpPr>
+            <a:spLocks noGrp="1"/>
+          </p:cNvSpPr>
+          <p:nvPr>
+            <p:ph type="title"/>
+          </p:nvPr>
+        </p:nvSpPr>
+        <p:spPr>
+          <a:xfrm>
+            <a:off x="3808209" y="473335"/>
+            <a:ext cx="4625786" cy="1097281"/>
+          </a:xfrm>
+        </p:spPr>
+        <p:txBody>
+          <a:bodyPr>
+            <a:normAutofit fontScale="90000"/>
+          </a:bodyPr>
+          <a:lstStyle/>
+          <a:p>
+            <a:pPr algn="ctr"/>
+            <a:r>
+              <a:rPr lang="en-US" sz="4400" b="1" i="0" u="none" strike="noStrike" dirty="0">
+                <a:solidFill>
+                  <a:srgbClr val="000000"/>
+                </a:solidFill>
+                <a:effectLst/>
+                <a:latin typeface="Slack-Lato"/>
+              </a:rPr>
+              <a:t>Transactions by Day of Week</a:t>
+            </a:r>
+            <a:endParaRPr lang="en-US" sz="4400" b="1" dirty="0">
+              <a:latin typeface="Slack-Lato"/>
+            </a:endParaRPr>
+          </a:p>
+        </p:txBody>
+      </p:sp>
+      <p:sp>
+        <p:nvSpPr>
+          <p:cNvPr id="3" name="Content Placeholder 2">
+            <a:extLst>
+              <a:ext uri="{FF2B5EF4-FFF2-40B4-BE49-F238E27FC236}">
+                <a16:creationId xmlns:a16="http://schemas.microsoft.com/office/drawing/2014/main" id="{EDEA4222-B49C-6F9D-4FC8-CE1D8A883A3B}"/>
+              </a:ext>
+            </a:extLst>
+          </p:cNvPr>
+          <p:cNvSpPr>
+            <a:spLocks noGrp="1"/>
+          </p:cNvSpPr>
+          <p:nvPr>
+            <p:ph idx="1"/>
+          </p:nvPr>
+        </p:nvSpPr>
+        <p:spPr>
+          <a:xfrm>
+            <a:off x="0" y="1807285"/>
+            <a:ext cx="5988421" cy="4668819"/>
+          </a:xfrm>
+        </p:spPr>
+        <p:txBody>
+          <a:bodyPr>
+            <a:normAutofit fontScale="55000" lnSpcReduction="20000"/>
+          </a:bodyPr>
+          <a:lstStyle/>
+          <a:p>
+            <a:pPr marL="0" indent="0" rtl="0">
+              <a:spcBef>
+                <a:spcPts val="0"/>
+              </a:spcBef>
+              <a:spcAft>
+                <a:spcPts val="1500"/>
+              </a:spcAft>
+              <a:buNone/>
+            </a:pPr>
+            <a:r>
+              <a:rPr lang="en-US" sz="2500" b="0" i="0" u="none" strike="noStrike" dirty="0">
+                <a:effectLst/>
+                <a:latin typeface="Slack-Lato"/>
+              </a:rPr>
+              <a:t>At Maven Coffee Shop, the transaction patterns across the Astoria, Lower Manhattan, and Hell's Kitchen locations display an unusual but consistent trend: the number of daily transactions remains remarkably uniform throughout the week. This stability in customer flow, deviating from the typical industry norm of weekend spikes or weekday variations, suggests a steady patronage across all days. In Astoria, the diverse demographic mix of professionals, students, and residents contributes to this regularity, while in Lower Manhattan, the blend of office workers, tourists, and locals maintains a constant transaction level. Hell's Kitchen mirrors this trend, likely due to its residential stability and the continuous draw of nearby attractions.</a:t>
+            </a:r>
+            <a:endParaRPr lang="en-US" sz="2500" dirty="0">
+              <a:latin typeface="Slack-Lato"/>
+            </a:endParaRPr>
+          </a:p>
+          <a:p>
+            <a:pPr marL="0" indent="0" rtl="0">
+              <a:spcBef>
+                <a:spcPts val="0"/>
+              </a:spcBef>
+              <a:spcAft>
+                <a:spcPts val="1500"/>
+              </a:spcAft>
+              <a:buNone/>
+            </a:pPr>
+            <a:r>
+              <a:rPr lang="en-US" sz="2500" b="0" i="0" u="none" strike="noStrike" dirty="0">
+                <a:effectLst/>
+                <a:latin typeface="Slack-Lato"/>
+              </a:rPr>
+              <a:t>This consistent daily transaction rate presents both operational advantages and strategic opportunities for Maven Coffee Shop. Operationally, the predictability aids in efficient staffing and inventory management, ensuring the business can run smoothly without the risks of overstaffing or stock shortages. Strategically, however, this pattern indicates potential areas for growth, particularly on days typically considered off-peak in the café industry. By tailoring marketing efforts and introducing specific promotions targeted at these days, Maven Coffee Shop could potentially increase its customer base and transaction count, capitalizing on opportunities that the current uniformity suggests are as yet untapped.</a:t>
+            </a:r>
+            <a:endParaRPr lang="en-US" sz="2500" b="0" dirty="0">
+              <a:effectLst/>
+              <a:latin typeface="Slack-Lato"/>
+            </a:endParaRPr>
+          </a:p>
+          <a:p>
+            <a:pPr marL="0" indent="0">
+              <a:buNone/>
+            </a:pPr>
+            <a:endParaRPr lang="en-US" dirty="0"/>
+          </a:p>
+        </p:txBody>
+      </p:sp>
+      <p:pic>
+        <p:nvPicPr>
+          <p:cNvPr id="5122" name="Picture 2">
+            <a:extLst>
+              <a:ext uri="{FF2B5EF4-FFF2-40B4-BE49-F238E27FC236}">
+                <a16:creationId xmlns:a16="http://schemas.microsoft.com/office/drawing/2014/main" id="{D56C9AE6-FA9E-A128-05E8-451D1FC5A773}"/>
+              </a:ext>
+            </a:extLst>
+          </p:cNvPr>
+          <p:cNvPicPr>
+            <a:picLocks noChangeAspect="1" noChangeArrowheads="1"/>
+          </p:cNvPicPr>
+          <p:nvPr/>
+        </p:nvPicPr>
+        <p:blipFill>
+          <a:blip r:embed="rId2">
+            <a:extLst>
+              <a:ext uri="{28A0092B-C50C-407E-A947-70E740481C1C}">
+                <a14:useLocalDpi xmlns:a14="http://schemas.microsoft.com/office/drawing/2010/main" val="0"/>
+              </a:ext>
+            </a:extLst>
+          </a:blip>
+          <a:srcRect/>
+          <a:stretch>
+            <a:fillRect/>
+          </a:stretch>
+        </p:blipFill>
+        <p:spPr bwMode="auto">
+          <a:xfrm>
+            <a:off x="6121102" y="1912995"/>
+            <a:ext cx="5988421" cy="4848187"/>
+          </a:xfrm>
+          <a:prstGeom prst="rect">
+            <a:avLst/>
+          </a:prstGeom>
+          <a:solidFill>
+            <a:srgbClr val="FFFFFF">
+              <a:shade val="85000"/>
+            </a:srgbClr>
+          </a:solidFill>
+          <a:ln w="88900" cap="sq">
+            <a:solidFill>
+              <a:srgbClr val="FFFFFF"/>
+            </a:solidFill>
+            <a:miter lim="800000"/>
+          </a:ln>
+          <a:effectLst>
+            <a:outerShdw blurRad="55000" dist="18000" dir="5400000" algn="tl" rotWithShape="0">
+              <a:srgbClr val="000000">
+                <a:alpha val="40000"/>
+              </a:srgbClr>
+            </a:outerShdw>
+          </a:effectLst>
+          <a:scene3d>
+            <a:camera prst="orthographicFront"/>
+            <a:lightRig rig="twoPt" dir="t">
+              <a:rot lat="0" lon="0" rev="7200000"/>
+            </a:lightRig>
+          </a:scene3d>
+          <a:sp3d>
+            <a:bevelT w="25400" h="19050"/>
+            <a:contourClr>
+              <a:srgbClr val="FFFFFF"/>
+            </a:contourClr>
+          </a:sp3d>
         </p:spPr>
       </p:pic>
     </p:spTree>
